--- a/Recolección de Basura en C.pptx
+++ b/Recolección de Basura en C.pptx
@@ -129,6 +129,9 @@
           </p14:sldIdLst>
         </p14:section>
       </p14:sectionLst>
+    </p:ext>
+    <p:ext uri="{EFAFB233-063F-42B5-8137-9DF3F51BA10A}">
+      <p15:sldGuideLst xmlns:p15="http://schemas.microsoft.com/office/powerpoint/2012/main"/>
     </p:ext>
   </p:extLst>
 </p:presentation>
@@ -3208,8 +3211,13 @@
           <a:p>
             <a:r>
               <a:rPr lang="en-US" dirty="0" smtClean="0"/>
-              <a:t>Trade-off (Performance &gt; Convenience</a:t>
-            </a:r>
+              <a:t>Trade-off (Performance &gt; </a:t>
+            </a:r>
+            <a:r>
+              <a:rPr lang="en-US" dirty="0" smtClean="0"/>
+              <a:t>Convenience)</a:t>
+            </a:r>
+            <a:endParaRPr lang="en-US" dirty="0" smtClean="0"/>
           </a:p>
         </p:txBody>
       </p:sp>
@@ -3267,7 +3275,7 @@
           <a:p>
             <a:r>
               <a:rPr lang="en-US" dirty="0" err="1" smtClean="0"/>
-              <a:t>Librerías</a:t>
+              <a:t>Algunas</a:t>
             </a:r>
             <a:r>
               <a:rPr lang="en-US" dirty="0" smtClean="0"/>
@@ -3275,6 +3283,14 @@
             </a:r>
             <a:r>
               <a:rPr lang="en-US" dirty="0" err="1" smtClean="0"/>
+              <a:t>librerías</a:t>
+            </a:r>
+            <a:r>
+              <a:rPr lang="en-US" dirty="0" smtClean="0"/>
+              <a:t> </a:t>
+            </a:r>
+            <a:r>
+              <a:rPr lang="en-US" dirty="0" err="1" smtClean="0"/>
               <a:t>disponibles</a:t>
             </a:r>
             <a:endParaRPr lang="en-US" dirty="0"/>
@@ -3297,8 +3313,12 @@
           <a:lstStyle/>
           <a:p>
             <a:r>
-              <a:rPr lang="en-US" dirty="0" smtClean="0"/>
-              <a:t>Boehm GC</a:t>
+              <a:rPr lang="en-US" dirty="0"/>
+              <a:t>Boehm-Demers-Weiser GC Library (Boehm GC</a:t>
+            </a:r>
+            <a:r>
+              <a:rPr lang="en-US" dirty="0" smtClean="0"/>
+              <a:t>)</a:t>
             </a:r>
           </a:p>
           <a:p>
@@ -3312,13 +3332,7 @@
               <a:rPr lang="en-US" dirty="0" smtClean="0"/>
               <a:t>3</a:t>
             </a:r>
-          </a:p>
-          <a:p>
-            <a:r>
-              <a:rPr lang="en-US" dirty="0" err="1" smtClean="0"/>
-              <a:t>etc</a:t>
-            </a:r>
-            <a:endParaRPr lang="en-US" dirty="0"/>
+            <a:endParaRPr lang="en-US" dirty="0" smtClean="0"/>
           </a:p>
         </p:txBody>
       </p:sp>
@@ -3397,8 +3411,258 @@
           <a:p>
             <a:r>
               <a:rPr lang="en-US" dirty="0" err="1" smtClean="0"/>
-              <a:t>blabla</a:t>
-            </a:r>
+              <a:t>Una</a:t>
+            </a:r>
+            <a:r>
+              <a:rPr lang="en-US" dirty="0" smtClean="0"/>
+              <a:t> de </a:t>
+            </a:r>
+            <a:r>
+              <a:rPr lang="en-US" dirty="0" err="1" smtClean="0"/>
+              <a:t>las</a:t>
+            </a:r>
+            <a:r>
+              <a:rPr lang="en-US" dirty="0" smtClean="0"/>
+              <a:t> </a:t>
+            </a:r>
+            <a:r>
+              <a:rPr lang="es-EC" dirty="0"/>
+              <a:t>librerías </a:t>
+            </a:r>
+            <a:r>
+              <a:rPr lang="es-EC" dirty="0" smtClean="0"/>
+              <a:t>más</a:t>
+            </a:r>
+            <a:r>
+              <a:rPr lang="en-US" dirty="0" smtClean="0"/>
+              <a:t> </a:t>
+            </a:r>
+            <a:r>
+              <a:rPr lang="en-US" dirty="0" err="1" smtClean="0"/>
+              <a:t>utilizadas</a:t>
+            </a:r>
+            <a:r>
+              <a:rPr lang="en-US" dirty="0" smtClean="0"/>
+              <a:t> para </a:t>
+            </a:r>
+            <a:r>
+              <a:rPr lang="en-US" dirty="0" err="1" smtClean="0"/>
+              <a:t>brindarle</a:t>
+            </a:r>
+            <a:r>
+              <a:rPr lang="en-US" dirty="0" smtClean="0"/>
+              <a:t> a </a:t>
+            </a:r>
+            <a:r>
+              <a:rPr lang="en-US" dirty="0" err="1" smtClean="0"/>
+              <a:t>programas</a:t>
+            </a:r>
+            <a:r>
+              <a:rPr lang="en-US" dirty="0" smtClean="0"/>
+              <a:t> en C la </a:t>
+            </a:r>
+            <a:r>
+              <a:rPr lang="en-US" dirty="0" err="1" smtClean="0"/>
+              <a:t>capacidad</a:t>
+            </a:r>
+            <a:r>
+              <a:rPr lang="en-US" dirty="0" smtClean="0"/>
+              <a:t> de </a:t>
+            </a:r>
+            <a:r>
+              <a:rPr lang="en-US" dirty="0" err="1" smtClean="0"/>
+              <a:t>recolectar</a:t>
+            </a:r>
+            <a:r>
+              <a:rPr lang="en-US" dirty="0" smtClean="0"/>
+              <a:t> </a:t>
+            </a:r>
+            <a:r>
+              <a:rPr lang="en-US" dirty="0" err="1" smtClean="0"/>
+              <a:t>basura</a:t>
+            </a:r>
+            <a:r>
+              <a:rPr lang="en-US" dirty="0" smtClean="0"/>
+              <a:t>.</a:t>
+            </a:r>
+          </a:p>
+          <a:p>
+            <a:r>
+              <a:rPr lang="en-US" dirty="0" err="1" smtClean="0"/>
+              <a:t>Facil</a:t>
+            </a:r>
+            <a:r>
+              <a:rPr lang="en-US" dirty="0" smtClean="0"/>
+              <a:t> de </a:t>
+            </a:r>
+            <a:r>
+              <a:rPr lang="en-US" dirty="0" err="1" smtClean="0"/>
+              <a:t>utilizar</a:t>
+            </a:r>
+            <a:r>
+              <a:rPr lang="en-US" dirty="0" smtClean="0"/>
+              <a:t>. </a:t>
+            </a:r>
+            <a:r>
+              <a:rPr lang="en-US" dirty="0" smtClean="0"/>
+              <a:t>Para </a:t>
+            </a:r>
+            <a:r>
+              <a:rPr lang="en-US" dirty="0" err="1" smtClean="0"/>
+              <a:t>programas</a:t>
+            </a:r>
+            <a:r>
+              <a:rPr lang="en-US" dirty="0" smtClean="0"/>
+              <a:t> </a:t>
+            </a:r>
+            <a:r>
+              <a:rPr lang="en-US" dirty="0" err="1" smtClean="0"/>
+              <a:t>que</a:t>
+            </a:r>
+            <a:r>
+              <a:rPr lang="en-US" dirty="0" smtClean="0"/>
+              <a:t> </a:t>
+            </a:r>
+            <a:r>
+              <a:rPr lang="en-US" dirty="0" err="1" smtClean="0"/>
+              <a:t>ya</a:t>
+            </a:r>
+            <a:r>
+              <a:rPr lang="en-US" dirty="0" smtClean="0"/>
+              <a:t> </a:t>
+            </a:r>
+            <a:r>
+              <a:rPr lang="en-US" dirty="0" err="1" smtClean="0"/>
+              <a:t>utilicen</a:t>
+            </a:r>
+            <a:r>
+              <a:rPr lang="en-US" dirty="0" smtClean="0"/>
+              <a:t> </a:t>
+            </a:r>
+            <a:r>
+              <a:rPr lang="en-US" dirty="0" err="1" smtClean="0"/>
+              <a:t>gestión</a:t>
+            </a:r>
+            <a:r>
+              <a:rPr lang="en-US" dirty="0" smtClean="0"/>
+              <a:t> manual de </a:t>
+            </a:r>
+            <a:r>
+              <a:rPr lang="en-US" dirty="0" err="1" smtClean="0"/>
+              <a:t>memoria</a:t>
+            </a:r>
+            <a:r>
+              <a:rPr lang="en-US" dirty="0" smtClean="0"/>
+              <a:t>, solo </a:t>
+            </a:r>
+            <a:r>
+              <a:rPr lang="en-US" dirty="0" err="1" smtClean="0"/>
+              <a:t>basta</a:t>
+            </a:r>
+            <a:r>
+              <a:rPr lang="en-US" dirty="0" smtClean="0"/>
+              <a:t> con </a:t>
+            </a:r>
+            <a:r>
+              <a:rPr lang="en-US" dirty="0" err="1" smtClean="0"/>
+              <a:t>redefinir</a:t>
+            </a:r>
+            <a:r>
+              <a:rPr lang="en-US" dirty="0" smtClean="0"/>
+              <a:t> </a:t>
+            </a:r>
+            <a:r>
+              <a:rPr lang="en-US" dirty="0" err="1" smtClean="0"/>
+              <a:t>funciones</a:t>
+            </a:r>
+            <a:r>
+              <a:rPr lang="en-US" dirty="0"/>
+              <a:t>.</a:t>
+            </a:r>
+            <a:endParaRPr lang="en-US" dirty="0" smtClean="0"/>
+          </a:p>
+          <a:p>
+            <a:r>
+              <a:rPr lang="en-US" dirty="0" err="1" smtClean="0"/>
+              <a:t>Consiste</a:t>
+            </a:r>
+            <a:r>
+              <a:rPr lang="en-US" dirty="0" smtClean="0"/>
+              <a:t> de dos </a:t>
+            </a:r>
+            <a:r>
+              <a:rPr lang="en-US" dirty="0" err="1" smtClean="0"/>
+              <a:t>fases</a:t>
+            </a:r>
+            <a:r>
+              <a:rPr lang="en-US" dirty="0" smtClean="0"/>
+              <a:t>:</a:t>
+            </a:r>
+          </a:p>
+          <a:p>
+            <a:pPr lvl="1"/>
+            <a:r>
+              <a:rPr lang="en-US" dirty="0" err="1" smtClean="0"/>
+              <a:t>Fase</a:t>
+            </a:r>
+            <a:r>
+              <a:rPr lang="en-US" dirty="0" smtClean="0"/>
+              <a:t> 1: </a:t>
+            </a:r>
+            <a:r>
+              <a:rPr lang="en-US" dirty="0" err="1" smtClean="0"/>
+              <a:t>Escaneo</a:t>
+            </a:r>
+            <a:r>
+              <a:rPr lang="en-US" dirty="0" smtClean="0"/>
+              <a:t> de </a:t>
+            </a:r>
+            <a:r>
+              <a:rPr lang="en-US" dirty="0" err="1" smtClean="0"/>
+              <a:t>memoria</a:t>
+            </a:r>
+            <a:endParaRPr lang="en-US" dirty="0" smtClean="0"/>
+          </a:p>
+          <a:p>
+            <a:pPr lvl="1"/>
+            <a:r>
+              <a:rPr lang="en-US" dirty="0" err="1" smtClean="0"/>
+              <a:t>Fase</a:t>
+            </a:r>
+            <a:r>
+              <a:rPr lang="en-US" dirty="0" smtClean="0"/>
+              <a:t> 2: </a:t>
+            </a:r>
+            <a:r>
+              <a:rPr lang="en-US" dirty="0" err="1" smtClean="0"/>
+              <a:t>Barrido</a:t>
+            </a:r>
+            <a:r>
+              <a:rPr lang="en-US" dirty="0"/>
+              <a:t> </a:t>
+            </a:r>
+            <a:r>
+              <a:rPr lang="en-US" dirty="0" smtClean="0"/>
+              <a:t>de </a:t>
+            </a:r>
+            <a:r>
+              <a:rPr lang="en-US" dirty="0" err="1" smtClean="0"/>
+              <a:t>bloques</a:t>
+            </a:r>
+            <a:endParaRPr lang="en-US" dirty="0"/>
+          </a:p>
+          <a:p>
+            <a:pPr marL="457200" lvl="1" indent="0">
+              <a:buNone/>
+            </a:pPr>
+            <a:endParaRPr lang="en-US" dirty="0"/>
+          </a:p>
+          <a:p>
+            <a:pPr lvl="1"/>
+            <a:endParaRPr lang="en-US" dirty="0" smtClean="0"/>
+          </a:p>
+          <a:p>
+            <a:pPr lvl="1"/>
             <a:endParaRPr lang="en-US" dirty="0" smtClean="0"/>
           </a:p>
         </p:txBody>

--- a/Recolección de Basura en C.pptx
+++ b/Recolección de Basura en C.pptx
@@ -10,8 +10,7 @@
     <p:sldId id="259" r:id="rId4"/>
     <p:sldId id="258" r:id="rId5"/>
     <p:sldId id="260" r:id="rId6"/>
-    <p:sldId id="261" r:id="rId7"/>
-    <p:sldId id="262" r:id="rId8"/>
+    <p:sldId id="262" r:id="rId7"/>
   </p:sldIdLst>
   <p:sldSz cx="12192000" cy="6858000"/>
   <p:notesSz cx="6858000" cy="9144000"/>
@@ -124,7 +123,6 @@
             <p14:sldId id="259"/>
             <p14:sldId id="258"/>
             <p14:sldId id="260"/>
-            <p14:sldId id="261"/>
             <p14:sldId id="262"/>
           </p14:sldIdLst>
         </p14:section>
@@ -268,7 +266,7 @@
           <a:p>
             <a:fld id="{6247CA0C-09F5-4541-B72D-5188874B459F}" type="datetimeFigureOut">
               <a:rPr lang="en-US" smtClean="0"/>
-              <a:t>2/2/2014</a:t>
+              <a:t>2/5/2014</a:t>
             </a:fld>
             <a:endParaRPr lang="en-US"/>
           </a:p>
@@ -438,7 +436,7 @@
           <a:p>
             <a:fld id="{6247CA0C-09F5-4541-B72D-5188874B459F}" type="datetimeFigureOut">
               <a:rPr lang="en-US" smtClean="0"/>
-              <a:t>2/2/2014</a:t>
+              <a:t>2/5/2014</a:t>
             </a:fld>
             <a:endParaRPr lang="en-US"/>
           </a:p>
@@ -618,7 +616,7 @@
           <a:p>
             <a:fld id="{6247CA0C-09F5-4541-B72D-5188874B459F}" type="datetimeFigureOut">
               <a:rPr lang="en-US" smtClean="0"/>
-              <a:t>2/2/2014</a:t>
+              <a:t>2/5/2014</a:t>
             </a:fld>
             <a:endParaRPr lang="en-US"/>
           </a:p>
@@ -788,7 +786,7 @@
           <a:p>
             <a:fld id="{6247CA0C-09F5-4541-B72D-5188874B459F}" type="datetimeFigureOut">
               <a:rPr lang="en-US" smtClean="0"/>
-              <a:t>2/2/2014</a:t>
+              <a:t>2/5/2014</a:t>
             </a:fld>
             <a:endParaRPr lang="en-US"/>
           </a:p>
@@ -1034,7 +1032,7 @@
           <a:p>
             <a:fld id="{6247CA0C-09F5-4541-B72D-5188874B459F}" type="datetimeFigureOut">
               <a:rPr lang="en-US" smtClean="0"/>
-              <a:t>2/2/2014</a:t>
+              <a:t>2/5/2014</a:t>
             </a:fld>
             <a:endParaRPr lang="en-US"/>
           </a:p>
@@ -1266,7 +1264,7 @@
           <a:p>
             <a:fld id="{6247CA0C-09F5-4541-B72D-5188874B459F}" type="datetimeFigureOut">
               <a:rPr lang="en-US" smtClean="0"/>
-              <a:t>2/2/2014</a:t>
+              <a:t>2/5/2014</a:t>
             </a:fld>
             <a:endParaRPr lang="en-US"/>
           </a:p>
@@ -1633,7 +1631,7 @@
           <a:p>
             <a:fld id="{6247CA0C-09F5-4541-B72D-5188874B459F}" type="datetimeFigureOut">
               <a:rPr lang="en-US" smtClean="0"/>
-              <a:t>2/2/2014</a:t>
+              <a:t>2/5/2014</a:t>
             </a:fld>
             <a:endParaRPr lang="en-US"/>
           </a:p>
@@ -1751,7 +1749,7 @@
           <a:p>
             <a:fld id="{6247CA0C-09F5-4541-B72D-5188874B459F}" type="datetimeFigureOut">
               <a:rPr lang="en-US" smtClean="0"/>
-              <a:t>2/2/2014</a:t>
+              <a:t>2/5/2014</a:t>
             </a:fld>
             <a:endParaRPr lang="en-US"/>
           </a:p>
@@ -1846,7 +1844,7 @@
           <a:p>
             <a:fld id="{6247CA0C-09F5-4541-B72D-5188874B459F}" type="datetimeFigureOut">
               <a:rPr lang="en-US" smtClean="0"/>
-              <a:t>2/2/2014</a:t>
+              <a:t>2/5/2014</a:t>
             </a:fld>
             <a:endParaRPr lang="en-US"/>
           </a:p>
@@ -2123,7 +2121,7 @@
           <a:p>
             <a:fld id="{6247CA0C-09F5-4541-B72D-5188874B459F}" type="datetimeFigureOut">
               <a:rPr lang="en-US" smtClean="0"/>
-              <a:t>2/2/2014</a:t>
+              <a:t>2/5/2014</a:t>
             </a:fld>
             <a:endParaRPr lang="en-US"/>
           </a:p>
@@ -2376,7 +2374,7 @@
           <a:p>
             <a:fld id="{6247CA0C-09F5-4541-B72D-5188874B459F}" type="datetimeFigureOut">
               <a:rPr lang="en-US" smtClean="0"/>
-              <a:t>2/2/2014</a:t>
+              <a:t>2/5/2014</a:t>
             </a:fld>
             <a:endParaRPr lang="en-US"/>
           </a:p>
@@ -2589,7 +2587,7 @@
           <a:p>
             <a:fld id="{6247CA0C-09F5-4541-B72D-5188874B459F}" type="datetimeFigureOut">
               <a:rPr lang="en-US" smtClean="0"/>
-              <a:t>2/2/2014</a:t>
+              <a:t>2/5/2014</a:t>
             </a:fld>
             <a:endParaRPr lang="en-US"/>
           </a:p>
@@ -3211,11 +3209,17 @@
           <a:p>
             <a:r>
               <a:rPr lang="en-US" dirty="0" smtClean="0"/>
-              <a:t>Trade-off (Performance &gt; </a:t>
-            </a:r>
-            <a:r>
-              <a:rPr lang="en-US" dirty="0" smtClean="0"/>
-              <a:t>Convenience)</a:t>
+              <a:t>Trade-off (Performance &gt; Convenience</a:t>
+            </a:r>
+            <a:r>
+              <a:rPr lang="en-US" dirty="0" smtClean="0"/>
+              <a:t>)</a:t>
+            </a:r>
+          </a:p>
+          <a:p>
+            <a:r>
+              <a:rPr lang="en-US" dirty="0" err="1" smtClean="0"/>
+              <a:t>Funcionalidad</a:t>
             </a:r>
             <a:endParaRPr lang="en-US" dirty="0" smtClean="0"/>
           </a:p>
@@ -3323,14 +3327,8 @@
           </a:p>
           <a:p>
             <a:r>
-              <a:rPr lang="en-US" dirty="0" smtClean="0"/>
+              <a:rPr lang="en-US" dirty="0"/>
               <a:t>2</a:t>
-            </a:r>
-          </a:p>
-          <a:p>
-            <a:r>
-              <a:rPr lang="en-US" dirty="0" smtClean="0"/>
-              <a:t>3</a:t>
             </a:r>
             <a:endParaRPr lang="en-US" dirty="0" smtClean="0"/>
           </a:p>
@@ -3501,11 +3499,7 @@
             </a:r>
             <a:r>
               <a:rPr lang="en-US" dirty="0" smtClean="0"/>
-              <a:t>. </a:t>
-            </a:r>
-            <a:r>
-              <a:rPr lang="en-US" dirty="0" smtClean="0"/>
-              <a:t>Para </a:t>
+              <a:t>. Para </a:t>
             </a:r>
             <a:r>
               <a:rPr lang="en-US" dirty="0" err="1" smtClean="0"/>
@@ -3794,11 +3788,7 @@
           <a:p>
             <a:r>
               <a:rPr lang="en-US" dirty="0" err="1" smtClean="0"/>
-              <a:t>Metodo</a:t>
-            </a:r>
-            <a:r>
-              <a:rPr lang="en-US" dirty="0" smtClean="0"/>
-              <a:t> 3</a:t>
+              <a:t>Conclusiones</a:t>
             </a:r>
             <a:endParaRPr lang="en-US" dirty="0"/>
           </a:p>
@@ -3820,86 +3810,25 @@
           <a:lstStyle/>
           <a:p>
             <a:r>
-              <a:rPr lang="en-US" dirty="0" err="1" smtClean="0"/>
-              <a:t>blabla</a:t>
-            </a:r>
-            <a:endParaRPr lang="en-US" dirty="0"/>
-          </a:p>
-        </p:txBody>
-      </p:sp>
-    </p:spTree>
-    <p:extLst>
-      <p:ext uri="{BB962C8B-B14F-4D97-AF65-F5344CB8AC3E}">
-        <p14:creationId xmlns:p14="http://schemas.microsoft.com/office/powerpoint/2010/main" val="201609875"/>
-      </p:ext>
-    </p:extLst>
-  </p:cSld>
-  <p:clrMapOvr>
-    <a:masterClrMapping/>
-  </p:clrMapOvr>
-</p:sld>
-</file>
-
-<file path=ppt/slides/slide7.xml><?xml version="1.0" encoding="utf-8"?>
-<p:sld xmlns:a="http://schemas.openxmlformats.org/drawingml/2006/main" xmlns:r="http://schemas.openxmlformats.org/officeDocument/2006/relationships" xmlns:p="http://schemas.openxmlformats.org/presentationml/2006/main">
-  <p:cSld>
-    <p:spTree>
-      <p:nvGrpSpPr>
-        <p:cNvPr id="1" name=""/>
-        <p:cNvGrpSpPr/>
-        <p:nvPr/>
-      </p:nvGrpSpPr>
-      <p:grpSpPr>
-        <a:xfrm>
-          <a:off x="0" y="0"/>
-          <a:ext cx="0" cy="0"/>
-          <a:chOff x="0" y="0"/>
-          <a:chExt cx="0" cy="0"/>
-        </a:xfrm>
-      </p:grpSpPr>
-      <p:sp>
-        <p:nvSpPr>
-          <p:cNvPr id="2" name="Title 1"/>
-          <p:cNvSpPr>
-            <a:spLocks noGrp="1"/>
-          </p:cNvSpPr>
-          <p:nvPr>
-            <p:ph type="title"/>
-          </p:nvPr>
-        </p:nvSpPr>
-        <p:spPr/>
-        <p:txBody>
-          <a:bodyPr/>
-          <a:lstStyle/>
-          <a:p>
-            <a:r>
-              <a:rPr lang="en-US" dirty="0" err="1" smtClean="0"/>
-              <a:t>Conclusiones</a:t>
-            </a:r>
-            <a:endParaRPr lang="en-US" dirty="0"/>
-          </a:p>
-        </p:txBody>
-      </p:sp>
-      <p:sp>
-        <p:nvSpPr>
-          <p:cNvPr id="3" name="Content Placeholder 2"/>
-          <p:cNvSpPr>
-            <a:spLocks noGrp="1"/>
-          </p:cNvSpPr>
-          <p:nvPr>
-            <p:ph idx="1"/>
-          </p:nvPr>
-        </p:nvSpPr>
-        <p:spPr/>
-        <p:txBody>
-          <a:bodyPr/>
-          <a:lstStyle/>
-          <a:p>
-            <a:r>
-              <a:rPr lang="en-US" dirty="0" err="1" smtClean="0"/>
-              <a:t>blabla</a:t>
-            </a:r>
-            <a:endParaRPr lang="en-US" dirty="0"/>
+              <a:rPr lang="en-US" dirty="0" smtClean="0"/>
+              <a:t>No </a:t>
+            </a:r>
+            <a:r>
+              <a:rPr lang="en-US" dirty="0" err="1" smtClean="0"/>
+              <a:t>tomar</a:t>
+            </a:r>
+            <a:r>
+              <a:rPr lang="en-US" dirty="0" smtClean="0"/>
+              <a:t> un </a:t>
+            </a:r>
+            <a:r>
+              <a:rPr lang="en-US" dirty="0" err="1" smtClean="0"/>
+              <a:t>avión</a:t>
+            </a:r>
+            <a:r>
+              <a:rPr lang="en-US" dirty="0" smtClean="0"/>
+              <a:t> a casa</a:t>
+            </a:r>
           </a:p>
         </p:txBody>
       </p:sp>

--- a/Recolección de Basura en C.pptx
+++ b/Recolección de Basura en C.pptx
@@ -2,7 +2,7 @@
 <file path=ppt/presentation.xml><?xml version="1.0" encoding="utf-8"?>
 <p:presentation xmlns:a="http://schemas.openxmlformats.org/drawingml/2006/main" xmlns:r="http://schemas.openxmlformats.org/officeDocument/2006/relationships" xmlns:p="http://schemas.openxmlformats.org/presentationml/2006/main" saveSubsetFonts="1">
   <p:sldMasterIdLst>
-    <p:sldMasterId id="2147483648" r:id="rId1"/>
+    <p:sldMasterId id="2147483732" r:id="rId1"/>
   </p:sldMasterIdLst>
   <p:sldIdLst>
     <p:sldId id="256" r:id="rId2"/>
@@ -10,7 +10,13 @@
     <p:sldId id="259" r:id="rId4"/>
     <p:sldId id="258" r:id="rId5"/>
     <p:sldId id="260" r:id="rId6"/>
-    <p:sldId id="262" r:id="rId7"/>
+    <p:sldId id="261" r:id="rId7"/>
+    <p:sldId id="262" r:id="rId8"/>
+    <p:sldId id="263" r:id="rId9"/>
+    <p:sldId id="264" r:id="rId10"/>
+    <p:sldId id="265" r:id="rId11"/>
+    <p:sldId id="266" r:id="rId12"/>
+    <p:sldId id="267" r:id="rId13"/>
   </p:sldIdLst>
   <p:sldSz cx="12192000" cy="6858000"/>
   <p:notesSz cx="6858000" cy="9144000"/>
@@ -123,13 +129,19 @@
             <p14:sldId id="259"/>
             <p14:sldId id="258"/>
             <p14:sldId id="260"/>
+            <p14:sldId id="261"/>
             <p14:sldId id="262"/>
+            <p14:sldId id="263"/>
+            <p14:sldId id="264"/>
+            <p14:sldId id="265"/>
+            <p14:sldId id="266"/>
+            <p14:sldId id="267"/>
           </p14:sldIdLst>
         </p14:section>
       </p14:sectionLst>
     </p:ext>
     <p:ext uri="{EFAFB233-063F-42B5-8137-9DF3F51BA10A}">
-      <p15:sldGuideLst xmlns:p15="http://schemas.microsoft.com/office/powerpoint/2012/main"/>
+      <p15:sldGuideLst xmlns="" xmlns:p15="http://schemas.microsoft.com/office/powerpoint/2012/main"/>
     </p:ext>
   </p:extLst>
 </p:presentation>
@@ -154,7 +166,7 @@
       </p:grpSpPr>
       <p:sp>
         <p:nvSpPr>
-          <p:cNvPr id="2" name="Title 1"/>
+          <p:cNvPr id="14" name="Title 13"/>
           <p:cNvSpPr>
             <a:spLocks noGrp="1"/>
           </p:cNvSpPr>
@@ -164,29 +176,30 @@
         </p:nvSpPr>
         <p:spPr>
           <a:xfrm>
-            <a:off x="1524000" y="1122363"/>
-            <a:ext cx="9144000" cy="2387600"/>
+            <a:off x="1910080" y="359898"/>
+            <a:ext cx="9875520" cy="1472184"/>
           </a:xfrm>
         </p:spPr>
         <p:txBody>
           <a:bodyPr anchor="b"/>
           <a:lstStyle>
-            <a:lvl1pPr algn="ctr">
-              <a:defRPr sz="6000"/>
+            <a:lvl1pPr algn="l">
+              <a:defRPr/>
             </a:lvl1pPr>
-          </a:lstStyle>
-          <a:p>
-            <a:r>
-              <a:rPr lang="en-US" smtClean="0"/>
+            <a:extLst/>
+          </a:lstStyle>
+          <a:p>
+            <a:r>
+              <a:rPr kumimoji="0" lang="en-US" smtClean="0"/>
               <a:t>Click to edit Master title style</a:t>
             </a:r>
-            <a:endParaRPr lang="en-US"/>
-          </a:p>
-        </p:txBody>
-      </p:sp>
-      <p:sp>
-        <p:nvSpPr>
-          <p:cNvPr id="3" name="Subtitle 2"/>
+            <a:endParaRPr kumimoji="0" lang="en-US"/>
+          </a:p>
+        </p:txBody>
+      </p:sp>
+      <p:sp>
+        <p:nvSpPr>
+          <p:cNvPr id="22" name="Subtitle 21"/>
           <p:cNvSpPr>
             <a:spLocks noGrp="1"/>
           </p:cNvSpPr>
@@ -196,62 +209,62 @@
         </p:nvSpPr>
         <p:spPr>
           <a:xfrm>
-            <a:off x="1524000" y="3602038"/>
-            <a:ext cx="9144000" cy="1655762"/>
+            <a:off x="1910080" y="1850064"/>
+            <a:ext cx="9875520" cy="1752600"/>
           </a:xfrm>
         </p:spPr>
         <p:txBody>
-          <a:bodyPr/>
-          <a:lstStyle>
-            <a:lvl1pPr marL="0" indent="0" algn="ctr">
+          <a:bodyPr tIns="0"/>
+          <a:lstStyle>
+            <a:lvl1pPr marL="27432" indent="0" algn="l">
               <a:buNone/>
-              <a:defRPr sz="2400"/>
+              <a:defRPr sz="2600">
+                <a:solidFill>
+                  <a:schemeClr val="tx2">
+                    <a:shade val="30000"/>
+                    <a:satMod val="150000"/>
+                  </a:schemeClr>
+                </a:solidFill>
+              </a:defRPr>
             </a:lvl1pPr>
             <a:lvl2pPr marL="457200" indent="0" algn="ctr">
               <a:buNone/>
-              <a:defRPr sz="2000"/>
             </a:lvl2pPr>
             <a:lvl3pPr marL="914400" indent="0" algn="ctr">
               <a:buNone/>
-              <a:defRPr sz="1800"/>
             </a:lvl3pPr>
             <a:lvl4pPr marL="1371600" indent="0" algn="ctr">
               <a:buNone/>
-              <a:defRPr sz="1600"/>
             </a:lvl4pPr>
             <a:lvl5pPr marL="1828800" indent="0" algn="ctr">
               <a:buNone/>
-              <a:defRPr sz="1600"/>
             </a:lvl5pPr>
             <a:lvl6pPr marL="2286000" indent="0" algn="ctr">
               <a:buNone/>
-              <a:defRPr sz="1600"/>
             </a:lvl6pPr>
             <a:lvl7pPr marL="2743200" indent="0" algn="ctr">
               <a:buNone/>
-              <a:defRPr sz="1600"/>
             </a:lvl7pPr>
             <a:lvl8pPr marL="3200400" indent="0" algn="ctr">
               <a:buNone/>
-              <a:defRPr sz="1600"/>
             </a:lvl8pPr>
             <a:lvl9pPr marL="3657600" indent="0" algn="ctr">
               <a:buNone/>
-              <a:defRPr sz="1600"/>
             </a:lvl9pPr>
-          </a:lstStyle>
-          <a:p>
-            <a:r>
-              <a:rPr lang="en-US" smtClean="0"/>
+            <a:extLst/>
+          </a:lstStyle>
+          <a:p>
+            <a:r>
+              <a:rPr kumimoji="0" lang="en-US" smtClean="0"/>
               <a:t>Click to edit Master subtitle style</a:t>
             </a:r>
-            <a:endParaRPr lang="en-US"/>
-          </a:p>
-        </p:txBody>
-      </p:sp>
-      <p:sp>
-        <p:nvSpPr>
-          <p:cNvPr id="4" name="Date Placeholder 3"/>
+            <a:endParaRPr kumimoji="0" lang="en-US"/>
+          </a:p>
+        </p:txBody>
+      </p:sp>
+      <p:sp>
+        <p:nvSpPr>
+          <p:cNvPr id="7" name="Date Placeholder 6"/>
           <p:cNvSpPr>
             <a:spLocks noGrp="1"/>
           </p:cNvSpPr>
@@ -262,7 +275,9 @@
         <p:spPr/>
         <p:txBody>
           <a:bodyPr/>
-          <a:lstStyle/>
+          <a:lstStyle>
+            <a:extLst/>
+          </a:lstStyle>
           <a:p>
             <a:fld id="{6247CA0C-09F5-4541-B72D-5188874B459F}" type="datetimeFigureOut">
               <a:rPr lang="en-US" smtClean="0"/>
@@ -274,7 +289,7 @@
       </p:sp>
       <p:sp>
         <p:nvSpPr>
-          <p:cNvPr id="5" name="Footer Placeholder 4"/>
+          <p:cNvPr id="20" name="Footer Placeholder 19"/>
           <p:cNvSpPr>
             <a:spLocks noGrp="1"/>
           </p:cNvSpPr>
@@ -285,7 +300,9 @@
         <p:spPr/>
         <p:txBody>
           <a:bodyPr/>
-          <a:lstStyle/>
+          <a:lstStyle>
+            <a:extLst/>
+          </a:lstStyle>
           <a:p>
             <a:endParaRPr lang="en-US"/>
           </a:p>
@@ -293,7 +310,7 @@
       </p:sp>
       <p:sp>
         <p:nvSpPr>
-          <p:cNvPr id="6" name="Slide Number Placeholder 5"/>
+          <p:cNvPr id="10" name="Slide Number Placeholder 9"/>
           <p:cNvSpPr>
             <a:spLocks noGrp="1"/>
           </p:cNvSpPr>
@@ -304,7 +321,9 @@
         <p:spPr/>
         <p:txBody>
           <a:bodyPr/>
-          <a:lstStyle/>
+          <a:lstStyle>
+            <a:extLst/>
+          </a:lstStyle>
           <a:p>
             <a:fld id="{962A3767-7857-495D-8F79-411239AFC561}" type="slidenum">
               <a:rPr lang="en-US" smtClean="0"/>
@@ -314,12 +333,145 @@
           </a:p>
         </p:txBody>
       </p:sp>
+      <p:sp>
+        <p:nvSpPr>
+          <p:cNvPr id="8" name="Oval 7"/>
+          <p:cNvSpPr/>
+          <p:nvPr/>
+        </p:nvSpPr>
+        <p:spPr>
+          <a:xfrm>
+            <a:off x="1228577" y="1413802"/>
+            <a:ext cx="280416" cy="210312"/>
+          </a:xfrm>
+          <a:prstGeom prst="ellipse">
+            <a:avLst/>
+          </a:prstGeom>
+          <a:gradFill rotWithShape="1">
+            <a:gsLst>
+              <a:gs pos="0">
+                <a:schemeClr val="accent1">
+                  <a:tint val="20000"/>
+                  <a:satMod val="450000"/>
+                  <a:alpha val="95000"/>
+                </a:schemeClr>
+              </a:gs>
+              <a:gs pos="50000">
+                <a:schemeClr val="accent1">
+                  <a:tint val="38000"/>
+                  <a:satMod val="250000"/>
+                  <a:alpha val="90000"/>
+                </a:schemeClr>
+              </a:gs>
+              <a:gs pos="95000">
+                <a:schemeClr val="accent1">
+                  <a:tint val="75000"/>
+                  <a:satMod val="255000"/>
+                  <a:alpha val="88000"/>
+                </a:schemeClr>
+              </a:gs>
+              <a:gs pos="100000">
+                <a:schemeClr val="accent1">
+                  <a:tint val="100000"/>
+                  <a:shade val="90000"/>
+                  <a:satMod val="255000"/>
+                  <a:alpha val="85000"/>
+                </a:schemeClr>
+              </a:gs>
+            </a:gsLst>
+            <a:path path="circle">
+              <a:fillToRect l="25000" t="12500" r="75000" b="87500"/>
+            </a:path>
+          </a:gradFill>
+          <a:ln w="2000" cap="rnd" cmpd="sng" algn="ctr">
+            <a:solidFill>
+              <a:schemeClr val="accent1">
+                <a:shade val="90000"/>
+                <a:satMod val="110000"/>
+                <a:alpha val="60000"/>
+              </a:schemeClr>
+            </a:solidFill>
+            <a:prstDash val="solid"/>
+          </a:ln>
+          <a:effectLst/>
+        </p:spPr>
+        <p:style>
+          <a:lnRef idx="1">
+            <a:schemeClr val="accent1"/>
+          </a:lnRef>
+          <a:fillRef idx="2">
+            <a:schemeClr val="accent1"/>
+          </a:fillRef>
+          <a:effectRef idx="1">
+            <a:schemeClr val="accent1"/>
+          </a:effectRef>
+          <a:fontRef idx="minor">
+            <a:schemeClr val="dk1"/>
+          </a:fontRef>
+        </p:style>
+        <p:txBody>
+          <a:bodyPr anchor="ctr"/>
+          <a:lstStyle>
+            <a:extLst/>
+          </a:lstStyle>
+          <a:p>
+            <a:pPr algn="ctr" eaLnBrk="1" latinLnBrk="0" hangingPunct="1"/>
+            <a:endParaRPr kumimoji="0" lang="en-US"/>
+          </a:p>
+        </p:txBody>
+      </p:sp>
+      <p:sp>
+        <p:nvSpPr>
+          <p:cNvPr id="9" name="Oval 8"/>
+          <p:cNvSpPr/>
+          <p:nvPr/>
+        </p:nvSpPr>
+        <p:spPr>
+          <a:xfrm>
+            <a:off x="1542901" y="1345016"/>
+            <a:ext cx="85344" cy="64008"/>
+          </a:xfrm>
+          <a:prstGeom prst="ellipse">
+            <a:avLst/>
+          </a:prstGeom>
+          <a:noFill/>
+          <a:ln w="12700" cap="rnd" cmpd="sng" algn="ctr">
+            <a:solidFill>
+              <a:schemeClr val="accent1">
+                <a:shade val="75000"/>
+                <a:alpha val="60000"/>
+              </a:schemeClr>
+            </a:solidFill>
+            <a:prstDash val="solid"/>
+          </a:ln>
+          <a:effectLst/>
+        </p:spPr>
+        <p:style>
+          <a:lnRef idx="1">
+            <a:schemeClr val="accent1"/>
+          </a:lnRef>
+          <a:fillRef idx="2">
+            <a:schemeClr val="accent1"/>
+          </a:fillRef>
+          <a:effectRef idx="1">
+            <a:schemeClr val="accent1"/>
+          </a:effectRef>
+          <a:fontRef idx="minor">
+            <a:schemeClr val="dk1"/>
+          </a:fontRef>
+        </p:style>
+        <p:txBody>
+          <a:bodyPr anchor="ctr"/>
+          <a:lstStyle>
+            <a:extLst/>
+          </a:lstStyle>
+          <a:p>
+            <a:pPr algn="ctr" eaLnBrk="1" latinLnBrk="0" hangingPunct="1"/>
+            <a:endParaRPr kumimoji="0" lang="en-US"/>
+          </a:p>
+        </p:txBody>
+      </p:sp>
     </p:spTree>
-    <p:extLst>
-      <p:ext uri="{BB962C8B-B14F-4D97-AF65-F5344CB8AC3E}">
-        <p14:creationId xmlns:p14="http://schemas.microsoft.com/office/powerpoint/2010/main" val="2038300969"/>
-      </p:ext>
-    </p:extLst>
   </p:cSld>
   <p:clrMapOvr>
     <a:masterClrMapping/>
@@ -357,13 +509,15 @@
         <p:spPr/>
         <p:txBody>
           <a:bodyPr/>
-          <a:lstStyle/>
-          <a:p>
-            <a:r>
-              <a:rPr lang="en-US" smtClean="0"/>
+          <a:lstStyle>
+            <a:extLst/>
+          </a:lstStyle>
+          <a:p>
+            <a:r>
+              <a:rPr kumimoji="0" lang="en-US" smtClean="0"/>
               <a:t>Click to edit Master title style</a:t>
             </a:r>
-            <a:endParaRPr lang="en-US"/>
+            <a:endParaRPr kumimoji="0" lang="en-US"/>
           </a:p>
         </p:txBody>
       </p:sp>
@@ -380,42 +534,44 @@
         <p:spPr/>
         <p:txBody>
           <a:bodyPr vert="eaVert"/>
-          <a:lstStyle/>
-          <a:p>
-            <a:pPr lvl="0"/>
+          <a:lstStyle>
+            <a:extLst/>
+          </a:lstStyle>
+          <a:p>
+            <a:pPr lvl="0" eaLnBrk="1" latinLnBrk="0" hangingPunct="1"/>
             <a:r>
               <a:rPr lang="en-US" smtClean="0"/>
               <a:t>Click to edit Master text styles</a:t>
             </a:r>
           </a:p>
           <a:p>
-            <a:pPr lvl="1"/>
+            <a:pPr lvl="1" eaLnBrk="1" latinLnBrk="0" hangingPunct="1"/>
             <a:r>
               <a:rPr lang="en-US" smtClean="0"/>
               <a:t>Second level</a:t>
             </a:r>
           </a:p>
           <a:p>
-            <a:pPr lvl="2"/>
+            <a:pPr lvl="2" eaLnBrk="1" latinLnBrk="0" hangingPunct="1"/>
             <a:r>
               <a:rPr lang="en-US" smtClean="0"/>
               <a:t>Third level</a:t>
             </a:r>
           </a:p>
           <a:p>
-            <a:pPr lvl="3"/>
+            <a:pPr lvl="3" eaLnBrk="1" latinLnBrk="0" hangingPunct="1"/>
             <a:r>
               <a:rPr lang="en-US" smtClean="0"/>
               <a:t>Fourth level</a:t>
             </a:r>
           </a:p>
           <a:p>
-            <a:pPr lvl="4"/>
+            <a:pPr lvl="4" eaLnBrk="1" latinLnBrk="0" hangingPunct="1"/>
             <a:r>
               <a:rPr lang="en-US" smtClean="0"/>
               <a:t>Fifth level</a:t>
             </a:r>
-            <a:endParaRPr lang="en-US"/>
+            <a:endParaRPr kumimoji="0" lang="en-US"/>
           </a:p>
         </p:txBody>
       </p:sp>
@@ -432,7 +588,9 @@
         <p:spPr/>
         <p:txBody>
           <a:bodyPr/>
-          <a:lstStyle/>
+          <a:lstStyle>
+            <a:extLst/>
+          </a:lstStyle>
           <a:p>
             <a:fld id="{6247CA0C-09F5-4541-B72D-5188874B459F}" type="datetimeFigureOut">
               <a:rPr lang="en-US" smtClean="0"/>
@@ -455,7 +613,9 @@
         <p:spPr/>
         <p:txBody>
           <a:bodyPr/>
-          <a:lstStyle/>
+          <a:lstStyle>
+            <a:extLst/>
+          </a:lstStyle>
           <a:p>
             <a:endParaRPr lang="en-US"/>
           </a:p>
@@ -474,7 +634,9 @@
         <p:spPr/>
         <p:txBody>
           <a:bodyPr/>
-          <a:lstStyle/>
+          <a:lstStyle>
+            <a:extLst/>
+          </a:lstStyle>
           <a:p>
             <a:fld id="{962A3767-7857-495D-8F79-411239AFC561}" type="slidenum">
               <a:rPr lang="en-US" smtClean="0"/>
@@ -485,11 +647,6 @@
         </p:txBody>
       </p:sp>
     </p:spTree>
-    <p:extLst>
-      <p:ext uri="{BB962C8B-B14F-4D97-AF65-F5344CB8AC3E}">
-        <p14:creationId xmlns:p14="http://schemas.microsoft.com/office/powerpoint/2010/main" val="903448938"/>
-      </p:ext>
-    </p:extLst>
   </p:cSld>
   <p:clrMapOvr>
     <a:masterClrMapping/>
@@ -526,19 +683,21 @@
         </p:nvSpPr>
         <p:spPr>
           <a:xfrm>
-            <a:off x="8724900" y="365125"/>
-            <a:ext cx="2628900" cy="5811838"/>
+            <a:off x="9144000" y="274640"/>
+            <a:ext cx="2438400" cy="5851525"/>
           </a:xfrm>
         </p:spPr>
         <p:txBody>
           <a:bodyPr vert="eaVert"/>
-          <a:lstStyle/>
-          <a:p>
-            <a:r>
-              <a:rPr lang="en-US" smtClean="0"/>
+          <a:lstStyle>
+            <a:extLst/>
+          </a:lstStyle>
+          <a:p>
+            <a:r>
+              <a:rPr kumimoji="0" lang="en-US" smtClean="0"/>
               <a:t>Click to edit Master title style</a:t>
             </a:r>
-            <a:endParaRPr lang="en-US"/>
+            <a:endParaRPr kumimoji="0" lang="en-US"/>
           </a:p>
         </p:txBody>
       </p:sp>
@@ -554,48 +713,50 @@
         </p:nvSpPr>
         <p:spPr>
           <a:xfrm>
-            <a:off x="838200" y="365125"/>
-            <a:ext cx="7734300" cy="5811838"/>
+            <a:off x="1524000" y="274641"/>
+            <a:ext cx="7416800" cy="5851525"/>
           </a:xfrm>
         </p:spPr>
         <p:txBody>
           <a:bodyPr vert="eaVert"/>
-          <a:lstStyle/>
-          <a:p>
-            <a:pPr lvl="0"/>
+          <a:lstStyle>
+            <a:extLst/>
+          </a:lstStyle>
+          <a:p>
+            <a:pPr lvl="0" eaLnBrk="1" latinLnBrk="0" hangingPunct="1"/>
             <a:r>
               <a:rPr lang="en-US" smtClean="0"/>
               <a:t>Click to edit Master text styles</a:t>
             </a:r>
           </a:p>
           <a:p>
-            <a:pPr lvl="1"/>
+            <a:pPr lvl="1" eaLnBrk="1" latinLnBrk="0" hangingPunct="1"/>
             <a:r>
               <a:rPr lang="en-US" smtClean="0"/>
               <a:t>Second level</a:t>
             </a:r>
           </a:p>
           <a:p>
-            <a:pPr lvl="2"/>
+            <a:pPr lvl="2" eaLnBrk="1" latinLnBrk="0" hangingPunct="1"/>
             <a:r>
               <a:rPr lang="en-US" smtClean="0"/>
               <a:t>Third level</a:t>
             </a:r>
           </a:p>
           <a:p>
-            <a:pPr lvl="3"/>
+            <a:pPr lvl="3" eaLnBrk="1" latinLnBrk="0" hangingPunct="1"/>
             <a:r>
               <a:rPr lang="en-US" smtClean="0"/>
               <a:t>Fourth level</a:t>
             </a:r>
           </a:p>
           <a:p>
-            <a:pPr lvl="4"/>
+            <a:pPr lvl="4" eaLnBrk="1" latinLnBrk="0" hangingPunct="1"/>
             <a:r>
               <a:rPr lang="en-US" smtClean="0"/>
               <a:t>Fifth level</a:t>
             </a:r>
-            <a:endParaRPr lang="en-US"/>
+            <a:endParaRPr kumimoji="0" lang="en-US"/>
           </a:p>
         </p:txBody>
       </p:sp>
@@ -612,7 +773,9 @@
         <p:spPr/>
         <p:txBody>
           <a:bodyPr/>
-          <a:lstStyle/>
+          <a:lstStyle>
+            <a:extLst/>
+          </a:lstStyle>
           <a:p>
             <a:fld id="{6247CA0C-09F5-4541-B72D-5188874B459F}" type="datetimeFigureOut">
               <a:rPr lang="en-US" smtClean="0"/>
@@ -635,7 +798,9 @@
         <p:spPr/>
         <p:txBody>
           <a:bodyPr/>
-          <a:lstStyle/>
+          <a:lstStyle>
+            <a:extLst/>
+          </a:lstStyle>
           <a:p>
             <a:endParaRPr lang="en-US"/>
           </a:p>
@@ -654,7 +819,9 @@
         <p:spPr/>
         <p:txBody>
           <a:bodyPr/>
-          <a:lstStyle/>
+          <a:lstStyle>
+            <a:extLst/>
+          </a:lstStyle>
           <a:p>
             <a:fld id="{962A3767-7857-495D-8F79-411239AFC561}" type="slidenum">
               <a:rPr lang="en-US" smtClean="0"/>
@@ -665,11 +832,6 @@
         </p:txBody>
       </p:sp>
     </p:spTree>
-    <p:extLst>
-      <p:ext uri="{BB962C8B-B14F-4D97-AF65-F5344CB8AC3E}">
-        <p14:creationId xmlns:p14="http://schemas.microsoft.com/office/powerpoint/2010/main" val="3557919913"/>
-      </p:ext>
-    </p:extLst>
   </p:cSld>
   <p:clrMapOvr>
     <a:masterClrMapping/>
@@ -707,13 +869,15 @@
         <p:spPr/>
         <p:txBody>
           <a:bodyPr/>
-          <a:lstStyle/>
-          <a:p>
-            <a:r>
-              <a:rPr lang="en-US" smtClean="0"/>
+          <a:lstStyle>
+            <a:extLst/>
+          </a:lstStyle>
+          <a:p>
+            <a:r>
+              <a:rPr kumimoji="0" lang="en-US" smtClean="0"/>
               <a:t>Click to edit Master title style</a:t>
             </a:r>
-            <a:endParaRPr lang="en-US"/>
+            <a:endParaRPr kumimoji="0" lang="en-US"/>
           </a:p>
         </p:txBody>
       </p:sp>
@@ -730,42 +894,44 @@
         <p:spPr/>
         <p:txBody>
           <a:bodyPr/>
-          <a:lstStyle/>
-          <a:p>
-            <a:pPr lvl="0"/>
+          <a:lstStyle>
+            <a:extLst/>
+          </a:lstStyle>
+          <a:p>
+            <a:pPr lvl="0" eaLnBrk="1" latinLnBrk="0" hangingPunct="1"/>
             <a:r>
               <a:rPr lang="en-US" smtClean="0"/>
               <a:t>Click to edit Master text styles</a:t>
             </a:r>
           </a:p>
           <a:p>
-            <a:pPr lvl="1"/>
+            <a:pPr lvl="1" eaLnBrk="1" latinLnBrk="0" hangingPunct="1"/>
             <a:r>
               <a:rPr lang="en-US" smtClean="0"/>
               <a:t>Second level</a:t>
             </a:r>
           </a:p>
           <a:p>
-            <a:pPr lvl="2"/>
+            <a:pPr lvl="2" eaLnBrk="1" latinLnBrk="0" hangingPunct="1"/>
             <a:r>
               <a:rPr lang="en-US" smtClean="0"/>
               <a:t>Third level</a:t>
             </a:r>
           </a:p>
           <a:p>
-            <a:pPr lvl="3"/>
+            <a:pPr lvl="3" eaLnBrk="1" latinLnBrk="0" hangingPunct="1"/>
             <a:r>
               <a:rPr lang="en-US" smtClean="0"/>
               <a:t>Fourth level</a:t>
             </a:r>
           </a:p>
           <a:p>
-            <a:pPr lvl="4"/>
+            <a:pPr lvl="4" eaLnBrk="1" latinLnBrk="0" hangingPunct="1"/>
             <a:r>
               <a:rPr lang="en-US" smtClean="0"/>
               <a:t>Fifth level</a:t>
             </a:r>
-            <a:endParaRPr lang="en-US"/>
+            <a:endParaRPr kumimoji="0" lang="en-US"/>
           </a:p>
         </p:txBody>
       </p:sp>
@@ -782,7 +948,9 @@
         <p:spPr/>
         <p:txBody>
           <a:bodyPr/>
-          <a:lstStyle/>
+          <a:lstStyle>
+            <a:extLst/>
+          </a:lstStyle>
           <a:p>
             <a:fld id="{6247CA0C-09F5-4541-B72D-5188874B459F}" type="datetimeFigureOut">
               <a:rPr lang="en-US" smtClean="0"/>
@@ -805,7 +973,9 @@
         <p:spPr/>
         <p:txBody>
           <a:bodyPr/>
-          <a:lstStyle/>
+          <a:lstStyle>
+            <a:extLst/>
+          </a:lstStyle>
           <a:p>
             <a:endParaRPr lang="en-US"/>
           </a:p>
@@ -824,7 +994,9 @@
         <p:spPr/>
         <p:txBody>
           <a:bodyPr/>
-          <a:lstStyle/>
+          <a:lstStyle>
+            <a:extLst/>
+          </a:lstStyle>
           <a:p>
             <a:fld id="{962A3767-7857-495D-8F79-411239AFC561}" type="slidenum">
               <a:rPr lang="en-US" smtClean="0"/>
@@ -835,11 +1007,6 @@
         </p:txBody>
       </p:sp>
     </p:spTree>
-    <p:extLst>
-      <p:ext uri="{BB962C8B-B14F-4D97-AF65-F5344CB8AC3E}">
-        <p14:creationId xmlns:p14="http://schemas.microsoft.com/office/powerpoint/2010/main" val="1987635532"/>
-      </p:ext>
-    </p:extLst>
   </p:cSld>
   <p:clrMapOvr>
     <a:masterClrMapping/>
@@ -848,7 +1015,7 @@
 </file>
 
 <file path=ppt/slideLayouts/slideLayout3.xml><?xml version="1.0" encoding="utf-8"?>
-<p:sldLayout xmlns:a="http://schemas.openxmlformats.org/drawingml/2006/main" xmlns:r="http://schemas.openxmlformats.org/officeDocument/2006/relationships" xmlns:p="http://schemas.openxmlformats.org/presentationml/2006/main" type="secHead" preserve="1">
+<p:sldLayout xmlns:a="http://schemas.openxmlformats.org/drawingml/2006/main" xmlns:r="http://schemas.openxmlformats.org/officeDocument/2006/relationships" xmlns:p="http://schemas.openxmlformats.org/presentationml/2006/main" showMasterSp="0" type="secHead" preserve="1">
   <p:cSld name="Section Header">
     <p:spTree>
       <p:nvGrpSpPr>
@@ -866,33 +1033,86 @@
       </p:grpSpPr>
       <p:sp>
         <p:nvSpPr>
-          <p:cNvPr id="2" name="Title 1"/>
-          <p:cNvSpPr>
-            <a:spLocks noGrp="1"/>
-          </p:cNvSpPr>
-          <p:nvPr>
-            <p:ph type="title"/>
-          </p:nvPr>
+          <p:cNvPr id="7" name="Rectangle 6"/>
+          <p:cNvSpPr/>
+          <p:nvPr/>
         </p:nvSpPr>
         <p:spPr>
           <a:xfrm>
-            <a:off x="831850" y="1709738"/>
-            <a:ext cx="10515600" cy="2852737"/>
+            <a:off x="3043853" y="-54"/>
+            <a:ext cx="9144000" cy="6858054"/>
+          </a:xfrm>
+          <a:prstGeom prst="rect">
+            <a:avLst/>
+          </a:prstGeom>
+          <a:solidFill>
+            <a:schemeClr val="bg1"/>
+          </a:solidFill>
+          <a:ln w="25400" cap="rnd" cmpd="sng" algn="ctr">
+            <a:noFill/>
+            <a:prstDash val="solid"/>
+          </a:ln>
+          <a:effectLst/>
+        </p:spPr>
+        <p:style>
+          <a:lnRef idx="3">
+            <a:schemeClr val="lt1"/>
+          </a:lnRef>
+          <a:fillRef idx="1">
+            <a:schemeClr val="accent1"/>
+          </a:fillRef>
+          <a:effectRef idx="1">
+            <a:schemeClr val="accent1"/>
+          </a:effectRef>
+          <a:fontRef idx="minor">
+            <a:schemeClr val="lt1"/>
+          </a:fontRef>
+        </p:style>
+        <p:txBody>
+          <a:bodyPr anchor="ctr"/>
+          <a:lstStyle>
+            <a:extLst/>
+          </a:lstStyle>
+          <a:p>
+            <a:pPr algn="ctr" eaLnBrk="1" latinLnBrk="0" hangingPunct="1"/>
+            <a:endParaRPr kumimoji="0" lang="en-US"/>
+          </a:p>
+        </p:txBody>
+      </p:sp>
+      <p:sp>
+        <p:nvSpPr>
+          <p:cNvPr id="2" name="Title 1"/>
+          <p:cNvSpPr>
+            <a:spLocks noGrp="1"/>
+          </p:cNvSpPr>
+          <p:nvPr>
+            <p:ph type="title"/>
+          </p:nvPr>
+        </p:nvSpPr>
+        <p:spPr>
+          <a:xfrm>
+            <a:off x="3437856" y="2600325"/>
+            <a:ext cx="8534400" cy="2286000"/>
           </a:xfrm>
         </p:spPr>
         <p:txBody>
-          <a:bodyPr anchor="b"/>
-          <a:lstStyle>
-            <a:lvl1pPr>
-              <a:defRPr sz="6000"/>
+          <a:bodyPr anchor="t"/>
+          <a:lstStyle>
+            <a:lvl1pPr algn="l">
+              <a:lnSpc>
+                <a:spcPts val="4500"/>
+              </a:lnSpc>
+              <a:buNone/>
+              <a:defRPr sz="4000" b="1" cap="all"/>
             </a:lvl1pPr>
-          </a:lstStyle>
-          <a:p>
-            <a:r>
-              <a:rPr lang="en-US" smtClean="0"/>
+            <a:extLst/>
+          </a:lstStyle>
+          <a:p>
+            <a:r>
+              <a:rPr kumimoji="0" lang="en-US" smtClean="0"/>
               <a:t>Click to edit Master title style</a:t>
             </a:r>
-            <a:endParaRPr lang="en-US"/>
+            <a:endParaRPr kumimoji="0" lang="en-US"/>
           </a:p>
         </p:txBody>
       </p:sp>
@@ -908,34 +1128,31 @@
         </p:nvSpPr>
         <p:spPr>
           <a:xfrm>
-            <a:off x="831850" y="4589463"/>
-            <a:ext cx="10515600" cy="1500187"/>
+            <a:off x="3437856" y="1066800"/>
+            <a:ext cx="8534400" cy="1509712"/>
           </a:xfrm>
         </p:spPr>
         <p:txBody>
-          <a:bodyPr/>
-          <a:lstStyle>
-            <a:lvl1pPr marL="0" indent="0">
+          <a:bodyPr anchor="b"/>
+          <a:lstStyle>
+            <a:lvl1pPr marL="18288" indent="0">
+              <a:lnSpc>
+                <a:spcPts val="2300"/>
+              </a:lnSpc>
+              <a:spcBef>
+                <a:spcPts val="0"/>
+              </a:spcBef>
               <a:buNone/>
-              <a:defRPr sz="2400">
+              <a:defRPr sz="2000">
                 <a:solidFill>
-                  <a:schemeClr val="tx1">
-                    <a:tint val="75000"/>
+                  <a:schemeClr val="tx2">
+                    <a:shade val="30000"/>
+                    <a:satMod val="150000"/>
                   </a:schemeClr>
                 </a:solidFill>
               </a:defRPr>
             </a:lvl1pPr>
-            <a:lvl2pPr marL="457200" indent="0">
-              <a:buNone/>
-              <a:defRPr sz="2000">
-                <a:solidFill>
-                  <a:schemeClr val="tx1">
-                    <a:tint val="75000"/>
-                  </a:schemeClr>
-                </a:solidFill>
-              </a:defRPr>
-            </a:lvl2pPr>
-            <a:lvl3pPr marL="914400" indent="0">
+            <a:lvl2pPr>
               <a:buNone/>
               <a:defRPr sz="1800">
                 <a:solidFill>
@@ -944,8 +1161,8 @@
                   </a:schemeClr>
                 </a:solidFill>
               </a:defRPr>
-            </a:lvl3pPr>
-            <a:lvl4pPr marL="1371600" indent="0">
+            </a:lvl2pPr>
+            <a:lvl3pPr>
               <a:buNone/>
               <a:defRPr sz="1600">
                 <a:solidFill>
@@ -954,10 +1171,20 @@
                   </a:schemeClr>
                 </a:solidFill>
               </a:defRPr>
+            </a:lvl3pPr>
+            <a:lvl4pPr>
+              <a:buNone/>
+              <a:defRPr sz="1400">
+                <a:solidFill>
+                  <a:schemeClr val="tx1">
+                    <a:tint val="75000"/>
+                  </a:schemeClr>
+                </a:solidFill>
+              </a:defRPr>
             </a:lvl4pPr>
-            <a:lvl5pPr marL="1828800" indent="0">
+            <a:lvl5pPr>
               <a:buNone/>
-              <a:defRPr sz="1600">
+              <a:defRPr sz="1400">
                 <a:solidFill>
                   <a:schemeClr val="tx1">
                     <a:tint val="75000"/>
@@ -965,51 +1192,12 @@
                 </a:solidFill>
               </a:defRPr>
             </a:lvl5pPr>
-            <a:lvl6pPr marL="2286000" indent="0">
-              <a:buNone/>
-              <a:defRPr sz="1600">
-                <a:solidFill>
-                  <a:schemeClr val="tx1">
-                    <a:tint val="75000"/>
-                  </a:schemeClr>
-                </a:solidFill>
-              </a:defRPr>
-            </a:lvl6pPr>
-            <a:lvl7pPr marL="2743200" indent="0">
-              <a:buNone/>
-              <a:defRPr sz="1600">
-                <a:solidFill>
-                  <a:schemeClr val="tx1">
-                    <a:tint val="75000"/>
-                  </a:schemeClr>
-                </a:solidFill>
-              </a:defRPr>
-            </a:lvl7pPr>
-            <a:lvl8pPr marL="3200400" indent="0">
-              <a:buNone/>
-              <a:defRPr sz="1600">
-                <a:solidFill>
-                  <a:schemeClr val="tx1">
-                    <a:tint val="75000"/>
-                  </a:schemeClr>
-                </a:solidFill>
-              </a:defRPr>
-            </a:lvl8pPr>
-            <a:lvl9pPr marL="3657600" indent="0">
-              <a:buNone/>
-              <a:defRPr sz="1600">
-                <a:solidFill>
-                  <a:schemeClr val="tx1">
-                    <a:tint val="75000"/>
-                  </a:schemeClr>
-                </a:solidFill>
-              </a:defRPr>
-            </a:lvl9pPr>
-          </a:lstStyle>
-          <a:p>
-            <a:pPr lvl="0"/>
-            <a:r>
-              <a:rPr lang="en-US" smtClean="0"/>
+            <a:extLst/>
+          </a:lstStyle>
+          <a:p>
+            <a:pPr lvl="0" eaLnBrk="1" latinLnBrk="0" hangingPunct="1"/>
+            <a:r>
+              <a:rPr kumimoji="0" lang="en-US" smtClean="0"/>
               <a:t>Click to edit Master text styles</a:t>
             </a:r>
           </a:p>
@@ -1028,7 +1216,9 @@
         <p:spPr/>
         <p:txBody>
           <a:bodyPr/>
-          <a:lstStyle/>
+          <a:lstStyle>
+            <a:extLst/>
+          </a:lstStyle>
           <a:p>
             <a:fld id="{6247CA0C-09F5-4541-B72D-5188874B459F}" type="datetimeFigureOut">
               <a:rPr lang="en-US" smtClean="0"/>
@@ -1051,7 +1241,9 @@
         <p:spPr/>
         <p:txBody>
           <a:bodyPr/>
-          <a:lstStyle/>
+          <a:lstStyle>
+            <a:extLst/>
+          </a:lstStyle>
           <a:p>
             <a:endParaRPr lang="en-US"/>
           </a:p>
@@ -1070,7 +1262,9 @@
         <p:spPr/>
         <p:txBody>
           <a:bodyPr/>
-          <a:lstStyle/>
+          <a:lstStyle>
+            <a:extLst/>
+          </a:lstStyle>
           <a:p>
             <a:fld id="{962A3767-7857-495D-8F79-411239AFC561}" type="slidenum">
               <a:rPr lang="en-US" smtClean="0"/>
@@ -1080,12 +1274,201 @@
           </a:p>
         </p:txBody>
       </p:sp>
+      <p:sp>
+        <p:nvSpPr>
+          <p:cNvPr id="10" name="Rectangle 9"/>
+          <p:cNvSpPr/>
+          <p:nvPr/>
+        </p:nvSpPr>
+        <p:spPr bwMode="invGray">
+          <a:xfrm>
+            <a:off x="3048000" y="0"/>
+            <a:ext cx="101600" cy="6858054"/>
+          </a:xfrm>
+          <a:prstGeom prst="rect">
+            <a:avLst/>
+          </a:prstGeom>
+          <a:solidFill>
+            <a:schemeClr val="bg1"/>
+          </a:solidFill>
+          <a:ln w="25400" cap="rnd" cmpd="sng" algn="ctr">
+            <a:noFill/>
+            <a:prstDash val="solid"/>
+          </a:ln>
+          <a:effectLst>
+            <a:outerShdw blurRad="38550" dist="38000" dir="10800000" algn="tl" rotWithShape="0">
+              <a:schemeClr val="bg2">
+                <a:shade val="20000"/>
+                <a:satMod val="110000"/>
+                <a:alpha val="25000"/>
+              </a:schemeClr>
+            </a:outerShdw>
+          </a:effectLst>
+        </p:spPr>
+        <p:style>
+          <a:lnRef idx="3">
+            <a:schemeClr val="lt1"/>
+          </a:lnRef>
+          <a:fillRef idx="1">
+            <a:schemeClr val="accent1"/>
+          </a:fillRef>
+          <a:effectRef idx="1">
+            <a:schemeClr val="accent1"/>
+          </a:effectRef>
+          <a:fontRef idx="minor">
+            <a:schemeClr val="lt1"/>
+          </a:fontRef>
+        </p:style>
+        <p:txBody>
+          <a:bodyPr anchor="ctr"/>
+          <a:lstStyle>
+            <a:extLst/>
+          </a:lstStyle>
+          <a:p>
+            <a:pPr algn="ctr" eaLnBrk="1" latinLnBrk="0" hangingPunct="1"/>
+            <a:endParaRPr kumimoji="0" lang="en-US"/>
+          </a:p>
+        </p:txBody>
+      </p:sp>
+      <p:sp>
+        <p:nvSpPr>
+          <p:cNvPr id="8" name="Oval 7"/>
+          <p:cNvSpPr/>
+          <p:nvPr/>
+        </p:nvSpPr>
+        <p:spPr>
+          <a:xfrm>
+            <a:off x="2896428" y="2814656"/>
+            <a:ext cx="280416" cy="210312"/>
+          </a:xfrm>
+          <a:prstGeom prst="ellipse">
+            <a:avLst/>
+          </a:prstGeom>
+          <a:gradFill rotWithShape="1">
+            <a:gsLst>
+              <a:gs pos="0">
+                <a:schemeClr val="accent1">
+                  <a:tint val="20000"/>
+                  <a:satMod val="450000"/>
+                  <a:alpha val="95000"/>
+                </a:schemeClr>
+              </a:gs>
+              <a:gs pos="50000">
+                <a:schemeClr val="accent1">
+                  <a:tint val="38000"/>
+                  <a:satMod val="250000"/>
+                  <a:alpha val="90000"/>
+                </a:schemeClr>
+              </a:gs>
+              <a:gs pos="95000">
+                <a:schemeClr val="accent1">
+                  <a:tint val="75000"/>
+                  <a:satMod val="255000"/>
+                  <a:alpha val="88000"/>
+                </a:schemeClr>
+              </a:gs>
+              <a:gs pos="100000">
+                <a:schemeClr val="accent1">
+                  <a:tint val="100000"/>
+                  <a:shade val="90000"/>
+                  <a:satMod val="255000"/>
+                  <a:alpha val="85000"/>
+                </a:schemeClr>
+              </a:gs>
+            </a:gsLst>
+            <a:path path="circle">
+              <a:fillToRect l="25000" t="12500" r="75000" b="87500"/>
+            </a:path>
+          </a:gradFill>
+          <a:ln w="2000" cap="rnd" cmpd="sng" algn="ctr">
+            <a:solidFill>
+              <a:schemeClr val="accent1">
+                <a:shade val="90000"/>
+                <a:satMod val="110000"/>
+                <a:alpha val="60000"/>
+              </a:schemeClr>
+            </a:solidFill>
+            <a:prstDash val="solid"/>
+          </a:ln>
+          <a:effectLst/>
+        </p:spPr>
+        <p:style>
+          <a:lnRef idx="1">
+            <a:schemeClr val="accent1"/>
+          </a:lnRef>
+          <a:fillRef idx="2">
+            <a:schemeClr val="accent1"/>
+          </a:fillRef>
+          <a:effectRef idx="1">
+            <a:schemeClr val="accent1"/>
+          </a:effectRef>
+          <a:fontRef idx="minor">
+            <a:schemeClr val="dk1"/>
+          </a:fontRef>
+        </p:style>
+        <p:txBody>
+          <a:bodyPr anchor="ctr"/>
+          <a:lstStyle>
+            <a:extLst/>
+          </a:lstStyle>
+          <a:p>
+            <a:pPr algn="ctr" eaLnBrk="1" latinLnBrk="0" hangingPunct="1"/>
+            <a:endParaRPr kumimoji="0" lang="en-US"/>
+          </a:p>
+        </p:txBody>
+      </p:sp>
+      <p:sp>
+        <p:nvSpPr>
+          <p:cNvPr id="9" name="Oval 8"/>
+          <p:cNvSpPr/>
+          <p:nvPr/>
+        </p:nvSpPr>
+        <p:spPr>
+          <a:xfrm>
+            <a:off x="3210752" y="2745870"/>
+            <a:ext cx="85344" cy="64008"/>
+          </a:xfrm>
+          <a:prstGeom prst="ellipse">
+            <a:avLst/>
+          </a:prstGeom>
+          <a:noFill/>
+          <a:ln w="12700" cap="rnd" cmpd="sng" algn="ctr">
+            <a:solidFill>
+              <a:schemeClr val="accent1">
+                <a:shade val="75000"/>
+                <a:alpha val="60000"/>
+              </a:schemeClr>
+            </a:solidFill>
+            <a:prstDash val="solid"/>
+          </a:ln>
+          <a:effectLst/>
+        </p:spPr>
+        <p:style>
+          <a:lnRef idx="1">
+            <a:schemeClr val="accent1"/>
+          </a:lnRef>
+          <a:fillRef idx="2">
+            <a:schemeClr val="accent1"/>
+          </a:fillRef>
+          <a:effectRef idx="1">
+            <a:schemeClr val="accent1"/>
+          </a:effectRef>
+          <a:fontRef idx="minor">
+            <a:schemeClr val="dk1"/>
+          </a:fontRef>
+        </p:style>
+        <p:txBody>
+          <a:bodyPr anchor="ctr"/>
+          <a:lstStyle>
+            <a:extLst/>
+          </a:lstStyle>
+          <a:p>
+            <a:pPr algn="ctr" eaLnBrk="1" latinLnBrk="0" hangingPunct="1"/>
+            <a:endParaRPr kumimoji="0" lang="en-US"/>
+          </a:p>
+        </p:txBody>
+      </p:sp>
     </p:spTree>
-    <p:extLst>
-      <p:ext uri="{BB962C8B-B14F-4D97-AF65-F5344CB8AC3E}">
-        <p14:creationId xmlns:p14="http://schemas.microsoft.com/office/powerpoint/2010/main" val="3243569372"/>
-      </p:ext>
-    </p:extLst>
   </p:cSld>
   <p:clrMapOvr>
     <a:masterClrMapping/>
@@ -1120,130 +1503,171 @@
             <p:ph type="title"/>
           </p:nvPr>
         </p:nvSpPr>
-        <p:spPr/>
-        <p:txBody>
-          <a:bodyPr/>
-          <a:lstStyle/>
-          <a:p>
-            <a:r>
-              <a:rPr lang="en-US" smtClean="0"/>
-              <a:t>Click to edit Master title style</a:t>
-            </a:r>
-            <a:endParaRPr lang="en-US"/>
-          </a:p>
-        </p:txBody>
-      </p:sp>
-      <p:sp>
-        <p:nvSpPr>
-          <p:cNvPr id="3" name="Content Placeholder 2"/>
-          <p:cNvSpPr>
-            <a:spLocks noGrp="1"/>
-          </p:cNvSpPr>
-          <p:nvPr>
-            <p:ph sz="half" idx="1"/>
-          </p:nvPr>
-        </p:nvSpPr>
         <p:spPr>
           <a:xfrm>
-            <a:off x="838200" y="1825625"/>
-            <a:ext cx="5181600" cy="4351338"/>
+            <a:off x="1914144" y="274320"/>
+            <a:ext cx="9997440" cy="1143000"/>
           </a:xfrm>
         </p:spPr>
         <p:txBody>
           <a:bodyPr/>
-          <a:lstStyle/>
-          <a:p>
-            <a:pPr lvl="0"/>
-            <a:r>
-              <a:rPr lang="en-US" smtClean="0"/>
-              <a:t>Click to edit Master text styles</a:t>
-            </a:r>
-          </a:p>
-          <a:p>
-            <a:pPr lvl="1"/>
-            <a:r>
-              <a:rPr lang="en-US" smtClean="0"/>
-              <a:t>Second level</a:t>
-            </a:r>
-          </a:p>
-          <a:p>
-            <a:pPr lvl="2"/>
-            <a:r>
-              <a:rPr lang="en-US" smtClean="0"/>
-              <a:t>Third level</a:t>
-            </a:r>
-          </a:p>
-          <a:p>
-            <a:pPr lvl="3"/>
-            <a:r>
-              <a:rPr lang="en-US" smtClean="0"/>
-              <a:t>Fourth level</a:t>
-            </a:r>
-          </a:p>
-          <a:p>
-            <a:pPr lvl="4"/>
-            <a:r>
-              <a:rPr lang="en-US" smtClean="0"/>
-              <a:t>Fifth level</a:t>
-            </a:r>
-            <a:endParaRPr lang="en-US"/>
-          </a:p>
-        </p:txBody>
-      </p:sp>
-      <p:sp>
-        <p:nvSpPr>
-          <p:cNvPr id="4" name="Content Placeholder 3"/>
-          <p:cNvSpPr>
-            <a:spLocks noGrp="1"/>
-          </p:cNvSpPr>
-          <p:nvPr>
-            <p:ph sz="half" idx="2"/>
+          <a:lstStyle>
+            <a:extLst/>
+          </a:lstStyle>
+          <a:p>
+            <a:r>
+              <a:rPr kumimoji="0" lang="en-US" smtClean="0"/>
+              <a:t>Click to edit Master title style</a:t>
+            </a:r>
+            <a:endParaRPr kumimoji="0" lang="en-US"/>
+          </a:p>
+        </p:txBody>
+      </p:sp>
+      <p:sp>
+        <p:nvSpPr>
+          <p:cNvPr id="3" name="Content Placeholder 2"/>
+          <p:cNvSpPr>
+            <a:spLocks noGrp="1"/>
+          </p:cNvSpPr>
+          <p:nvPr>
+            <p:ph sz="half" idx="1"/>
           </p:nvPr>
         </p:nvSpPr>
         <p:spPr>
           <a:xfrm>
-            <a:off x="6172200" y="1825625"/>
-            <a:ext cx="5181600" cy="4351338"/>
+            <a:off x="1914144" y="1524000"/>
+            <a:ext cx="4876800" cy="4663440"/>
           </a:xfrm>
         </p:spPr>
         <p:txBody>
           <a:bodyPr/>
-          <a:lstStyle/>
-          <a:p>
-            <a:pPr lvl="0"/>
+          <a:lstStyle>
+            <a:lvl1pPr>
+              <a:defRPr sz="2800"/>
+            </a:lvl1pPr>
+            <a:lvl2pPr>
+              <a:defRPr sz="2400"/>
+            </a:lvl2pPr>
+            <a:lvl3pPr>
+              <a:defRPr sz="2000"/>
+            </a:lvl3pPr>
+            <a:lvl4pPr>
+              <a:defRPr sz="1800"/>
+            </a:lvl4pPr>
+            <a:lvl5pPr>
+              <a:defRPr sz="1800"/>
+            </a:lvl5pPr>
+            <a:extLst/>
+          </a:lstStyle>
+          <a:p>
+            <a:pPr lvl="0" eaLnBrk="1" latinLnBrk="0" hangingPunct="1"/>
             <a:r>
               <a:rPr lang="en-US" smtClean="0"/>
               <a:t>Click to edit Master text styles</a:t>
             </a:r>
           </a:p>
           <a:p>
-            <a:pPr lvl="1"/>
+            <a:pPr lvl="1" eaLnBrk="1" latinLnBrk="0" hangingPunct="1"/>
             <a:r>
               <a:rPr lang="en-US" smtClean="0"/>
               <a:t>Second level</a:t>
             </a:r>
           </a:p>
           <a:p>
-            <a:pPr lvl="2"/>
+            <a:pPr lvl="2" eaLnBrk="1" latinLnBrk="0" hangingPunct="1"/>
             <a:r>
               <a:rPr lang="en-US" smtClean="0"/>
               <a:t>Third level</a:t>
             </a:r>
           </a:p>
           <a:p>
-            <a:pPr lvl="3"/>
+            <a:pPr lvl="3" eaLnBrk="1" latinLnBrk="0" hangingPunct="1"/>
             <a:r>
               <a:rPr lang="en-US" smtClean="0"/>
               <a:t>Fourth level</a:t>
             </a:r>
           </a:p>
           <a:p>
-            <a:pPr lvl="4"/>
+            <a:pPr lvl="4" eaLnBrk="1" latinLnBrk="0" hangingPunct="1"/>
             <a:r>
               <a:rPr lang="en-US" smtClean="0"/>
               <a:t>Fifth level</a:t>
             </a:r>
-            <a:endParaRPr lang="en-US"/>
+            <a:endParaRPr kumimoji="0" lang="en-US"/>
+          </a:p>
+        </p:txBody>
+      </p:sp>
+      <p:sp>
+        <p:nvSpPr>
+          <p:cNvPr id="4" name="Content Placeholder 3"/>
+          <p:cNvSpPr>
+            <a:spLocks noGrp="1"/>
+          </p:cNvSpPr>
+          <p:nvPr>
+            <p:ph sz="half" idx="2"/>
+          </p:nvPr>
+        </p:nvSpPr>
+        <p:spPr>
+          <a:xfrm>
+            <a:off x="7034784" y="1524000"/>
+            <a:ext cx="4876800" cy="4663440"/>
+          </a:xfrm>
+        </p:spPr>
+        <p:txBody>
+          <a:bodyPr/>
+          <a:lstStyle>
+            <a:lvl1pPr>
+              <a:defRPr sz="2800"/>
+            </a:lvl1pPr>
+            <a:lvl2pPr>
+              <a:defRPr sz="2400"/>
+            </a:lvl2pPr>
+            <a:lvl3pPr>
+              <a:defRPr sz="2000"/>
+            </a:lvl3pPr>
+            <a:lvl4pPr>
+              <a:defRPr sz="1800"/>
+            </a:lvl4pPr>
+            <a:lvl5pPr>
+              <a:defRPr sz="1800"/>
+            </a:lvl5pPr>
+            <a:extLst/>
+          </a:lstStyle>
+          <a:p>
+            <a:pPr lvl="0" eaLnBrk="1" latinLnBrk="0" hangingPunct="1"/>
+            <a:r>
+              <a:rPr lang="en-US" smtClean="0"/>
+              <a:t>Click to edit Master text styles</a:t>
+            </a:r>
+          </a:p>
+          <a:p>
+            <a:pPr lvl="1" eaLnBrk="1" latinLnBrk="0" hangingPunct="1"/>
+            <a:r>
+              <a:rPr lang="en-US" smtClean="0"/>
+              <a:t>Second level</a:t>
+            </a:r>
+          </a:p>
+          <a:p>
+            <a:pPr lvl="2" eaLnBrk="1" latinLnBrk="0" hangingPunct="1"/>
+            <a:r>
+              <a:rPr lang="en-US" smtClean="0"/>
+              <a:t>Third level</a:t>
+            </a:r>
+          </a:p>
+          <a:p>
+            <a:pPr lvl="3" eaLnBrk="1" latinLnBrk="0" hangingPunct="1"/>
+            <a:r>
+              <a:rPr lang="en-US" smtClean="0"/>
+              <a:t>Fourth level</a:t>
+            </a:r>
+          </a:p>
+          <a:p>
+            <a:pPr lvl="4" eaLnBrk="1" latinLnBrk="0" hangingPunct="1"/>
+            <a:r>
+              <a:rPr lang="en-US" smtClean="0"/>
+              <a:t>Fifth level</a:t>
+            </a:r>
+            <a:endParaRPr kumimoji="0" lang="en-US"/>
           </a:p>
         </p:txBody>
       </p:sp>
@@ -1260,7 +1684,9 @@
         <p:spPr/>
         <p:txBody>
           <a:bodyPr/>
-          <a:lstStyle/>
+          <a:lstStyle>
+            <a:extLst/>
+          </a:lstStyle>
           <a:p>
             <a:fld id="{6247CA0C-09F5-4541-B72D-5188874B459F}" type="datetimeFigureOut">
               <a:rPr lang="en-US" smtClean="0"/>
@@ -1283,7 +1709,9 @@
         <p:spPr/>
         <p:txBody>
           <a:bodyPr/>
-          <a:lstStyle/>
+          <a:lstStyle>
+            <a:extLst/>
+          </a:lstStyle>
           <a:p>
             <a:endParaRPr lang="en-US"/>
           </a:p>
@@ -1302,7 +1730,9 @@
         <p:spPr/>
         <p:txBody>
           <a:bodyPr/>
-          <a:lstStyle/>
+          <a:lstStyle>
+            <a:extLst/>
+          </a:lstStyle>
           <a:p>
             <a:fld id="{962A3767-7857-495D-8F79-411239AFC561}" type="slidenum">
               <a:rPr lang="en-US" smtClean="0"/>
@@ -1313,11 +1743,6 @@
         </p:txBody>
       </p:sp>
     </p:spTree>
-    <p:extLst>
-      <p:ext uri="{BB962C8B-B14F-4D97-AF65-F5344CB8AC3E}">
-        <p14:creationId xmlns:p14="http://schemas.microsoft.com/office/powerpoint/2010/main" val="628742962"/>
-      </p:ext>
-    </p:extLst>
   </p:cSld>
   <p:clrMapOvr>
     <a:masterClrMapping/>
@@ -1326,7 +1751,7 @@
 </file>
 
 <file path=ppt/slideLayouts/slideLayout5.xml><?xml version="1.0" encoding="utf-8"?>
-<p:sldLayout xmlns:a="http://schemas.openxmlformats.org/drawingml/2006/main" xmlns:r="http://schemas.openxmlformats.org/officeDocument/2006/relationships" xmlns:p="http://schemas.openxmlformats.org/presentationml/2006/main" type="twoTxTwoObj" preserve="1">
+<p:sldLayout xmlns:a="http://schemas.openxmlformats.org/drawingml/2006/main" xmlns:r="http://schemas.openxmlformats.org/officeDocument/2006/relationships" xmlns:p="http://schemas.openxmlformats.org/presentationml/2006/main" showMasterSp="0" type="twoTxTwoObj" preserve="1">
   <p:cSld name="Comparison">
     <p:spTree>
       <p:nvGrpSpPr>
@@ -1354,19 +1779,24 @@
         </p:nvSpPr>
         <p:spPr>
           <a:xfrm>
-            <a:off x="839788" y="365125"/>
-            <a:ext cx="10515600" cy="1325563"/>
+            <a:off x="609600" y="5160336"/>
+            <a:ext cx="10972800" cy="1143000"/>
           </a:xfrm>
         </p:spPr>
         <p:txBody>
-          <a:bodyPr/>
-          <a:lstStyle/>
-          <a:p>
-            <a:r>
-              <a:rPr lang="en-US" smtClean="0"/>
+          <a:bodyPr anchor="ctr"/>
+          <a:lstStyle>
+            <a:lvl1pPr algn="ctr">
+              <a:defRPr sz="4500" b="1" cap="none" baseline="0"/>
+            </a:lvl1pPr>
+            <a:extLst/>
+          </a:lstStyle>
+          <a:p>
+            <a:r>
+              <a:rPr kumimoji="0" lang="en-US" smtClean="0"/>
               <a:t>Click to edit Master title style</a:t>
             </a:r>
-            <a:endParaRPr lang="en-US"/>
+            <a:endParaRPr kumimoji="0" lang="en-US"/>
           </a:p>
         </p:txBody>
       </p:sp>
@@ -1382,54 +1812,58 @@
         </p:nvSpPr>
         <p:spPr>
           <a:xfrm>
-            <a:off x="839788" y="1681163"/>
-            <a:ext cx="5157787" cy="823912"/>
+            <a:off x="609600" y="328278"/>
+            <a:ext cx="5364480" cy="640080"/>
           </a:xfrm>
+          <a:solidFill>
+            <a:schemeClr val="bg1"/>
+          </a:solidFill>
+          <a:ln w="10795">
+            <a:solidFill>
+              <a:schemeClr val="bg1"/>
+            </a:solidFill>
+            <a:miter lim="800000"/>
+          </a:ln>
         </p:spPr>
         <p:txBody>
-          <a:bodyPr anchor="b"/>
-          <a:lstStyle>
-            <a:lvl1pPr marL="0" indent="0">
+          <a:bodyPr anchor="ctr"/>
+          <a:lstStyle>
+            <a:lvl1pPr marL="64008" indent="0" algn="l">
+              <a:lnSpc>
+                <a:spcPct val="100000"/>
+              </a:lnSpc>
+              <a:spcBef>
+                <a:spcPts val="100"/>
+              </a:spcBef>
               <a:buNone/>
-              <a:defRPr sz="2400" b="1"/>
+              <a:defRPr sz="1900" b="0">
+                <a:solidFill>
+                  <a:schemeClr val="tx1"/>
+                </a:solidFill>
+              </a:defRPr>
             </a:lvl1pPr>
-            <a:lvl2pPr marL="457200" indent="0">
+            <a:lvl2pPr>
               <a:buNone/>
               <a:defRPr sz="2000" b="1"/>
             </a:lvl2pPr>
-            <a:lvl3pPr marL="914400" indent="0">
+            <a:lvl3pPr>
               <a:buNone/>
               <a:defRPr sz="1800" b="1"/>
             </a:lvl3pPr>
-            <a:lvl4pPr marL="1371600" indent="0">
+            <a:lvl4pPr>
               <a:buNone/>
               <a:defRPr sz="1600" b="1"/>
             </a:lvl4pPr>
-            <a:lvl5pPr marL="1828800" indent="0">
+            <a:lvl5pPr>
               <a:buNone/>
               <a:defRPr sz="1600" b="1"/>
             </a:lvl5pPr>
-            <a:lvl6pPr marL="2286000" indent="0">
-              <a:buNone/>
-              <a:defRPr sz="1600" b="1"/>
-            </a:lvl6pPr>
-            <a:lvl7pPr marL="2743200" indent="0">
-              <a:buNone/>
-              <a:defRPr sz="1600" b="1"/>
-            </a:lvl7pPr>
-            <a:lvl8pPr marL="3200400" indent="0">
-              <a:buNone/>
-              <a:defRPr sz="1600" b="1"/>
-            </a:lvl8pPr>
-            <a:lvl9pPr marL="3657600" indent="0">
-              <a:buNone/>
-              <a:defRPr sz="1600" b="1"/>
-            </a:lvl9pPr>
-          </a:lstStyle>
-          <a:p>
-            <a:pPr lvl="0"/>
-            <a:r>
-              <a:rPr lang="en-US" smtClean="0"/>
+            <a:extLst/>
+          </a:lstStyle>
+          <a:p>
+            <a:pPr lvl="0" eaLnBrk="1" latinLnBrk="0" hangingPunct="1"/>
+            <a:r>
+              <a:rPr kumimoji="0" lang="en-US" smtClean="0"/>
               <a:t>Click to edit Master text styles</a:t>
             </a:r>
           </a:p>
@@ -1437,121 +1871,68 @@
       </p:sp>
       <p:sp>
         <p:nvSpPr>
-          <p:cNvPr id="4" name="Content Placeholder 3"/>
-          <p:cNvSpPr>
-            <a:spLocks noGrp="1"/>
-          </p:cNvSpPr>
-          <p:nvPr>
-            <p:ph sz="half" idx="2"/>
+          <p:cNvPr id="4" name="Text Placeholder 3"/>
+          <p:cNvSpPr>
+            <a:spLocks noGrp="1"/>
+          </p:cNvSpPr>
+          <p:nvPr>
+            <p:ph type="body" sz="half" idx="3"/>
           </p:nvPr>
         </p:nvSpPr>
         <p:spPr>
           <a:xfrm>
-            <a:off x="839788" y="2505075"/>
-            <a:ext cx="5157787" cy="3684588"/>
+            <a:off x="6217920" y="328278"/>
+            <a:ext cx="5364480" cy="640080"/>
           </a:xfrm>
+          <a:solidFill>
+            <a:schemeClr val="bg1"/>
+          </a:solidFill>
+          <a:ln w="10795">
+            <a:solidFill>
+              <a:schemeClr val="bg1"/>
+            </a:solidFill>
+            <a:miter lim="800000"/>
+          </a:ln>
         </p:spPr>
         <p:txBody>
-          <a:bodyPr/>
-          <a:lstStyle/>
-          <a:p>
-            <a:pPr lvl="0"/>
-            <a:r>
-              <a:rPr lang="en-US" smtClean="0"/>
-              <a:t>Click to edit Master text styles</a:t>
-            </a:r>
-          </a:p>
-          <a:p>
-            <a:pPr lvl="1"/>
-            <a:r>
-              <a:rPr lang="en-US" smtClean="0"/>
-              <a:t>Second level</a:t>
-            </a:r>
-          </a:p>
-          <a:p>
-            <a:pPr lvl="2"/>
-            <a:r>
-              <a:rPr lang="en-US" smtClean="0"/>
-              <a:t>Third level</a:t>
-            </a:r>
-          </a:p>
-          <a:p>
-            <a:pPr lvl="3"/>
-            <a:r>
-              <a:rPr lang="en-US" smtClean="0"/>
-              <a:t>Fourth level</a:t>
-            </a:r>
-          </a:p>
-          <a:p>
-            <a:pPr lvl="4"/>
-            <a:r>
-              <a:rPr lang="en-US" smtClean="0"/>
-              <a:t>Fifth level</a:t>
-            </a:r>
-            <a:endParaRPr lang="en-US"/>
-          </a:p>
-        </p:txBody>
-      </p:sp>
-      <p:sp>
-        <p:nvSpPr>
-          <p:cNvPr id="5" name="Text Placeholder 4"/>
-          <p:cNvSpPr>
-            <a:spLocks noGrp="1"/>
-          </p:cNvSpPr>
-          <p:nvPr>
-            <p:ph type="body" sz="quarter" idx="3"/>
-          </p:nvPr>
-        </p:nvSpPr>
-        <p:spPr>
-          <a:xfrm>
-            <a:off x="6172200" y="1681163"/>
-            <a:ext cx="5183188" cy="823912"/>
-          </a:xfrm>
-        </p:spPr>
-        <p:txBody>
-          <a:bodyPr anchor="b"/>
-          <a:lstStyle>
-            <a:lvl1pPr marL="0" indent="0">
+          <a:bodyPr anchor="ctr"/>
+          <a:lstStyle>
+            <a:lvl1pPr marL="64008" indent="0" algn="l">
+              <a:lnSpc>
+                <a:spcPct val="100000"/>
+              </a:lnSpc>
+              <a:spcBef>
+                <a:spcPts val="100"/>
+              </a:spcBef>
               <a:buNone/>
-              <a:defRPr sz="2400" b="1"/>
+              <a:defRPr sz="1900" b="0">
+                <a:solidFill>
+                  <a:schemeClr val="tx1"/>
+                </a:solidFill>
+              </a:defRPr>
             </a:lvl1pPr>
-            <a:lvl2pPr marL="457200" indent="0">
+            <a:lvl2pPr>
               <a:buNone/>
               <a:defRPr sz="2000" b="1"/>
             </a:lvl2pPr>
-            <a:lvl3pPr marL="914400" indent="0">
+            <a:lvl3pPr>
               <a:buNone/>
               <a:defRPr sz="1800" b="1"/>
             </a:lvl3pPr>
-            <a:lvl4pPr marL="1371600" indent="0">
+            <a:lvl4pPr>
               <a:buNone/>
               <a:defRPr sz="1600" b="1"/>
             </a:lvl4pPr>
-            <a:lvl5pPr marL="1828800" indent="0">
+            <a:lvl5pPr>
               <a:buNone/>
               <a:defRPr sz="1600" b="1"/>
             </a:lvl5pPr>
-            <a:lvl6pPr marL="2286000" indent="0">
-              <a:buNone/>
-              <a:defRPr sz="1600" b="1"/>
-            </a:lvl6pPr>
-            <a:lvl7pPr marL="2743200" indent="0">
-              <a:buNone/>
-              <a:defRPr sz="1600" b="1"/>
-            </a:lvl7pPr>
-            <a:lvl8pPr marL="3200400" indent="0">
-              <a:buNone/>
-              <a:defRPr sz="1600" b="1"/>
-            </a:lvl8pPr>
-            <a:lvl9pPr marL="3657600" indent="0">
-              <a:buNone/>
-              <a:defRPr sz="1600" b="1"/>
-            </a:lvl9pPr>
-          </a:lstStyle>
-          <a:p>
-            <a:pPr lvl="0"/>
-            <a:r>
-              <a:rPr lang="en-US" smtClean="0"/>
+            <a:extLst/>
+          </a:lstStyle>
+          <a:p>
+            <a:pPr lvl="0" eaLnBrk="1" latinLnBrk="0" hangingPunct="1"/>
+            <a:r>
+              <a:rPr kumimoji="0" lang="en-US" smtClean="0"/>
               <a:t>Click to edit Master text styles</a:t>
             </a:r>
           </a:p>
@@ -1559,58 +1940,223 @@
       </p:sp>
       <p:sp>
         <p:nvSpPr>
-          <p:cNvPr id="6" name="Content Placeholder 5"/>
-          <p:cNvSpPr>
-            <a:spLocks noGrp="1"/>
-          </p:cNvSpPr>
-          <p:nvPr>
-            <p:ph sz="quarter" idx="4"/>
+          <p:cNvPr id="5" name="Content Placeholder 4"/>
+          <p:cNvSpPr>
+            <a:spLocks noGrp="1"/>
+          </p:cNvSpPr>
+          <p:nvPr>
+            <p:ph sz="quarter" idx="2"/>
           </p:nvPr>
         </p:nvSpPr>
         <p:spPr>
           <a:xfrm>
-            <a:off x="6172200" y="2505075"/>
-            <a:ext cx="5183188" cy="3684588"/>
+            <a:off x="609600" y="969336"/>
+            <a:ext cx="5364480" cy="4114800"/>
           </a:xfrm>
+          <a:ln w="10795">
+            <a:solidFill>
+              <a:schemeClr val="bg1"/>
+            </a:solidFill>
+            <a:prstDash val="dash"/>
+            <a:miter lim="800000"/>
+          </a:ln>
         </p:spPr>
         <p:txBody>
           <a:bodyPr/>
-          <a:lstStyle/>
-          <a:p>
-            <a:pPr lvl="0"/>
+          <a:lstStyle>
+            <a:lvl1pPr marL="393192" indent="-274320">
+              <a:lnSpc>
+                <a:spcPct val="100000"/>
+              </a:lnSpc>
+              <a:spcBef>
+                <a:spcPts val="700"/>
+              </a:spcBef>
+              <a:defRPr sz="2400"/>
+            </a:lvl1pPr>
+            <a:lvl2pPr>
+              <a:lnSpc>
+                <a:spcPct val="100000"/>
+              </a:lnSpc>
+              <a:spcBef>
+                <a:spcPts val="700"/>
+              </a:spcBef>
+              <a:defRPr sz="2000"/>
+            </a:lvl2pPr>
+            <a:lvl3pPr>
+              <a:lnSpc>
+                <a:spcPct val="100000"/>
+              </a:lnSpc>
+              <a:spcBef>
+                <a:spcPts val="700"/>
+              </a:spcBef>
+              <a:defRPr sz="1800"/>
+            </a:lvl3pPr>
+            <a:lvl4pPr>
+              <a:lnSpc>
+                <a:spcPct val="100000"/>
+              </a:lnSpc>
+              <a:spcBef>
+                <a:spcPts val="700"/>
+              </a:spcBef>
+              <a:defRPr sz="1600"/>
+            </a:lvl4pPr>
+            <a:lvl5pPr>
+              <a:lnSpc>
+                <a:spcPct val="100000"/>
+              </a:lnSpc>
+              <a:spcBef>
+                <a:spcPts val="700"/>
+              </a:spcBef>
+              <a:defRPr sz="1600"/>
+            </a:lvl5pPr>
+            <a:extLst/>
+          </a:lstStyle>
+          <a:p>
+            <a:pPr lvl="0" eaLnBrk="1" latinLnBrk="0" hangingPunct="1"/>
             <a:r>
               <a:rPr lang="en-US" smtClean="0"/>
               <a:t>Click to edit Master text styles</a:t>
             </a:r>
           </a:p>
           <a:p>
-            <a:pPr lvl="1"/>
+            <a:pPr lvl="1" eaLnBrk="1" latinLnBrk="0" hangingPunct="1"/>
             <a:r>
               <a:rPr lang="en-US" smtClean="0"/>
               <a:t>Second level</a:t>
             </a:r>
           </a:p>
           <a:p>
-            <a:pPr lvl="2"/>
+            <a:pPr lvl="2" eaLnBrk="1" latinLnBrk="0" hangingPunct="1"/>
             <a:r>
               <a:rPr lang="en-US" smtClean="0"/>
               <a:t>Third level</a:t>
             </a:r>
           </a:p>
           <a:p>
-            <a:pPr lvl="3"/>
+            <a:pPr lvl="3" eaLnBrk="1" latinLnBrk="0" hangingPunct="1"/>
             <a:r>
               <a:rPr lang="en-US" smtClean="0"/>
               <a:t>Fourth level</a:t>
             </a:r>
           </a:p>
           <a:p>
-            <a:pPr lvl="4"/>
+            <a:pPr lvl="4" eaLnBrk="1" latinLnBrk="0" hangingPunct="1"/>
             <a:r>
               <a:rPr lang="en-US" smtClean="0"/>
               <a:t>Fifth level</a:t>
             </a:r>
-            <a:endParaRPr lang="en-US"/>
+            <a:endParaRPr kumimoji="0" lang="en-US"/>
+          </a:p>
+        </p:txBody>
+      </p:sp>
+      <p:sp>
+        <p:nvSpPr>
+          <p:cNvPr id="6" name="Content Placeholder 5"/>
+          <p:cNvSpPr>
+            <a:spLocks noGrp="1"/>
+          </p:cNvSpPr>
+          <p:nvPr>
+            <p:ph sz="quarter" idx="4"/>
+          </p:nvPr>
+        </p:nvSpPr>
+        <p:spPr>
+          <a:xfrm>
+            <a:off x="6217920" y="969336"/>
+            <a:ext cx="5364480" cy="4114800"/>
+          </a:xfrm>
+          <a:ln w="10795">
+            <a:solidFill>
+              <a:schemeClr val="bg1"/>
+            </a:solidFill>
+            <a:prstDash val="dash"/>
+            <a:miter lim="800000"/>
+          </a:ln>
+        </p:spPr>
+        <p:txBody>
+          <a:bodyPr/>
+          <a:lstStyle>
+            <a:lvl1pPr marL="393192" indent="-274320">
+              <a:lnSpc>
+                <a:spcPct val="100000"/>
+              </a:lnSpc>
+              <a:spcBef>
+                <a:spcPts val="700"/>
+              </a:spcBef>
+              <a:defRPr sz="2400"/>
+            </a:lvl1pPr>
+            <a:lvl2pPr>
+              <a:lnSpc>
+                <a:spcPct val="100000"/>
+              </a:lnSpc>
+              <a:spcBef>
+                <a:spcPts val="700"/>
+              </a:spcBef>
+              <a:defRPr sz="2000"/>
+            </a:lvl2pPr>
+            <a:lvl3pPr>
+              <a:lnSpc>
+                <a:spcPct val="100000"/>
+              </a:lnSpc>
+              <a:spcBef>
+                <a:spcPts val="700"/>
+              </a:spcBef>
+              <a:defRPr sz="1800"/>
+            </a:lvl3pPr>
+            <a:lvl4pPr>
+              <a:lnSpc>
+                <a:spcPct val="100000"/>
+              </a:lnSpc>
+              <a:spcBef>
+                <a:spcPts val="700"/>
+              </a:spcBef>
+              <a:defRPr sz="1600"/>
+            </a:lvl4pPr>
+            <a:lvl5pPr>
+              <a:lnSpc>
+                <a:spcPct val="100000"/>
+              </a:lnSpc>
+              <a:spcBef>
+                <a:spcPts val="700"/>
+              </a:spcBef>
+              <a:defRPr sz="1600"/>
+            </a:lvl5pPr>
+            <a:extLst/>
+          </a:lstStyle>
+          <a:p>
+            <a:pPr lvl="0" eaLnBrk="1" latinLnBrk="0" hangingPunct="1"/>
+            <a:r>
+              <a:rPr lang="en-US" smtClean="0"/>
+              <a:t>Click to edit Master text styles</a:t>
+            </a:r>
+          </a:p>
+          <a:p>
+            <a:pPr lvl="1" eaLnBrk="1" latinLnBrk="0" hangingPunct="1"/>
+            <a:r>
+              <a:rPr lang="en-US" smtClean="0"/>
+              <a:t>Second level</a:t>
+            </a:r>
+          </a:p>
+          <a:p>
+            <a:pPr lvl="2" eaLnBrk="1" latinLnBrk="0" hangingPunct="1"/>
+            <a:r>
+              <a:rPr lang="en-US" smtClean="0"/>
+              <a:t>Third level</a:t>
+            </a:r>
+          </a:p>
+          <a:p>
+            <a:pPr lvl="3" eaLnBrk="1" latinLnBrk="0" hangingPunct="1"/>
+            <a:r>
+              <a:rPr lang="en-US" smtClean="0"/>
+              <a:t>Fourth level</a:t>
+            </a:r>
+          </a:p>
+          <a:p>
+            <a:pPr lvl="4" eaLnBrk="1" latinLnBrk="0" hangingPunct="1"/>
+            <a:r>
+              <a:rPr lang="en-US" smtClean="0"/>
+              <a:t>Fifth level</a:t>
+            </a:r>
+            <a:endParaRPr kumimoji="0" lang="en-US"/>
           </a:p>
         </p:txBody>
       </p:sp>
@@ -1627,7 +2173,9 @@
         <p:spPr/>
         <p:txBody>
           <a:bodyPr/>
-          <a:lstStyle/>
+          <a:lstStyle>
+            <a:extLst/>
+          </a:lstStyle>
           <a:p>
             <a:fld id="{6247CA0C-09F5-4541-B72D-5188874B459F}" type="datetimeFigureOut">
               <a:rPr lang="en-US" smtClean="0"/>
@@ -1650,7 +2198,9 @@
         <p:spPr/>
         <p:txBody>
           <a:bodyPr/>
-          <a:lstStyle/>
+          <a:lstStyle>
+            <a:extLst/>
+          </a:lstStyle>
           <a:p>
             <a:endParaRPr lang="en-US"/>
           </a:p>
@@ -1669,7 +2219,9 @@
         <p:spPr/>
         <p:txBody>
           <a:bodyPr/>
-          <a:lstStyle/>
+          <a:lstStyle>
+            <a:extLst/>
+          </a:lstStyle>
           <a:p>
             <a:fld id="{962A3767-7857-495D-8F79-411239AFC561}" type="slidenum">
               <a:rPr lang="en-US" smtClean="0"/>
@@ -1680,11 +2232,6 @@
         </p:txBody>
       </p:sp>
     </p:spTree>
-    <p:extLst>
-      <p:ext uri="{BB962C8B-B14F-4D97-AF65-F5344CB8AC3E}">
-        <p14:creationId xmlns:p14="http://schemas.microsoft.com/office/powerpoint/2010/main" val="65583506"/>
-      </p:ext>
-    </p:extLst>
   </p:cSld>
   <p:clrMapOvr>
     <a:masterClrMapping/>
@@ -1719,33 +2266,42 @@
             <p:ph type="title"/>
           </p:nvPr>
         </p:nvSpPr>
+        <p:spPr>
+          <a:xfrm>
+            <a:off x="1914144" y="274320"/>
+            <a:ext cx="9997440" cy="1143000"/>
+          </a:xfrm>
+        </p:spPr>
+        <p:txBody>
+          <a:bodyPr anchor="ctr"/>
+          <a:lstStyle>
+            <a:extLst/>
+          </a:lstStyle>
+          <a:p>
+            <a:r>
+              <a:rPr kumimoji="0" lang="en-US" smtClean="0"/>
+              <a:t>Click to edit Master title style</a:t>
+            </a:r>
+            <a:endParaRPr kumimoji="0" lang="en-US"/>
+          </a:p>
+        </p:txBody>
+      </p:sp>
+      <p:sp>
+        <p:nvSpPr>
+          <p:cNvPr id="3" name="Date Placeholder 2"/>
+          <p:cNvSpPr>
+            <a:spLocks noGrp="1"/>
+          </p:cNvSpPr>
+          <p:nvPr>
+            <p:ph type="dt" sz="half" idx="10"/>
+          </p:nvPr>
+        </p:nvSpPr>
         <p:spPr/>
         <p:txBody>
           <a:bodyPr/>
-          <a:lstStyle/>
-          <a:p>
-            <a:r>
-              <a:rPr lang="en-US" smtClean="0"/>
-              <a:t>Click to edit Master title style</a:t>
-            </a:r>
-            <a:endParaRPr lang="en-US"/>
-          </a:p>
-        </p:txBody>
-      </p:sp>
-      <p:sp>
-        <p:nvSpPr>
-          <p:cNvPr id="3" name="Date Placeholder 2"/>
-          <p:cNvSpPr>
-            <a:spLocks noGrp="1"/>
-          </p:cNvSpPr>
-          <p:nvPr>
-            <p:ph type="dt" sz="half" idx="10"/>
-          </p:nvPr>
-        </p:nvSpPr>
-        <p:spPr/>
-        <p:txBody>
-          <a:bodyPr/>
-          <a:lstStyle/>
+          <a:lstStyle>
+            <a:extLst/>
+          </a:lstStyle>
           <a:p>
             <a:fld id="{6247CA0C-09F5-4541-B72D-5188874B459F}" type="datetimeFigureOut">
               <a:rPr lang="en-US" smtClean="0"/>
@@ -1768,7 +2324,9 @@
         <p:spPr/>
         <p:txBody>
           <a:bodyPr/>
-          <a:lstStyle/>
+          <a:lstStyle>
+            <a:extLst/>
+          </a:lstStyle>
           <a:p>
             <a:endParaRPr lang="en-US"/>
           </a:p>
@@ -1787,7 +2345,9 @@
         <p:spPr/>
         <p:txBody>
           <a:bodyPr/>
-          <a:lstStyle/>
+          <a:lstStyle>
+            <a:extLst/>
+          </a:lstStyle>
           <a:p>
             <a:fld id="{962A3767-7857-495D-8F79-411239AFC561}" type="slidenum">
               <a:rPr lang="en-US" smtClean="0"/>
@@ -1798,11 +2358,6 @@
         </p:txBody>
       </p:sp>
     </p:spTree>
-    <p:extLst>
-      <p:ext uri="{BB962C8B-B14F-4D97-AF65-F5344CB8AC3E}">
-        <p14:creationId xmlns:p14="http://schemas.microsoft.com/office/powerpoint/2010/main" val="3777204293"/>
-      </p:ext>
-    </p:extLst>
   </p:cSld>
   <p:clrMapOvr>
     <a:masterClrMapping/>
@@ -1811,7 +2366,7 @@
 </file>
 
 <file path=ppt/slideLayouts/slideLayout7.xml><?xml version="1.0" encoding="utf-8"?>
-<p:sldLayout xmlns:a="http://schemas.openxmlformats.org/drawingml/2006/main" xmlns:r="http://schemas.openxmlformats.org/officeDocument/2006/relationships" xmlns:p="http://schemas.openxmlformats.org/presentationml/2006/main" type="blank" preserve="1">
+<p:sldLayout xmlns:a="http://schemas.openxmlformats.org/drawingml/2006/main" xmlns:r="http://schemas.openxmlformats.org/officeDocument/2006/relationships" xmlns:p="http://schemas.openxmlformats.org/presentationml/2006/main" showMasterSp="0" type="blank" preserve="1">
   <p:cSld name="Blank">
     <p:spTree>
       <p:nvGrpSpPr>
@@ -1829,6 +2384,54 @@
       </p:grpSpPr>
       <p:sp>
         <p:nvSpPr>
+          <p:cNvPr id="5" name="Rectangle 4"/>
+          <p:cNvSpPr/>
+          <p:nvPr/>
+        </p:nvSpPr>
+        <p:spPr>
+          <a:xfrm>
+            <a:off x="1353312" y="0"/>
+            <a:ext cx="10838688" cy="6858000"/>
+          </a:xfrm>
+          <a:prstGeom prst="rect">
+            <a:avLst/>
+          </a:prstGeom>
+          <a:solidFill>
+            <a:schemeClr val="bg1"/>
+          </a:solidFill>
+          <a:ln w="25400" cap="rnd" cmpd="sng" algn="ctr">
+            <a:noFill/>
+            <a:prstDash val="solid"/>
+          </a:ln>
+          <a:effectLst/>
+        </p:spPr>
+        <p:style>
+          <a:lnRef idx="3">
+            <a:schemeClr val="lt1"/>
+          </a:lnRef>
+          <a:fillRef idx="1">
+            <a:schemeClr val="accent1"/>
+          </a:fillRef>
+          <a:effectRef idx="1">
+            <a:schemeClr val="accent1"/>
+          </a:effectRef>
+          <a:fontRef idx="minor">
+            <a:schemeClr val="lt1"/>
+          </a:fontRef>
+        </p:style>
+        <p:txBody>
+          <a:bodyPr anchor="ctr"/>
+          <a:lstStyle>
+            <a:extLst/>
+          </a:lstStyle>
+          <a:p>
+            <a:pPr algn="ctr" eaLnBrk="1" latinLnBrk="0" hangingPunct="1"/>
+            <a:endParaRPr kumimoji="0" lang="en-US"/>
+          </a:p>
+        </p:txBody>
+      </p:sp>
+      <p:sp>
+        <p:nvSpPr>
           <p:cNvPr id="2" name="Date Placeholder 1"/>
           <p:cNvSpPr>
             <a:spLocks noGrp="1"/>
@@ -1840,7 +2443,9 @@
         <p:spPr/>
         <p:txBody>
           <a:bodyPr/>
-          <a:lstStyle/>
+          <a:lstStyle>
+            <a:extLst/>
+          </a:lstStyle>
           <a:p>
             <a:fld id="{6247CA0C-09F5-4541-B72D-5188874B459F}" type="datetimeFigureOut">
               <a:rPr lang="en-US" smtClean="0"/>
@@ -1863,7 +2468,9 @@
         <p:spPr/>
         <p:txBody>
           <a:bodyPr/>
-          <a:lstStyle/>
+          <a:lstStyle>
+            <a:extLst/>
+          </a:lstStyle>
           <a:p>
             <a:endParaRPr lang="en-US"/>
           </a:p>
@@ -1882,7 +2489,9 @@
         <p:spPr/>
         <p:txBody>
           <a:bodyPr/>
-          <a:lstStyle/>
+          <a:lstStyle>
+            <a:extLst/>
+          </a:lstStyle>
           <a:p>
             <a:fld id="{962A3767-7857-495D-8F79-411239AFC561}" type="slidenum">
               <a:rPr lang="en-US" smtClean="0"/>
@@ -1892,12 +2501,63 @@
           </a:p>
         </p:txBody>
       </p:sp>
+      <p:sp>
+        <p:nvSpPr>
+          <p:cNvPr id="6" name="Rectangle 5"/>
+          <p:cNvSpPr/>
+          <p:nvPr/>
+        </p:nvSpPr>
+        <p:spPr bwMode="invGray">
+          <a:xfrm>
+            <a:off x="1353312" y="-54"/>
+            <a:ext cx="97536" cy="6858054"/>
+          </a:xfrm>
+          <a:prstGeom prst="rect">
+            <a:avLst/>
+          </a:prstGeom>
+          <a:solidFill>
+            <a:schemeClr val="bg1"/>
+          </a:solidFill>
+          <a:ln w="25400" cap="rnd" cmpd="sng" algn="ctr">
+            <a:noFill/>
+            <a:prstDash val="solid"/>
+          </a:ln>
+          <a:effectLst>
+            <a:outerShdw blurRad="38550" dist="38000" dir="10800000" algn="tl" rotWithShape="0">
+              <a:schemeClr val="bg2">
+                <a:shade val="20000"/>
+                <a:satMod val="110000"/>
+                <a:alpha val="25000"/>
+              </a:schemeClr>
+            </a:outerShdw>
+          </a:effectLst>
+        </p:spPr>
+        <p:style>
+          <a:lnRef idx="3">
+            <a:schemeClr val="lt1"/>
+          </a:lnRef>
+          <a:fillRef idx="1">
+            <a:schemeClr val="accent1"/>
+          </a:fillRef>
+          <a:effectRef idx="1">
+            <a:schemeClr val="accent1"/>
+          </a:effectRef>
+          <a:fontRef idx="minor">
+            <a:schemeClr val="lt1"/>
+          </a:fontRef>
+        </p:style>
+        <p:txBody>
+          <a:bodyPr anchor="ctr"/>
+          <a:lstStyle>
+            <a:extLst/>
+          </a:lstStyle>
+          <a:p>
+            <a:pPr algn="ctr" eaLnBrk="1" latinLnBrk="0" hangingPunct="1"/>
+            <a:endParaRPr kumimoji="0" lang="en-US"/>
+          </a:p>
+        </p:txBody>
+      </p:sp>
     </p:spTree>
-    <p:extLst>
-      <p:ext uri="{BB962C8B-B14F-4D97-AF65-F5344CB8AC3E}">
-        <p14:creationId xmlns:p14="http://schemas.microsoft.com/office/powerpoint/2010/main" val="4193864250"/>
-      </p:ext>
-    </p:extLst>
   </p:cSld>
   <p:clrMapOvr>
     <a:masterClrMapping/>
@@ -1906,7 +2566,7 @@
 </file>
 
 <file path=ppt/slideLayouts/slideLayout8.xml><?xml version="1.0" encoding="utf-8"?>
-<p:sldLayout xmlns:a="http://schemas.openxmlformats.org/drawingml/2006/main" xmlns:r="http://schemas.openxmlformats.org/officeDocument/2006/relationships" xmlns:p="http://schemas.openxmlformats.org/presentationml/2006/main" type="objTx" preserve="1">
+<p:sldLayout xmlns:a="http://schemas.openxmlformats.org/drawingml/2006/main" xmlns:r="http://schemas.openxmlformats.org/officeDocument/2006/relationships" xmlns:p="http://schemas.openxmlformats.org/presentationml/2006/main" showMasterSp="0" type="objTx" preserve="1">
   <p:cSld name="Content with Caption">
     <p:spTree>
       <p:nvGrpSpPr>
@@ -1934,40 +2594,104 @@
         </p:nvSpPr>
         <p:spPr>
           <a:xfrm>
-            <a:off x="839788" y="457200"/>
-            <a:ext cx="3932237" cy="1600200"/>
+            <a:off x="609600" y="216778"/>
+            <a:ext cx="5080000" cy="1162050"/>
+          </a:xfrm>
+          <a:ln>
+            <a:noFill/>
+          </a:ln>
+        </p:spPr>
+        <p:txBody>
+          <a:bodyPr anchor="b"/>
+          <a:lstStyle>
+            <a:lvl1pPr algn="l">
+              <a:lnSpc>
+                <a:spcPts val="2000"/>
+              </a:lnSpc>
+              <a:buNone/>
+              <a:defRPr sz="2200" b="1" cap="all" baseline="0"/>
+            </a:lvl1pPr>
+            <a:extLst/>
+          </a:lstStyle>
+          <a:p>
+            <a:r>
+              <a:rPr kumimoji="0" lang="en-US" smtClean="0"/>
+              <a:t>Click to edit Master title style</a:t>
+            </a:r>
+            <a:endParaRPr kumimoji="0" lang="en-US"/>
+          </a:p>
+        </p:txBody>
+      </p:sp>
+      <p:sp>
+        <p:nvSpPr>
+          <p:cNvPr id="3" name="Text Placeholder 2"/>
+          <p:cNvSpPr>
+            <a:spLocks noGrp="1"/>
+          </p:cNvSpPr>
+          <p:nvPr>
+            <p:ph type="body" idx="2"/>
+          </p:nvPr>
+        </p:nvSpPr>
+        <p:spPr>
+          <a:xfrm>
+            <a:off x="609600" y="1406964"/>
+            <a:ext cx="5080000" cy="698500"/>
           </a:xfrm>
         </p:spPr>
         <p:txBody>
-          <a:bodyPr anchor="b"/>
-          <a:lstStyle>
-            <a:lvl1pPr>
-              <a:defRPr sz="3200"/>
+          <a:bodyPr/>
+          <a:lstStyle>
+            <a:lvl1pPr marL="45720" indent="0">
+              <a:lnSpc>
+                <a:spcPct val="100000"/>
+              </a:lnSpc>
+              <a:spcBef>
+                <a:spcPts val="0"/>
+              </a:spcBef>
+              <a:buNone/>
+              <a:defRPr sz="1400"/>
             </a:lvl1pPr>
-          </a:lstStyle>
-          <a:p>
-            <a:r>
-              <a:rPr lang="en-US" smtClean="0"/>
-              <a:t>Click to edit Master title style</a:t>
-            </a:r>
-            <a:endParaRPr lang="en-US"/>
-          </a:p>
-        </p:txBody>
-      </p:sp>
-      <p:sp>
-        <p:nvSpPr>
-          <p:cNvPr id="3" name="Content Placeholder 2"/>
-          <p:cNvSpPr>
-            <a:spLocks noGrp="1"/>
-          </p:cNvSpPr>
-          <p:nvPr>
-            <p:ph idx="1"/>
+            <a:lvl2pPr>
+              <a:buNone/>
+              <a:defRPr sz="1200"/>
+            </a:lvl2pPr>
+            <a:lvl3pPr>
+              <a:buNone/>
+              <a:defRPr sz="1000"/>
+            </a:lvl3pPr>
+            <a:lvl4pPr>
+              <a:buNone/>
+              <a:defRPr sz="900"/>
+            </a:lvl4pPr>
+            <a:lvl5pPr>
+              <a:buNone/>
+              <a:defRPr sz="900"/>
+            </a:lvl5pPr>
+            <a:extLst/>
+          </a:lstStyle>
+          <a:p>
+            <a:pPr lvl="0" eaLnBrk="1" latinLnBrk="0" hangingPunct="1"/>
+            <a:r>
+              <a:rPr kumimoji="0" lang="en-US" smtClean="0"/>
+              <a:t>Click to edit Master text styles</a:t>
+            </a:r>
+          </a:p>
+        </p:txBody>
+      </p:sp>
+      <p:sp>
+        <p:nvSpPr>
+          <p:cNvPr id="4" name="Content Placeholder 3"/>
+          <p:cNvSpPr>
+            <a:spLocks noGrp="1"/>
+          </p:cNvSpPr>
+          <p:nvPr>
+            <p:ph sz="half" idx="1"/>
           </p:nvPr>
         </p:nvSpPr>
         <p:spPr>
           <a:xfrm>
-            <a:off x="5183188" y="987425"/>
-            <a:ext cx="6172200" cy="4873625"/>
+            <a:off x="609600" y="2133601"/>
+            <a:ext cx="10871200" cy="3992563"/>
           </a:xfrm>
         </p:spPr>
         <p:txBody>
@@ -1988,136 +2712,62 @@
             <a:lvl5pPr>
               <a:defRPr sz="2000"/>
             </a:lvl5pPr>
-            <a:lvl6pPr>
-              <a:defRPr sz="2000"/>
-            </a:lvl6pPr>
-            <a:lvl7pPr>
-              <a:defRPr sz="2000"/>
-            </a:lvl7pPr>
-            <a:lvl8pPr>
-              <a:defRPr sz="2000"/>
-            </a:lvl8pPr>
-            <a:lvl9pPr>
-              <a:defRPr sz="2000"/>
-            </a:lvl9pPr>
-          </a:lstStyle>
-          <a:p>
-            <a:pPr lvl="0"/>
+            <a:extLst/>
+          </a:lstStyle>
+          <a:p>
+            <a:pPr lvl="0" eaLnBrk="1" latinLnBrk="0" hangingPunct="1"/>
             <a:r>
               <a:rPr lang="en-US" smtClean="0"/>
               <a:t>Click to edit Master text styles</a:t>
             </a:r>
           </a:p>
           <a:p>
-            <a:pPr lvl="1"/>
+            <a:pPr lvl="1" eaLnBrk="1" latinLnBrk="0" hangingPunct="1"/>
             <a:r>
               <a:rPr lang="en-US" smtClean="0"/>
               <a:t>Second level</a:t>
             </a:r>
           </a:p>
           <a:p>
-            <a:pPr lvl="2"/>
+            <a:pPr lvl="2" eaLnBrk="1" latinLnBrk="0" hangingPunct="1"/>
             <a:r>
               <a:rPr lang="en-US" smtClean="0"/>
               <a:t>Third level</a:t>
             </a:r>
           </a:p>
           <a:p>
-            <a:pPr lvl="3"/>
+            <a:pPr lvl="3" eaLnBrk="1" latinLnBrk="0" hangingPunct="1"/>
             <a:r>
               <a:rPr lang="en-US" smtClean="0"/>
               <a:t>Fourth level</a:t>
             </a:r>
           </a:p>
           <a:p>
-            <a:pPr lvl="4"/>
+            <a:pPr lvl="4" eaLnBrk="1" latinLnBrk="0" hangingPunct="1"/>
             <a:r>
               <a:rPr lang="en-US" smtClean="0"/>
               <a:t>Fifth level</a:t>
             </a:r>
-            <a:endParaRPr lang="en-US"/>
-          </a:p>
-        </p:txBody>
-      </p:sp>
-      <p:sp>
-        <p:nvSpPr>
-          <p:cNvPr id="4" name="Text Placeholder 3"/>
-          <p:cNvSpPr>
-            <a:spLocks noGrp="1"/>
-          </p:cNvSpPr>
-          <p:nvPr>
-            <p:ph type="body" sz="half" idx="2"/>
-          </p:nvPr>
-        </p:nvSpPr>
-        <p:spPr>
-          <a:xfrm>
-            <a:off x="839788" y="2057400"/>
-            <a:ext cx="3932237" cy="3811588"/>
-          </a:xfrm>
-        </p:spPr>
+            <a:endParaRPr kumimoji="0" lang="en-US"/>
+          </a:p>
+        </p:txBody>
+      </p:sp>
+      <p:sp>
+        <p:nvSpPr>
+          <p:cNvPr id="5" name="Date Placeholder 4"/>
+          <p:cNvSpPr>
+            <a:spLocks noGrp="1"/>
+          </p:cNvSpPr>
+          <p:nvPr>
+            <p:ph type="dt" sz="half" idx="10"/>
+          </p:nvPr>
+        </p:nvSpPr>
+        <p:spPr/>
         <p:txBody>
           <a:bodyPr/>
           <a:lstStyle>
-            <a:lvl1pPr marL="0" indent="0">
-              <a:buNone/>
-              <a:defRPr sz="1600"/>
-            </a:lvl1pPr>
-            <a:lvl2pPr marL="457200" indent="0">
-              <a:buNone/>
-              <a:defRPr sz="1400"/>
-            </a:lvl2pPr>
-            <a:lvl3pPr marL="914400" indent="0">
-              <a:buNone/>
-              <a:defRPr sz="1200"/>
-            </a:lvl3pPr>
-            <a:lvl4pPr marL="1371600" indent="0">
-              <a:buNone/>
-              <a:defRPr sz="1000"/>
-            </a:lvl4pPr>
-            <a:lvl5pPr marL="1828800" indent="0">
-              <a:buNone/>
-              <a:defRPr sz="1000"/>
-            </a:lvl5pPr>
-            <a:lvl6pPr marL="2286000" indent="0">
-              <a:buNone/>
-              <a:defRPr sz="1000"/>
-            </a:lvl6pPr>
-            <a:lvl7pPr marL="2743200" indent="0">
-              <a:buNone/>
-              <a:defRPr sz="1000"/>
-            </a:lvl7pPr>
-            <a:lvl8pPr marL="3200400" indent="0">
-              <a:buNone/>
-              <a:defRPr sz="1000"/>
-            </a:lvl8pPr>
-            <a:lvl9pPr marL="3657600" indent="0">
-              <a:buNone/>
-              <a:defRPr sz="1000"/>
-            </a:lvl9pPr>
-          </a:lstStyle>
-          <a:p>
-            <a:pPr lvl="0"/>
-            <a:r>
-              <a:rPr lang="en-US" smtClean="0"/>
-              <a:t>Click to edit Master text styles</a:t>
-            </a:r>
-          </a:p>
-        </p:txBody>
-      </p:sp>
-      <p:sp>
-        <p:nvSpPr>
-          <p:cNvPr id="5" name="Date Placeholder 4"/>
-          <p:cNvSpPr>
-            <a:spLocks noGrp="1"/>
-          </p:cNvSpPr>
-          <p:nvPr>
-            <p:ph type="dt" sz="half" idx="10"/>
-          </p:nvPr>
-        </p:nvSpPr>
-        <p:spPr/>
-        <p:txBody>
-          <a:bodyPr/>
-          <a:lstStyle/>
+            <a:extLst/>
+          </a:lstStyle>
           <a:p>
             <a:fld id="{6247CA0C-09F5-4541-B72D-5188874B459F}" type="datetimeFigureOut">
               <a:rPr lang="en-US" smtClean="0"/>
@@ -2140,7 +2790,9 @@
         <p:spPr/>
         <p:txBody>
           <a:bodyPr/>
-          <a:lstStyle/>
+          <a:lstStyle>
+            <a:extLst/>
+          </a:lstStyle>
           <a:p>
             <a:endParaRPr lang="en-US"/>
           </a:p>
@@ -2159,7 +2811,9 @@
         <p:spPr/>
         <p:txBody>
           <a:bodyPr/>
-          <a:lstStyle/>
+          <a:lstStyle>
+            <a:extLst/>
+          </a:lstStyle>
           <a:p>
             <a:fld id="{962A3767-7857-495D-8F79-411239AFC561}" type="slidenum">
               <a:rPr lang="en-US" smtClean="0"/>
@@ -2170,11 +2824,6 @@
         </p:txBody>
       </p:sp>
     </p:spTree>
-    <p:extLst>
-      <p:ext uri="{BB962C8B-B14F-4D97-AF65-F5344CB8AC3E}">
-        <p14:creationId xmlns:p14="http://schemas.microsoft.com/office/powerpoint/2010/main" val="1264673578"/>
-      </p:ext>
-    </p:extLst>
   </p:cSld>
   <p:clrMapOvr>
     <a:masterClrMapping/>
@@ -2183,7 +2832,7 @@
 </file>
 
 <file path=ppt/slideLayouts/slideLayout9.xml><?xml version="1.0" encoding="utf-8"?>
-<p:sldLayout xmlns:a="http://schemas.openxmlformats.org/drawingml/2006/main" xmlns:r="http://schemas.openxmlformats.org/officeDocument/2006/relationships" xmlns:p="http://schemas.openxmlformats.org/presentationml/2006/main" type="picTx" preserve="1">
+<p:sldLayout xmlns:a="http://schemas.openxmlformats.org/drawingml/2006/main" xmlns:r="http://schemas.openxmlformats.org/officeDocument/2006/relationships" xmlns:p="http://schemas.openxmlformats.org/presentationml/2006/main" showMasterSp="0" type="picTx" preserve="1">
   <p:cSld name="Picture with Caption">
     <p:spTree>
       <p:nvGrpSpPr>
@@ -2211,84 +2860,346 @@
         </p:nvSpPr>
         <p:spPr>
           <a:xfrm>
-            <a:off x="839788" y="457200"/>
-            <a:ext cx="3932237" cy="1600200"/>
+            <a:off x="7849195" y="1066800"/>
+            <a:ext cx="3657600" cy="1981200"/>
           </a:xfrm>
         </p:spPr>
         <p:txBody>
-          <a:bodyPr anchor="b"/>
-          <a:lstStyle>
-            <a:lvl1pPr>
-              <a:defRPr sz="3200"/>
+          <a:bodyPr anchor="b">
+            <a:noAutofit/>
+          </a:bodyPr>
+          <a:lstStyle>
+            <a:lvl1pPr algn="l">
+              <a:buNone/>
+              <a:defRPr sz="2100" b="1">
+                <a:effectLst/>
+              </a:defRPr>
             </a:lvl1pPr>
-          </a:lstStyle>
-          <a:p>
-            <a:r>
-              <a:rPr lang="en-US" smtClean="0"/>
+            <a:extLst/>
+          </a:lstStyle>
+          <a:p>
+            <a:r>
+              <a:rPr kumimoji="0" lang="en-US" smtClean="0"/>
               <a:t>Click to edit Master title style</a:t>
             </a:r>
+            <a:endParaRPr kumimoji="0" lang="en-US"/>
+          </a:p>
+        </p:txBody>
+      </p:sp>
+      <p:sp>
+        <p:nvSpPr>
+          <p:cNvPr id="5" name="Date Placeholder 4"/>
+          <p:cNvSpPr>
+            <a:spLocks noGrp="1"/>
+          </p:cNvSpPr>
+          <p:nvPr>
+            <p:ph type="dt" sz="half" idx="10"/>
+          </p:nvPr>
+        </p:nvSpPr>
+        <p:spPr/>
+        <p:txBody>
+          <a:bodyPr/>
+          <a:lstStyle>
+            <a:extLst/>
+          </a:lstStyle>
+          <a:p>
+            <a:fld id="{6247CA0C-09F5-4541-B72D-5188874B459F}" type="datetimeFigureOut">
+              <a:rPr lang="en-US" smtClean="0"/>
+              <a:t>2/5/2014</a:t>
+            </a:fld>
             <a:endParaRPr lang="en-US"/>
           </a:p>
         </p:txBody>
       </p:sp>
       <p:sp>
         <p:nvSpPr>
-          <p:cNvPr id="3" name="Picture Placeholder 2"/>
-          <p:cNvSpPr>
-            <a:spLocks noGrp="1"/>
-          </p:cNvSpPr>
-          <p:nvPr>
-            <p:ph type="pic" idx="1"/>
-          </p:nvPr>
+          <p:cNvPr id="6" name="Footer Placeholder 5"/>
+          <p:cNvSpPr>
+            <a:spLocks noGrp="1"/>
+          </p:cNvSpPr>
+          <p:nvPr>
+            <p:ph type="ftr" sz="quarter" idx="11"/>
+          </p:nvPr>
+        </p:nvSpPr>
+        <p:spPr/>
+        <p:txBody>
+          <a:bodyPr/>
+          <a:lstStyle>
+            <a:extLst/>
+          </a:lstStyle>
+          <a:p>
+            <a:endParaRPr lang="en-US"/>
+          </a:p>
+        </p:txBody>
+      </p:sp>
+      <p:sp>
+        <p:nvSpPr>
+          <p:cNvPr id="7" name="Slide Number Placeholder 6"/>
+          <p:cNvSpPr>
+            <a:spLocks noGrp="1"/>
+          </p:cNvSpPr>
+          <p:nvPr>
+            <p:ph type="sldNum" sz="quarter" idx="12"/>
+          </p:nvPr>
+        </p:nvSpPr>
+        <p:spPr/>
+        <p:txBody>
+          <a:bodyPr/>
+          <a:lstStyle>
+            <a:extLst/>
+          </a:lstStyle>
+          <a:p>
+            <a:fld id="{962A3767-7857-495D-8F79-411239AFC561}" type="slidenum">
+              <a:rPr lang="en-US" smtClean="0"/>
+              <a:t>‹#›</a:t>
+            </a:fld>
+            <a:endParaRPr lang="en-US"/>
+          </a:p>
+        </p:txBody>
+      </p:sp>
+      <p:sp>
+        <p:nvSpPr>
+          <p:cNvPr id="8" name="Rectangle 7"/>
+          <p:cNvSpPr/>
+          <p:nvPr/>
         </p:nvSpPr>
         <p:spPr>
           <a:xfrm>
-            <a:off x="5183188" y="987425"/>
-            <a:ext cx="6172200" cy="4873625"/>
+            <a:off x="1016000" y="1066800"/>
+            <a:ext cx="6096000" cy="4572000"/>
           </a:xfrm>
+          <a:prstGeom prst="rect">
+            <a:avLst/>
+          </a:prstGeom>
+          <a:solidFill>
+            <a:srgbClr val="FFFFFF"/>
+          </a:solidFill>
+          <a:ln w="88900" cap="sq">
+            <a:solidFill>
+              <a:srgbClr val="FFFFFF"/>
+            </a:solidFill>
+            <a:miter lim="800000"/>
+          </a:ln>
+          <a:effectLst>
+            <a:outerShdw blurRad="55500" dist="18500" dir="5400000" algn="tl" rotWithShape="0">
+              <a:srgbClr val="000000">
+                <a:alpha val="35000"/>
+              </a:srgbClr>
+            </a:outerShdw>
+          </a:effectLst>
+          <a:scene3d>
+            <a:camera prst="orthographicFront"/>
+            <a:lightRig rig="twoPt" dir="t">
+              <a:rot lat="0" lon="0" rev="7200000"/>
+            </a:lightRig>
+          </a:scene3d>
+          <a:sp3d contourW="635">
+            <a:bevelT w="25400" h="19050"/>
+            <a:contourClr>
+              <a:srgbClr val="969696"/>
+            </a:contourClr>
+          </a:sp3d>
         </p:spPr>
         <p:txBody>
-          <a:bodyPr/>
-          <a:lstStyle>
-            <a:lvl1pPr marL="0" indent="0">
+          <a:bodyPr lIns="91440" tIns="274320" rtlCol="0" anchor="t">
+            <a:normAutofit/>
+          </a:bodyPr>
+          <a:lstStyle>
+            <a:extLst/>
+          </a:lstStyle>
+          <a:p>
+            <a:pPr marL="0" indent="-283464" algn="l" rtl="0" eaLnBrk="1" latinLnBrk="0" hangingPunct="1">
+              <a:lnSpc>
+                <a:spcPts val="3000"/>
+              </a:lnSpc>
+              <a:spcBef>
+                <a:spcPts val="600"/>
+              </a:spcBef>
+              <a:buClr>
+                <a:schemeClr val="accent1"/>
+              </a:buClr>
+              <a:buSzPct val="80000"/>
+              <a:buFont typeface="Wingdings 2"/>
+              <a:buNone/>
+            </a:pPr>
+            <a:endParaRPr kumimoji="0" lang="en-US" sz="3200" kern="1200">
+              <a:solidFill>
+                <a:schemeClr val="tx1"/>
+              </a:solidFill>
+              <a:latin typeface="+mn-lt"/>
+              <a:ea typeface="+mn-ea"/>
+              <a:cs typeface="+mn-cs"/>
+            </a:endParaRPr>
+          </a:p>
+        </p:txBody>
+      </p:sp>
+      <p:sp>
+        <p:nvSpPr>
+          <p:cNvPr id="3" name="Picture Placeholder 2"/>
+          <p:cNvSpPr>
+            <a:spLocks noGrp="1"/>
+          </p:cNvSpPr>
+          <p:nvPr>
+            <p:ph type="pic" idx="1"/>
+          </p:nvPr>
+        </p:nvSpPr>
+        <p:spPr>
+          <a:xfrm>
+            <a:off x="1117600" y="1143004"/>
+            <a:ext cx="5892800" cy="3514531"/>
+          </a:xfrm>
+          <a:prstGeom prst="roundRect">
+            <a:avLst>
+              <a:gd name="adj" fmla="val 783"/>
+            </a:avLst>
+          </a:prstGeom>
+          <a:solidFill>
+            <a:schemeClr val="bg2"/>
+          </a:solidFill>
+          <a:ln w="127000">
+            <a:noFill/>
+            <a:miter lim="800000"/>
+          </a:ln>
+          <a:effectLst/>
+        </p:spPr>
+        <p:txBody>
+          <a:bodyPr lIns="91440" tIns="274320" anchor="t"/>
+          <a:lstStyle>
+            <a:lvl1pPr indent="0">
               <a:buNone/>
               <a:defRPr sz="3200"/>
             </a:lvl1pPr>
-            <a:lvl2pPr marL="457200" indent="0">
-              <a:buNone/>
-              <a:defRPr sz="2800"/>
-            </a:lvl2pPr>
-            <a:lvl3pPr marL="914400" indent="0">
-              <a:buNone/>
-              <a:defRPr sz="2400"/>
-            </a:lvl3pPr>
-            <a:lvl4pPr marL="1371600" indent="0">
-              <a:buNone/>
-              <a:defRPr sz="2000"/>
-            </a:lvl4pPr>
-            <a:lvl5pPr marL="1828800" indent="0">
-              <a:buNone/>
-              <a:defRPr sz="2000"/>
-            </a:lvl5pPr>
-            <a:lvl6pPr marL="2286000" indent="0">
-              <a:buNone/>
-              <a:defRPr sz="2000"/>
-            </a:lvl6pPr>
-            <a:lvl7pPr marL="2743200" indent="0">
-              <a:buNone/>
-              <a:defRPr sz="2000"/>
-            </a:lvl7pPr>
-            <a:lvl8pPr marL="3200400" indent="0">
-              <a:buNone/>
-              <a:defRPr sz="2000"/>
-            </a:lvl8pPr>
-            <a:lvl9pPr marL="3657600" indent="0">
-              <a:buNone/>
-              <a:defRPr sz="2000"/>
-            </a:lvl9pPr>
-          </a:lstStyle>
-          <a:p>
-            <a:endParaRPr lang="en-US"/>
+            <a:extLst/>
+          </a:lstStyle>
+          <a:p>
+            <a:pPr marL="0" algn="l" eaLnBrk="1" latinLnBrk="0" hangingPunct="1"/>
+            <a:r>
+              <a:rPr kumimoji="0" lang="en-US" smtClean="0"/>
+              <a:t>Click icon to add picture</a:t>
+            </a:r>
+            <a:endParaRPr kumimoji="0" lang="en-US" dirty="0"/>
+          </a:p>
+        </p:txBody>
+      </p:sp>
+      <p:sp>
+        <p:nvSpPr>
+          <p:cNvPr id="9" name="Flowchart: Process 8"/>
+          <p:cNvSpPr/>
+          <p:nvPr/>
+        </p:nvSpPr>
+        <p:spPr>
+          <a:xfrm rot="19468671">
+            <a:off x="528967" y="954341"/>
+            <a:ext cx="914400" cy="204310"/>
+          </a:xfrm>
+          <a:prstGeom prst="flowChartProcess">
+            <a:avLst/>
+          </a:prstGeom>
+          <a:solidFill>
+            <a:srgbClr val="FBFBFB">
+              <a:alpha val="45098"/>
+            </a:srgbClr>
+          </a:solidFill>
+          <a:ln w="6350" cap="rnd" cmpd="sng" algn="ctr">
+            <a:solidFill>
+              <a:srgbClr val="FFFFFF">
+                <a:alpha val="100000"/>
+              </a:srgbClr>
+            </a:solidFill>
+            <a:prstDash val="solid"/>
+          </a:ln>
+          <a:effectLst>
+            <a:outerShdw blurRad="25400" dist="25400" dir="3300000" sx="96000" sy="96000" algn="tl" rotWithShape="0">
+              <a:schemeClr val="bg2">
+                <a:shade val="90000"/>
+                <a:satMod val="200000"/>
+                <a:alpha val="40000"/>
+              </a:schemeClr>
+            </a:outerShdw>
+          </a:effectLst>
+        </p:spPr>
+        <p:style>
+          <a:lnRef idx="3">
+            <a:schemeClr val="lt1"/>
+          </a:lnRef>
+          <a:fillRef idx="1">
+            <a:schemeClr val="accent1"/>
+          </a:fillRef>
+          <a:effectRef idx="1">
+            <a:schemeClr val="accent1"/>
+          </a:effectRef>
+          <a:fontRef idx="minor">
+            <a:schemeClr val="lt1"/>
+          </a:fontRef>
+        </p:style>
+        <p:txBody>
+          <a:bodyPr anchor="ctr"/>
+          <a:lstStyle>
+            <a:extLst/>
+          </a:lstStyle>
+          <a:p>
+            <a:pPr algn="ctr" eaLnBrk="1" latinLnBrk="0" hangingPunct="1"/>
+            <a:endParaRPr kumimoji="0" lang="en-US"/>
+          </a:p>
+        </p:txBody>
+      </p:sp>
+      <p:sp>
+        <p:nvSpPr>
+          <p:cNvPr id="10" name="Flowchart: Process 9"/>
+          <p:cNvSpPr/>
+          <p:nvPr/>
+        </p:nvSpPr>
+        <p:spPr>
+          <a:xfrm rot="2103354" flipH="1">
+            <a:off x="6671556" y="936786"/>
+            <a:ext cx="865632" cy="204310"/>
+          </a:xfrm>
+          <a:prstGeom prst="flowChartProcess">
+            <a:avLst/>
+          </a:prstGeom>
+          <a:solidFill>
+            <a:srgbClr val="FBFBFB">
+              <a:alpha val="45098"/>
+            </a:srgbClr>
+          </a:solidFill>
+          <a:ln w="6350" cap="rnd" cmpd="sng" algn="ctr">
+            <a:solidFill>
+              <a:srgbClr val="FFFFFF">
+                <a:alpha val="100000"/>
+              </a:srgbClr>
+            </a:solidFill>
+            <a:prstDash val="solid"/>
+          </a:ln>
+          <a:effectLst>
+            <a:outerShdw blurRad="25400" dist="25400" dir="3300000" sx="96000" sy="96000" algn="tl" rotWithShape="0">
+              <a:schemeClr val="bg2">
+                <a:alpha val="20000"/>
+              </a:schemeClr>
+            </a:outerShdw>
+          </a:effectLst>
+        </p:spPr>
+        <p:style>
+          <a:lnRef idx="3">
+            <a:schemeClr val="lt1"/>
+          </a:lnRef>
+          <a:fillRef idx="1">
+            <a:schemeClr val="accent1"/>
+          </a:fillRef>
+          <a:effectRef idx="1">
+            <a:schemeClr val="accent1"/>
+          </a:effectRef>
+          <a:fontRef idx="minor">
+            <a:schemeClr val="lt1"/>
+          </a:fontRef>
+        </p:style>
+        <p:txBody>
+          <a:bodyPr anchor="ctr"/>
+          <a:lstStyle>
+            <a:extLst/>
+          </a:lstStyle>
+          <a:p>
+            <a:pPr algn="ctr" eaLnBrk="1" latinLnBrk="0" hangingPunct="1"/>
+            <a:endParaRPr kumimoji="0" lang="en-US" dirty="0"/>
           </a:p>
         </p:txBody>
       </p:sp>
@@ -2304,130 +3215,51 @@
         </p:nvSpPr>
         <p:spPr>
           <a:xfrm>
-            <a:off x="839788" y="2057400"/>
-            <a:ext cx="3932237" cy="3811588"/>
+            <a:off x="1117600" y="4800600"/>
+            <a:ext cx="5892800" cy="762000"/>
           </a:xfrm>
         </p:spPr>
         <p:txBody>
-          <a:bodyPr/>
-          <a:lstStyle>
-            <a:lvl1pPr marL="0" indent="0">
+          <a:bodyPr anchor="ctr"/>
+          <a:lstStyle>
+            <a:lvl1pPr marL="0" indent="0" algn="l">
+              <a:lnSpc>
+                <a:spcPts val="1600"/>
+              </a:lnSpc>
+              <a:spcBef>
+                <a:spcPts val="0"/>
+              </a:spcBef>
               <a:buNone/>
-              <a:defRPr sz="1600"/>
+              <a:defRPr sz="1400">
+                <a:solidFill>
+                  <a:srgbClr val="777777"/>
+                </a:solidFill>
+              </a:defRPr>
             </a:lvl1pPr>
-            <a:lvl2pPr marL="457200" indent="0">
-              <a:buNone/>
-              <a:defRPr sz="1400"/>
+            <a:lvl2pPr>
+              <a:defRPr sz="1200"/>
             </a:lvl2pPr>
-            <a:lvl3pPr marL="914400" indent="0">
-              <a:buNone/>
-              <a:defRPr sz="1200"/>
+            <a:lvl3pPr>
+              <a:defRPr sz="1000"/>
             </a:lvl3pPr>
-            <a:lvl4pPr marL="1371600" indent="0">
-              <a:buNone/>
-              <a:defRPr sz="1000"/>
+            <a:lvl4pPr>
+              <a:defRPr sz="900"/>
             </a:lvl4pPr>
-            <a:lvl5pPr marL="1828800" indent="0">
-              <a:buNone/>
-              <a:defRPr sz="1000"/>
+            <a:lvl5pPr>
+              <a:defRPr sz="900"/>
             </a:lvl5pPr>
-            <a:lvl6pPr marL="2286000" indent="0">
-              <a:buNone/>
-              <a:defRPr sz="1000"/>
-            </a:lvl6pPr>
-            <a:lvl7pPr marL="2743200" indent="0">
-              <a:buNone/>
-              <a:defRPr sz="1000"/>
-            </a:lvl7pPr>
-            <a:lvl8pPr marL="3200400" indent="0">
-              <a:buNone/>
-              <a:defRPr sz="1000"/>
-            </a:lvl8pPr>
-            <a:lvl9pPr marL="3657600" indent="0">
-              <a:buNone/>
-              <a:defRPr sz="1000"/>
-            </a:lvl9pPr>
-          </a:lstStyle>
-          <a:p>
-            <a:pPr lvl="0"/>
-            <a:r>
-              <a:rPr lang="en-US" smtClean="0"/>
+            <a:extLst/>
+          </a:lstStyle>
+          <a:p>
+            <a:pPr lvl="0" eaLnBrk="1" latinLnBrk="0" hangingPunct="1"/>
+            <a:r>
+              <a:rPr kumimoji="0" lang="en-US" smtClean="0"/>
               <a:t>Click to edit Master text styles</a:t>
             </a:r>
           </a:p>
         </p:txBody>
       </p:sp>
-      <p:sp>
-        <p:nvSpPr>
-          <p:cNvPr id="5" name="Date Placeholder 4"/>
-          <p:cNvSpPr>
-            <a:spLocks noGrp="1"/>
-          </p:cNvSpPr>
-          <p:nvPr>
-            <p:ph type="dt" sz="half" idx="10"/>
-          </p:nvPr>
-        </p:nvSpPr>
-        <p:spPr/>
-        <p:txBody>
-          <a:bodyPr/>
-          <a:lstStyle/>
-          <a:p>
-            <a:fld id="{6247CA0C-09F5-4541-B72D-5188874B459F}" type="datetimeFigureOut">
-              <a:rPr lang="en-US" smtClean="0"/>
-              <a:t>2/5/2014</a:t>
-            </a:fld>
-            <a:endParaRPr lang="en-US"/>
-          </a:p>
-        </p:txBody>
-      </p:sp>
-      <p:sp>
-        <p:nvSpPr>
-          <p:cNvPr id="6" name="Footer Placeholder 5"/>
-          <p:cNvSpPr>
-            <a:spLocks noGrp="1"/>
-          </p:cNvSpPr>
-          <p:nvPr>
-            <p:ph type="ftr" sz="quarter" idx="11"/>
-          </p:nvPr>
-        </p:nvSpPr>
-        <p:spPr/>
-        <p:txBody>
-          <a:bodyPr/>
-          <a:lstStyle/>
-          <a:p>
-            <a:endParaRPr lang="en-US"/>
-          </a:p>
-        </p:txBody>
-      </p:sp>
-      <p:sp>
-        <p:nvSpPr>
-          <p:cNvPr id="7" name="Slide Number Placeholder 6"/>
-          <p:cNvSpPr>
-            <a:spLocks noGrp="1"/>
-          </p:cNvSpPr>
-          <p:nvPr>
-            <p:ph type="sldNum" sz="quarter" idx="12"/>
-          </p:nvPr>
-        </p:nvSpPr>
-        <p:spPr/>
-        <p:txBody>
-          <a:bodyPr/>
-          <a:lstStyle/>
-          <a:p>
-            <a:fld id="{962A3767-7857-495D-8F79-411239AFC561}" type="slidenum">
-              <a:rPr lang="en-US" smtClean="0"/>
-              <a:t>‹#›</a:t>
-            </a:fld>
-            <a:endParaRPr lang="en-US"/>
-          </a:p>
-        </p:txBody>
-      </p:sp>
     </p:spTree>
-    <p:extLst>
-      <p:ext uri="{BB962C8B-B14F-4D97-AF65-F5344CB8AC3E}">
-        <p14:creationId xmlns:p14="http://schemas.microsoft.com/office/powerpoint/2010/main" val="1872307471"/>
-      </p:ext>
-    </p:extLst>
   </p:cSld>
   <p:clrMapOvr>
     <a:masterClrMapping/>
@@ -2439,8 +3271,8 @@
 <p:sldMaster xmlns:a="http://schemas.openxmlformats.org/drawingml/2006/main" xmlns:r="http://schemas.openxmlformats.org/officeDocument/2006/relationships" xmlns:p="http://schemas.openxmlformats.org/presentationml/2006/main">
   <p:cSld>
     <p:bg>
-      <p:bgRef idx="1001">
-        <a:schemeClr val="bg1"/>
+      <p:bgRef idx="1003">
+        <a:schemeClr val="bg2"/>
       </p:bgRef>
     </p:bg>
     <p:spTree>
@@ -2459,40 +3291,303 @@
       </p:grpSpPr>
       <p:sp>
         <p:nvSpPr>
-          <p:cNvPr id="2" name="Title Placeholder 1"/>
-          <p:cNvSpPr>
-            <a:spLocks noGrp="1"/>
-          </p:cNvSpPr>
-          <p:nvPr>
-            <p:ph type="title"/>
-          </p:nvPr>
+          <p:cNvPr id="7" name="Pie 6"/>
+          <p:cNvSpPr/>
+          <p:nvPr/>
         </p:nvSpPr>
         <p:spPr>
           <a:xfrm>
-            <a:off x="838200" y="365125"/>
-            <a:ext cx="10515600" cy="1325563"/>
+            <a:off x="-1087902" y="-815922"/>
+            <a:ext cx="2185183" cy="1638887"/>
+          </a:xfrm>
+          <a:prstGeom prst="pie">
+            <a:avLst>
+              <a:gd name="adj1" fmla="val 0"/>
+              <a:gd name="adj2" fmla="val 5402120"/>
+            </a:avLst>
+          </a:prstGeom>
+          <a:solidFill>
+            <a:schemeClr val="bg2">
+              <a:tint val="18000"/>
+              <a:satMod val="220000"/>
+              <a:alpha val="33000"/>
+            </a:schemeClr>
+          </a:solidFill>
+          <a:ln w="3175" cap="rnd" cmpd="sng" algn="ctr">
+            <a:solidFill>
+              <a:schemeClr val="bg2">
+                <a:shade val="70000"/>
+                <a:satMod val="200000"/>
+                <a:alpha val="100000"/>
+              </a:schemeClr>
+            </a:solidFill>
+            <a:prstDash val="solid"/>
+          </a:ln>
+          <a:effectLst/>
+        </p:spPr>
+        <p:style>
+          <a:lnRef idx="3">
+            <a:schemeClr val="lt1"/>
+          </a:lnRef>
+          <a:fillRef idx="1">
+            <a:schemeClr val="accent1"/>
+          </a:fillRef>
+          <a:effectRef idx="1">
+            <a:schemeClr val="accent1"/>
+          </a:effectRef>
+          <a:fontRef idx="minor">
+            <a:schemeClr val="lt1"/>
+          </a:fontRef>
+        </p:style>
+        <p:txBody>
+          <a:bodyPr anchor="ctr"/>
+          <a:lstStyle>
+            <a:extLst/>
+          </a:lstStyle>
+          <a:p>
+            <a:pPr algn="ctr" eaLnBrk="1" latinLnBrk="0" hangingPunct="1"/>
+            <a:endParaRPr kumimoji="0" lang="en-US"/>
+          </a:p>
+        </p:txBody>
+      </p:sp>
+      <p:sp>
+        <p:nvSpPr>
+          <p:cNvPr id="8" name="Oval 7"/>
+          <p:cNvSpPr/>
+          <p:nvPr/>
+        </p:nvSpPr>
+        <p:spPr>
+          <a:xfrm>
+            <a:off x="225089" y="21103"/>
+            <a:ext cx="2269588" cy="1702191"/>
+          </a:xfrm>
+          <a:prstGeom prst="ellipse">
+            <a:avLst/>
+          </a:prstGeom>
+          <a:noFill/>
+          <a:ln w="27305" cap="rnd" cmpd="sng" algn="ctr">
+            <a:solidFill>
+              <a:schemeClr val="bg2">
+                <a:tint val="45000"/>
+                <a:satMod val="325000"/>
+                <a:alpha val="100000"/>
+              </a:schemeClr>
+            </a:solidFill>
+            <a:prstDash val="solid"/>
+          </a:ln>
+          <a:effectLst>
+            <a:outerShdw blurRad="25400" dist="25400" dir="5400000" algn="tl" rotWithShape="0">
+              <a:schemeClr val="bg2">
+                <a:shade val="50000"/>
+                <a:satMod val="150000"/>
+                <a:alpha val="85000"/>
+              </a:schemeClr>
+            </a:outerShdw>
+          </a:effectLst>
+        </p:spPr>
+        <p:style>
+          <a:lnRef idx="3">
+            <a:schemeClr val="lt1"/>
+          </a:lnRef>
+          <a:fillRef idx="1">
+            <a:schemeClr val="accent1"/>
+          </a:fillRef>
+          <a:effectRef idx="1">
+            <a:schemeClr val="accent1"/>
+          </a:effectRef>
+          <a:fontRef idx="minor">
+            <a:schemeClr val="lt1"/>
+          </a:fontRef>
+        </p:style>
+        <p:txBody>
+          <a:bodyPr anchor="ctr"/>
+          <a:lstStyle>
+            <a:extLst/>
+          </a:lstStyle>
+          <a:p>
+            <a:pPr algn="ctr" eaLnBrk="1" latinLnBrk="0" hangingPunct="1"/>
+            <a:endParaRPr kumimoji="0" lang="en-US"/>
+          </a:p>
+        </p:txBody>
+      </p:sp>
+      <p:sp>
+        <p:nvSpPr>
+          <p:cNvPr id="11" name="Donut 10"/>
+          <p:cNvSpPr/>
+          <p:nvPr/>
+        </p:nvSpPr>
+        <p:spPr>
+          <a:xfrm rot="2315675">
+            <a:off x="243842" y="1055077"/>
+            <a:ext cx="1500956" cy="1102624"/>
+          </a:xfrm>
+          <a:prstGeom prst="donut">
+            <a:avLst>
+              <a:gd name="adj" fmla="val 11833"/>
+            </a:avLst>
+          </a:prstGeom>
+          <a:gradFill rotWithShape="1">
+            <a:gsLst>
+              <a:gs pos="0">
+                <a:schemeClr val="bg2">
+                  <a:tint val="10000"/>
+                  <a:shade val="99000"/>
+                  <a:satMod val="355000"/>
+                  <a:alpha val="70000"/>
+                </a:schemeClr>
+              </a:gs>
+              <a:gs pos="70000">
+                <a:schemeClr val="bg2">
+                  <a:tint val="6000"/>
+                  <a:shade val="100000"/>
+                  <a:satMod val="400000"/>
+                  <a:alpha val="55000"/>
+                </a:schemeClr>
+              </a:gs>
+              <a:gs pos="100000">
+                <a:schemeClr val="bg2">
+                  <a:tint val="100000"/>
+                  <a:shade val="75000"/>
+                  <a:satMod val="370000"/>
+                  <a:alpha val="60000"/>
+                </a:schemeClr>
+              </a:gs>
+            </a:gsLst>
+            <a:path path="circle">
+              <a:fillToRect l="-407500" t="-50000" r="507500" b="150000"/>
+            </a:path>
+          </a:gradFill>
+          <a:ln w="7350" cap="rnd" cmpd="sng" algn="ctr">
+            <a:solidFill>
+              <a:schemeClr val="bg2">
+                <a:shade val="60000"/>
+                <a:satMod val="220000"/>
+                <a:alpha val="100000"/>
+              </a:schemeClr>
+            </a:solidFill>
+            <a:prstDash val="solid"/>
+          </a:ln>
+          <a:effectLst>
+            <a:outerShdw blurRad="12700" dist="15000" dir="4500000" algn="tl" rotWithShape="0">
+              <a:schemeClr val="bg2">
+                <a:shade val="10000"/>
+                <a:satMod val="200000"/>
+                <a:alpha val="35000"/>
+              </a:schemeClr>
+            </a:outerShdw>
+          </a:effectLst>
+        </p:spPr>
+        <p:style>
+          <a:lnRef idx="3">
+            <a:schemeClr val="lt1"/>
+          </a:lnRef>
+          <a:fillRef idx="1">
+            <a:schemeClr val="accent1"/>
+          </a:fillRef>
+          <a:effectRef idx="1">
+            <a:schemeClr val="accent1"/>
+          </a:effectRef>
+          <a:fontRef idx="minor">
+            <a:schemeClr val="lt1"/>
+          </a:fontRef>
+        </p:style>
+        <p:txBody>
+          <a:bodyPr anchor="ctr"/>
+          <a:lstStyle>
+            <a:extLst/>
+          </a:lstStyle>
+          <a:p>
+            <a:pPr algn="ctr" eaLnBrk="1" latinLnBrk="0" hangingPunct="1"/>
+            <a:endParaRPr kumimoji="0" lang="en-US"/>
+          </a:p>
+        </p:txBody>
+      </p:sp>
+      <p:sp>
+        <p:nvSpPr>
+          <p:cNvPr id="12" name="Rectangle 11"/>
+          <p:cNvSpPr/>
+          <p:nvPr/>
+        </p:nvSpPr>
+        <p:spPr>
+          <a:xfrm>
+            <a:off x="1350498" y="-54"/>
+            <a:ext cx="10841503" cy="6858054"/>
+          </a:xfrm>
+          <a:prstGeom prst="rect">
+            <a:avLst/>
+          </a:prstGeom>
+          <a:solidFill>
+            <a:schemeClr val="bg1"/>
+          </a:solidFill>
+          <a:ln w="25400" cap="rnd" cmpd="sng" algn="ctr">
+            <a:noFill/>
+            <a:prstDash val="solid"/>
+          </a:ln>
+          <a:effectLst/>
+        </p:spPr>
+        <p:style>
+          <a:lnRef idx="3">
+            <a:schemeClr val="lt1"/>
+          </a:lnRef>
+          <a:fillRef idx="1">
+            <a:schemeClr val="accent1"/>
+          </a:fillRef>
+          <a:effectRef idx="1">
+            <a:schemeClr val="accent1"/>
+          </a:effectRef>
+          <a:fontRef idx="minor">
+            <a:schemeClr val="lt1"/>
+          </a:fontRef>
+        </p:style>
+        <p:txBody>
+          <a:bodyPr anchor="ctr"/>
+          <a:lstStyle>
+            <a:extLst/>
+          </a:lstStyle>
+          <a:p>
+            <a:pPr algn="ctr" eaLnBrk="1" latinLnBrk="0" hangingPunct="1"/>
+            <a:endParaRPr kumimoji="0" lang="en-US"/>
+          </a:p>
+        </p:txBody>
+      </p:sp>
+      <p:sp>
+        <p:nvSpPr>
+          <p:cNvPr id="5" name="Title Placeholder 4"/>
+          <p:cNvSpPr>
+            <a:spLocks noGrp="1"/>
+          </p:cNvSpPr>
+          <p:nvPr>
+            <p:ph type="title"/>
+          </p:nvPr>
+        </p:nvSpPr>
+        <p:spPr>
+          <a:xfrm>
+            <a:off x="1914144" y="274638"/>
+            <a:ext cx="9997440" cy="1143000"/>
           </a:xfrm>
           <a:prstGeom prst="rect">
             <a:avLst/>
           </a:prstGeom>
         </p:spPr>
         <p:txBody>
-          <a:bodyPr vert="horz" lIns="91440" tIns="45720" rIns="91440" bIns="45720" rtlCol="0" anchor="ctr">
+          <a:bodyPr anchor="ctr">
             <a:normAutofit/>
           </a:bodyPr>
-          <a:lstStyle/>
-          <a:p>
-            <a:r>
-              <a:rPr lang="en-US" smtClean="0"/>
+          <a:lstStyle>
+            <a:extLst/>
+          </a:lstStyle>
+          <a:p>
+            <a:r>
+              <a:rPr kumimoji="0" lang="en-US" smtClean="0"/>
               <a:t>Click to edit Master title style</a:t>
             </a:r>
-            <a:endParaRPr lang="en-US"/>
-          </a:p>
-        </p:txBody>
-      </p:sp>
-      <p:sp>
-        <p:nvSpPr>
-          <p:cNvPr id="3" name="Text Placeholder 2"/>
+            <a:endParaRPr kumimoji="0" lang="en-US"/>
+          </a:p>
+        </p:txBody>
+      </p:sp>
+      <p:sp>
+        <p:nvSpPr>
+          <p:cNvPr id="9" name="Text Placeholder 8"/>
           <p:cNvSpPr>
             <a:spLocks noGrp="1"/>
           </p:cNvSpPr>
@@ -2502,59 +3597,61 @@
         </p:nvSpPr>
         <p:spPr>
           <a:xfrm>
-            <a:off x="838200" y="1825625"/>
-            <a:ext cx="10515600" cy="4351338"/>
+            <a:off x="1914144" y="1447800"/>
+            <a:ext cx="9997440" cy="4800600"/>
           </a:xfrm>
           <a:prstGeom prst="rect">
             <a:avLst/>
           </a:prstGeom>
         </p:spPr>
         <p:txBody>
-          <a:bodyPr vert="horz" lIns="91440" tIns="45720" rIns="91440" bIns="45720" rtlCol="0">
+          <a:bodyPr>
             <a:normAutofit/>
           </a:bodyPr>
-          <a:lstStyle/>
-          <a:p>
-            <a:pPr lvl="0"/>
-            <a:r>
-              <a:rPr lang="en-US" smtClean="0"/>
+          <a:lstStyle>
+            <a:extLst/>
+          </a:lstStyle>
+          <a:p>
+            <a:pPr lvl="0" eaLnBrk="1" latinLnBrk="0" hangingPunct="1"/>
+            <a:r>
+              <a:rPr kumimoji="0" lang="en-US" smtClean="0"/>
               <a:t>Click to edit Master text styles</a:t>
             </a:r>
           </a:p>
           <a:p>
-            <a:pPr lvl="1"/>
-            <a:r>
-              <a:rPr lang="en-US" smtClean="0"/>
+            <a:pPr lvl="1" eaLnBrk="1" latinLnBrk="0" hangingPunct="1"/>
+            <a:r>
+              <a:rPr kumimoji="0" lang="en-US" smtClean="0"/>
               <a:t>Second level</a:t>
             </a:r>
           </a:p>
           <a:p>
-            <a:pPr lvl="2"/>
-            <a:r>
-              <a:rPr lang="en-US" smtClean="0"/>
+            <a:pPr lvl="2" eaLnBrk="1" latinLnBrk="0" hangingPunct="1"/>
+            <a:r>
+              <a:rPr kumimoji="0" lang="en-US" smtClean="0"/>
               <a:t>Third level</a:t>
             </a:r>
           </a:p>
           <a:p>
-            <a:pPr lvl="3"/>
-            <a:r>
-              <a:rPr lang="en-US" smtClean="0"/>
+            <a:pPr lvl="3" eaLnBrk="1" latinLnBrk="0" hangingPunct="1"/>
+            <a:r>
+              <a:rPr kumimoji="0" lang="en-US" smtClean="0"/>
               <a:t>Fourth level</a:t>
             </a:r>
           </a:p>
           <a:p>
-            <a:pPr lvl="4"/>
-            <a:r>
-              <a:rPr lang="en-US" smtClean="0"/>
+            <a:pPr lvl="4" eaLnBrk="1" latinLnBrk="0" hangingPunct="1"/>
+            <a:r>
+              <a:rPr kumimoji="0" lang="en-US" smtClean="0"/>
               <a:t>Fifth level</a:t>
             </a:r>
-            <a:endParaRPr lang="en-US"/>
-          </a:p>
-        </p:txBody>
-      </p:sp>
-      <p:sp>
-        <p:nvSpPr>
-          <p:cNvPr id="4" name="Date Placeholder 3"/>
+            <a:endParaRPr kumimoji="0" lang="en-US"/>
+          </a:p>
+        </p:txBody>
+      </p:sp>
+      <p:sp>
+        <p:nvSpPr>
+          <p:cNvPr id="24" name="Date Placeholder 23"/>
           <p:cNvSpPr>
             <a:spLocks noGrp="1"/>
           </p:cNvSpPr>
@@ -2564,25 +3661,27 @@
         </p:nvSpPr>
         <p:spPr>
           <a:xfrm>
-            <a:off x="838200" y="6356350"/>
-            <a:ext cx="2743200" cy="365125"/>
+            <a:off x="4775200" y="6305550"/>
+            <a:ext cx="2844800" cy="476250"/>
           </a:xfrm>
           <a:prstGeom prst="rect">
             <a:avLst/>
           </a:prstGeom>
         </p:spPr>
         <p:txBody>
-          <a:bodyPr vert="horz" lIns="91440" tIns="45720" rIns="91440" bIns="45720" rtlCol="0" anchor="ctr"/>
-          <a:lstStyle>
-            <a:lvl1pPr algn="l">
-              <a:defRPr sz="1200">
+          <a:bodyPr anchor="b"/>
+          <a:lstStyle>
+            <a:lvl1pPr algn="r" eaLnBrk="1" latinLnBrk="0" hangingPunct="1">
+              <a:defRPr kumimoji="0" sz="1200">
                 <a:solidFill>
-                  <a:schemeClr val="tx1">
-                    <a:tint val="75000"/>
+                  <a:schemeClr val="bg2">
+                    <a:shade val="50000"/>
+                    <a:satMod val="200000"/>
                   </a:schemeClr>
                 </a:solidFill>
               </a:defRPr>
             </a:lvl1pPr>
+            <a:extLst/>
           </a:lstStyle>
           <a:p>
             <a:fld id="{6247CA0C-09F5-4541-B72D-5188874B459F}" type="datetimeFigureOut">
@@ -2595,7 +3694,7 @@
       </p:sp>
       <p:sp>
         <p:nvSpPr>
-          <p:cNvPr id="5" name="Footer Placeholder 4"/>
+          <p:cNvPr id="10" name="Footer Placeholder 9"/>
           <p:cNvSpPr>
             <a:spLocks noGrp="1"/>
           </p:cNvSpPr>
@@ -2605,25 +3704,28 @@
         </p:nvSpPr>
         <p:spPr>
           <a:xfrm>
-            <a:off x="4038600" y="6356350"/>
-            <a:ext cx="4114800" cy="365125"/>
+            <a:off x="7620000" y="6305550"/>
+            <a:ext cx="3860800" cy="476250"/>
           </a:xfrm>
           <a:prstGeom prst="rect">
             <a:avLst/>
           </a:prstGeom>
         </p:spPr>
         <p:txBody>
-          <a:bodyPr vert="horz" lIns="91440" tIns="45720" rIns="91440" bIns="45720" rtlCol="0" anchor="ctr"/>
-          <a:lstStyle>
-            <a:lvl1pPr algn="ctr">
-              <a:defRPr sz="1200">
+          <a:bodyPr anchor="b"/>
+          <a:lstStyle>
+            <a:lvl1pPr eaLnBrk="1" latinLnBrk="0" hangingPunct="1">
+              <a:defRPr kumimoji="0" sz="1200">
                 <a:solidFill>
-                  <a:schemeClr val="tx1">
-                    <a:tint val="75000"/>
+                  <a:schemeClr val="bg2">
+                    <a:shade val="50000"/>
+                    <a:satMod val="200000"/>
                   </a:schemeClr>
                 </a:solidFill>
+                <a:effectLst/>
               </a:defRPr>
             </a:lvl1pPr>
+            <a:extLst/>
           </a:lstStyle>
           <a:p>
             <a:endParaRPr lang="en-US"/>
@@ -2632,7 +3734,7 @@
       </p:sp>
       <p:sp>
         <p:nvSpPr>
-          <p:cNvPr id="6" name="Slide Number Placeholder 5"/>
+          <p:cNvPr id="22" name="Slide Number Placeholder 21"/>
           <p:cNvSpPr>
             <a:spLocks noGrp="1"/>
           </p:cNvSpPr>
@@ -2642,25 +3744,28 @@
         </p:nvSpPr>
         <p:spPr>
           <a:xfrm>
-            <a:off x="8610600" y="6356350"/>
-            <a:ext cx="2743200" cy="365125"/>
+            <a:off x="11484864" y="6305550"/>
+            <a:ext cx="609600" cy="476250"/>
           </a:xfrm>
           <a:prstGeom prst="rect">
             <a:avLst/>
           </a:prstGeom>
         </p:spPr>
         <p:txBody>
-          <a:bodyPr vert="horz" lIns="91440" tIns="45720" rIns="91440" bIns="45720" rtlCol="0" anchor="ctr"/>
-          <a:lstStyle>
-            <a:lvl1pPr algn="r">
-              <a:defRPr sz="1200">
+          <a:bodyPr anchor="b"/>
+          <a:lstStyle>
+            <a:lvl1pPr algn="ctr" eaLnBrk="1" latinLnBrk="0" hangingPunct="1">
+              <a:defRPr kumimoji="0" sz="1200">
                 <a:solidFill>
-                  <a:schemeClr val="tx1">
-                    <a:tint val="75000"/>
+                  <a:schemeClr val="bg2">
+                    <a:shade val="50000"/>
+                    <a:satMod val="200000"/>
                   </a:schemeClr>
                 </a:solidFill>
+                <a:effectLst/>
               </a:defRPr>
             </a:lvl1pPr>
+            <a:extLst/>
           </a:lstStyle>
           <a:p>
             <a:fld id="{962A3767-7857-495D-8F79-411239AFC561}" type="slidenum">
@@ -2671,58 +3776,120 @@
           </a:p>
         </p:txBody>
       </p:sp>
+      <p:sp>
+        <p:nvSpPr>
+          <p:cNvPr id="15" name="Rectangle 14"/>
+          <p:cNvSpPr/>
+          <p:nvPr/>
+        </p:nvSpPr>
+        <p:spPr bwMode="invGray">
+          <a:xfrm>
+            <a:off x="1353312" y="-54"/>
+            <a:ext cx="97536" cy="6858054"/>
+          </a:xfrm>
+          <a:prstGeom prst="rect">
+            <a:avLst/>
+          </a:prstGeom>
+          <a:solidFill>
+            <a:schemeClr val="bg1"/>
+          </a:solidFill>
+          <a:ln w="25400" cap="rnd" cmpd="sng" algn="ctr">
+            <a:noFill/>
+            <a:prstDash val="solid"/>
+          </a:ln>
+          <a:effectLst>
+            <a:outerShdw blurRad="38550" dist="38000" dir="10800000" algn="tl" rotWithShape="0">
+              <a:schemeClr val="bg2">
+                <a:shade val="20000"/>
+                <a:satMod val="110000"/>
+                <a:alpha val="25000"/>
+              </a:schemeClr>
+            </a:outerShdw>
+          </a:effectLst>
+        </p:spPr>
+        <p:style>
+          <a:lnRef idx="3">
+            <a:schemeClr val="lt1"/>
+          </a:lnRef>
+          <a:fillRef idx="1">
+            <a:schemeClr val="accent1"/>
+          </a:fillRef>
+          <a:effectRef idx="1">
+            <a:schemeClr val="accent1"/>
+          </a:effectRef>
+          <a:fontRef idx="minor">
+            <a:schemeClr val="lt1"/>
+          </a:fontRef>
+        </p:style>
+        <p:txBody>
+          <a:bodyPr anchor="ctr"/>
+          <a:lstStyle>
+            <a:extLst/>
+          </a:lstStyle>
+          <a:p>
+            <a:pPr algn="ctr" eaLnBrk="1" latinLnBrk="0" hangingPunct="1"/>
+            <a:endParaRPr kumimoji="0" lang="en-US"/>
+          </a:p>
+        </p:txBody>
+      </p:sp>
     </p:spTree>
-    <p:extLst>
-      <p:ext uri="{BB962C8B-B14F-4D97-AF65-F5344CB8AC3E}">
-        <p14:creationId xmlns:p14="http://schemas.microsoft.com/office/powerpoint/2010/main" val="1440681192"/>
-      </p:ext>
-    </p:extLst>
   </p:cSld>
   <p:clrMap bg1="lt1" tx1="dk1" bg2="lt2" tx2="dk2" accent1="accent1" accent2="accent2" accent3="accent3" accent4="accent4" accent5="accent5" accent6="accent6" hlink="hlink" folHlink="folHlink"/>
   <p:sldLayoutIdLst>
-    <p:sldLayoutId id="2147483649" r:id="rId1"/>
-    <p:sldLayoutId id="2147483650" r:id="rId2"/>
-    <p:sldLayoutId id="2147483651" r:id="rId3"/>
-    <p:sldLayoutId id="2147483652" r:id="rId4"/>
-    <p:sldLayoutId id="2147483653" r:id="rId5"/>
-    <p:sldLayoutId id="2147483654" r:id="rId6"/>
-    <p:sldLayoutId id="2147483655" r:id="rId7"/>
-    <p:sldLayoutId id="2147483656" r:id="rId8"/>
-    <p:sldLayoutId id="2147483657" r:id="rId9"/>
-    <p:sldLayoutId id="2147483658" r:id="rId10"/>
-    <p:sldLayoutId id="2147483659" r:id="rId11"/>
+    <p:sldLayoutId id="2147483733" r:id="rId1"/>
+    <p:sldLayoutId id="2147483734" r:id="rId2"/>
+    <p:sldLayoutId id="2147483735" r:id="rId3"/>
+    <p:sldLayoutId id="2147483736" r:id="rId4"/>
+    <p:sldLayoutId id="2147483737" r:id="rId5"/>
+    <p:sldLayoutId id="2147483738" r:id="rId6"/>
+    <p:sldLayoutId id="2147483739" r:id="rId7"/>
+    <p:sldLayoutId id="2147483740" r:id="rId8"/>
+    <p:sldLayoutId id="2147483741" r:id="rId9"/>
+    <p:sldLayoutId id="2147483742" r:id="rId10"/>
+    <p:sldLayoutId id="2147483743" r:id="rId11"/>
   </p:sldLayoutIdLst>
   <p:txStyles>
     <p:titleStyle>
-      <a:lvl1pPr algn="l" defTabSz="914400" rtl="0" eaLnBrk="1" latinLnBrk="0" hangingPunct="1">
-        <a:lnSpc>
-          <a:spcPct val="90000"/>
-        </a:lnSpc>
+      <a:lvl1pPr algn="l" rtl="0" eaLnBrk="1" latinLnBrk="0" hangingPunct="1">
         <a:spcBef>
           <a:spcPct val="0"/>
         </a:spcBef>
         <a:buNone/>
-        <a:defRPr sz="4400" kern="1200">
+        <a:defRPr kumimoji="0" sz="4300" kern="1200">
           <a:solidFill>
-            <a:schemeClr val="tx1"/>
+            <a:schemeClr val="tx2">
+              <a:satMod val="130000"/>
+            </a:schemeClr>
           </a:solidFill>
+          <a:effectLst>
+            <a:outerShdw blurRad="50000" dist="30000" dir="5400000" algn="tl" rotWithShape="0">
+              <a:srgbClr val="000000">
+                <a:alpha val="30000"/>
+              </a:srgbClr>
+            </a:outerShdw>
+          </a:effectLst>
           <a:latin typeface="+mj-lt"/>
           <a:ea typeface="+mj-ea"/>
           <a:cs typeface="+mj-cs"/>
         </a:defRPr>
       </a:lvl1pPr>
+      <a:extLst/>
     </p:titleStyle>
     <p:bodyStyle>
-      <a:lvl1pPr marL="228600" indent="-228600" algn="l" defTabSz="914400" rtl="0" eaLnBrk="1" latinLnBrk="0" hangingPunct="1">
+      <a:lvl1pPr marL="365760" indent="-283464" algn="l" rtl="0" eaLnBrk="1" latinLnBrk="0" hangingPunct="1">
         <a:lnSpc>
-          <a:spcPct val="90000"/>
+          <a:spcPct val="100000"/>
         </a:lnSpc>
         <a:spcBef>
-          <a:spcPts val="1000"/>
+          <a:spcPts val="600"/>
         </a:spcBef>
-        <a:buFont typeface="Arial" panose="020B0604020202020204" pitchFamily="34" charset="0"/>
-        <a:buChar char="•"/>
-        <a:defRPr sz="2800" kern="1200">
+        <a:buClr>
+          <a:schemeClr val="accent1"/>
+        </a:buClr>
+        <a:buSzPct val="80000"/>
+        <a:buFont typeface="Wingdings 2"/>
+        <a:buChar char=""/>
+        <a:defRPr kumimoji="0" sz="3200" kern="1200">
           <a:solidFill>
             <a:schemeClr val="tx1"/>
           </a:solidFill>
@@ -2731,16 +3898,19 @@
           <a:cs typeface="+mn-cs"/>
         </a:defRPr>
       </a:lvl1pPr>
-      <a:lvl2pPr marL="685800" indent="-228600" algn="l" defTabSz="914400" rtl="0" eaLnBrk="1" latinLnBrk="0" hangingPunct="1">
+      <a:lvl2pPr marL="640080" indent="-237744" algn="l" rtl="0" eaLnBrk="1" latinLnBrk="0" hangingPunct="1">
         <a:lnSpc>
-          <a:spcPct val="90000"/>
+          <a:spcPct val="100000"/>
         </a:lnSpc>
         <a:spcBef>
-          <a:spcPts val="500"/>
+          <a:spcPts val="550"/>
         </a:spcBef>
-        <a:buFont typeface="Arial" panose="020B0604020202020204" pitchFamily="34" charset="0"/>
-        <a:buChar char="•"/>
-        <a:defRPr sz="2400" kern="1200">
+        <a:buClr>
+          <a:schemeClr val="accent1"/>
+        </a:buClr>
+        <a:buFont typeface="Verdana"/>
+        <a:buChar char="◦"/>
+        <a:defRPr kumimoji="0" sz="2800" kern="1200">
           <a:solidFill>
             <a:schemeClr val="tx1"/>
           </a:solidFill>
@@ -2749,16 +3919,19 @@
           <a:cs typeface="+mn-cs"/>
         </a:defRPr>
       </a:lvl2pPr>
-      <a:lvl3pPr marL="1143000" indent="-228600" algn="l" defTabSz="914400" rtl="0" eaLnBrk="1" latinLnBrk="0" hangingPunct="1">
+      <a:lvl3pPr marL="886968" indent="-228600" algn="l" rtl="0" eaLnBrk="1" latinLnBrk="0" hangingPunct="1">
         <a:lnSpc>
-          <a:spcPct val="90000"/>
+          <a:spcPct val="100000"/>
         </a:lnSpc>
         <a:spcBef>
-          <a:spcPts val="500"/>
+          <a:spcPct val="20000"/>
         </a:spcBef>
-        <a:buFont typeface="Arial" panose="020B0604020202020204" pitchFamily="34" charset="0"/>
-        <a:buChar char="•"/>
-        <a:defRPr sz="2000" kern="1200">
+        <a:buClr>
+          <a:schemeClr val="accent2"/>
+        </a:buClr>
+        <a:buFont typeface="Wingdings 2"/>
+        <a:buChar char=""/>
+        <a:defRPr kumimoji="0" sz="2400" kern="1200">
           <a:solidFill>
             <a:schemeClr val="tx1"/>
           </a:solidFill>
@@ -2767,16 +3940,19 @@
           <a:cs typeface="+mn-cs"/>
         </a:defRPr>
       </a:lvl3pPr>
-      <a:lvl4pPr marL="1600200" indent="-228600" algn="l" defTabSz="914400" rtl="0" eaLnBrk="1" latinLnBrk="0" hangingPunct="1">
+      <a:lvl4pPr marL="1097280" indent="-173736" algn="l" rtl="0" eaLnBrk="1" latinLnBrk="0" hangingPunct="1">
         <a:lnSpc>
-          <a:spcPct val="90000"/>
+          <a:spcPct val="100000"/>
         </a:lnSpc>
         <a:spcBef>
-          <a:spcPts val="500"/>
+          <a:spcPct val="20000"/>
         </a:spcBef>
-        <a:buFont typeface="Arial" panose="020B0604020202020204" pitchFamily="34" charset="0"/>
-        <a:buChar char="•"/>
-        <a:defRPr sz="1800" kern="1200">
+        <a:buClr>
+          <a:schemeClr val="accent3"/>
+        </a:buClr>
+        <a:buFont typeface="Wingdings 2"/>
+        <a:buChar char=""/>
+        <a:defRPr kumimoji="0" sz="2000" kern="1200">
           <a:solidFill>
             <a:schemeClr val="tx1"/>
           </a:solidFill>
@@ -2785,16 +3961,19 @@
           <a:cs typeface="+mn-cs"/>
         </a:defRPr>
       </a:lvl4pPr>
-      <a:lvl5pPr marL="2057400" indent="-228600" algn="l" defTabSz="914400" rtl="0" eaLnBrk="1" latinLnBrk="0" hangingPunct="1">
+      <a:lvl5pPr marL="1298448" indent="-182880" algn="l" rtl="0" eaLnBrk="1" latinLnBrk="0" hangingPunct="1">
         <a:lnSpc>
-          <a:spcPct val="90000"/>
+          <a:spcPct val="100000"/>
         </a:lnSpc>
         <a:spcBef>
-          <a:spcPts val="500"/>
+          <a:spcPct val="20000"/>
         </a:spcBef>
-        <a:buFont typeface="Arial" panose="020B0604020202020204" pitchFamily="34" charset="0"/>
-        <a:buChar char="•"/>
-        <a:defRPr sz="1800" kern="1200">
+        <a:buClr>
+          <a:schemeClr val="accent4"/>
+        </a:buClr>
+        <a:buFont typeface="Wingdings 2"/>
+        <a:buChar char=""/>
+        <a:defRPr kumimoji="0" sz="2000" kern="1200">
           <a:solidFill>
             <a:schemeClr val="tx1"/>
           </a:solidFill>
@@ -2803,16 +3982,19 @@
           <a:cs typeface="+mn-cs"/>
         </a:defRPr>
       </a:lvl5pPr>
-      <a:lvl6pPr marL="2514600" indent="-228600" algn="l" defTabSz="914400" rtl="0" eaLnBrk="1" latinLnBrk="0" hangingPunct="1">
+      <a:lvl6pPr marL="1508760" indent="-182880" algn="l" rtl="0" eaLnBrk="1" latinLnBrk="0" hangingPunct="1">
         <a:lnSpc>
-          <a:spcPct val="90000"/>
+          <a:spcPct val="100000"/>
         </a:lnSpc>
         <a:spcBef>
-          <a:spcPts val="500"/>
+          <a:spcPct val="20000"/>
         </a:spcBef>
-        <a:buFont typeface="Arial" panose="020B0604020202020204" pitchFamily="34" charset="0"/>
-        <a:buChar char="•"/>
-        <a:defRPr sz="1800" kern="1200">
+        <a:buClr>
+          <a:schemeClr val="accent5"/>
+        </a:buClr>
+        <a:buFont typeface="Wingdings 2"/>
+        <a:buChar char=""/>
+        <a:defRPr kumimoji="0" sz="2000" kern="1200">
           <a:solidFill>
             <a:schemeClr val="tx1"/>
           </a:solidFill>
@@ -2821,16 +4003,19 @@
           <a:cs typeface="+mn-cs"/>
         </a:defRPr>
       </a:lvl6pPr>
-      <a:lvl7pPr marL="2971800" indent="-228600" algn="l" defTabSz="914400" rtl="0" eaLnBrk="1" latinLnBrk="0" hangingPunct="1">
+      <a:lvl7pPr marL="1719072" indent="-182880" algn="l" rtl="0" eaLnBrk="1" latinLnBrk="0" hangingPunct="1">
         <a:lnSpc>
-          <a:spcPct val="90000"/>
+          <a:spcPct val="100000"/>
         </a:lnSpc>
         <a:spcBef>
-          <a:spcPts val="500"/>
+          <a:spcPct val="20000"/>
         </a:spcBef>
-        <a:buFont typeface="Arial" panose="020B0604020202020204" pitchFamily="34" charset="0"/>
-        <a:buChar char="•"/>
-        <a:defRPr sz="1800" kern="1200">
+        <a:buClr>
+          <a:schemeClr val="accent6"/>
+        </a:buClr>
+        <a:buFont typeface="Wingdings 2"/>
+        <a:buChar char=""/>
+        <a:defRPr kumimoji="0" sz="2000" kern="1200">
           <a:solidFill>
             <a:schemeClr val="tx1"/>
           </a:solidFill>
@@ -2839,16 +4024,19 @@
           <a:cs typeface="+mn-cs"/>
         </a:defRPr>
       </a:lvl7pPr>
-      <a:lvl8pPr marL="3429000" indent="-228600" algn="l" defTabSz="914400" rtl="0" eaLnBrk="1" latinLnBrk="0" hangingPunct="1">
+      <a:lvl8pPr marL="1920240" indent="-182880" algn="l" rtl="0" eaLnBrk="1" latinLnBrk="0" hangingPunct="1">
         <a:lnSpc>
-          <a:spcPct val="90000"/>
+          <a:spcPct val="100000"/>
         </a:lnSpc>
         <a:spcBef>
-          <a:spcPts val="500"/>
+          <a:spcPct val="20000"/>
         </a:spcBef>
-        <a:buFont typeface="Arial" panose="020B0604020202020204" pitchFamily="34" charset="0"/>
-        <a:buChar char="•"/>
-        <a:defRPr sz="1800" kern="1200">
+        <a:buClr>
+          <a:schemeClr val="accent6"/>
+        </a:buClr>
+        <a:buFont typeface="Wingdings 2"/>
+        <a:buChar char=""/>
+        <a:defRPr kumimoji="0" sz="2000" kern="1200">
           <a:solidFill>
             <a:schemeClr val="tx1"/>
           </a:solidFill>
@@ -2857,16 +4045,19 @@
           <a:cs typeface="+mn-cs"/>
         </a:defRPr>
       </a:lvl8pPr>
-      <a:lvl9pPr marL="3886200" indent="-228600" algn="l" defTabSz="914400" rtl="0" eaLnBrk="1" latinLnBrk="0" hangingPunct="1">
+      <a:lvl9pPr marL="2130552" indent="-182880" algn="l" rtl="0" eaLnBrk="1" latinLnBrk="0" hangingPunct="1">
         <a:lnSpc>
-          <a:spcPct val="90000"/>
+          <a:spcPct val="100000"/>
         </a:lnSpc>
         <a:spcBef>
-          <a:spcPts val="500"/>
+          <a:spcPct val="20000"/>
         </a:spcBef>
-        <a:buFont typeface="Arial" panose="020B0604020202020204" pitchFamily="34" charset="0"/>
-        <a:buChar char="•"/>
-        <a:defRPr sz="1800" kern="1200">
+        <a:buClr>
+          <a:schemeClr val="accent6"/>
+        </a:buClr>
+        <a:buFont typeface="Wingdings 2"/>
+        <a:buChar char=""/>
+        <a:defRPr kumimoji="0" sz="2000" kern="1200">
           <a:solidFill>
             <a:schemeClr val="tx1"/>
           </a:solidFill>
@@ -2875,13 +4066,11 @@
           <a:cs typeface="+mn-cs"/>
         </a:defRPr>
       </a:lvl9pPr>
+      <a:extLst/>
     </p:bodyStyle>
     <p:otherStyle>
-      <a:defPPr>
-        <a:defRPr lang="en-US"/>
-      </a:defPPr>
-      <a:lvl1pPr marL="0" algn="l" defTabSz="914400" rtl="0" eaLnBrk="1" latinLnBrk="0" hangingPunct="1">
-        <a:defRPr sz="1800" kern="1200">
+      <a:lvl1pPr marL="0" algn="l" rtl="0" eaLnBrk="1" latinLnBrk="0" hangingPunct="1">
+        <a:defRPr kumimoji="0" kern="1200">
           <a:solidFill>
             <a:schemeClr val="tx1"/>
           </a:solidFill>
@@ -2890,8 +4079,8 @@
           <a:cs typeface="+mn-cs"/>
         </a:defRPr>
       </a:lvl1pPr>
-      <a:lvl2pPr marL="457200" algn="l" defTabSz="914400" rtl="0" eaLnBrk="1" latinLnBrk="0" hangingPunct="1">
-        <a:defRPr sz="1800" kern="1200">
+      <a:lvl2pPr marL="457200" algn="l" rtl="0" eaLnBrk="1" latinLnBrk="0" hangingPunct="1">
+        <a:defRPr kumimoji="0" kern="1200">
           <a:solidFill>
             <a:schemeClr val="tx1"/>
           </a:solidFill>
@@ -2900,8 +4089,8 @@
           <a:cs typeface="+mn-cs"/>
         </a:defRPr>
       </a:lvl2pPr>
-      <a:lvl3pPr marL="914400" algn="l" defTabSz="914400" rtl="0" eaLnBrk="1" latinLnBrk="0" hangingPunct="1">
-        <a:defRPr sz="1800" kern="1200">
+      <a:lvl3pPr marL="914400" algn="l" rtl="0" eaLnBrk="1" latinLnBrk="0" hangingPunct="1">
+        <a:defRPr kumimoji="0" kern="1200">
           <a:solidFill>
             <a:schemeClr val="tx1"/>
           </a:solidFill>
@@ -2910,8 +4099,8 @@
           <a:cs typeface="+mn-cs"/>
         </a:defRPr>
       </a:lvl3pPr>
-      <a:lvl4pPr marL="1371600" algn="l" defTabSz="914400" rtl="0" eaLnBrk="1" latinLnBrk="0" hangingPunct="1">
-        <a:defRPr sz="1800" kern="1200">
+      <a:lvl4pPr marL="1371600" algn="l" rtl="0" eaLnBrk="1" latinLnBrk="0" hangingPunct="1">
+        <a:defRPr kumimoji="0" kern="1200">
           <a:solidFill>
             <a:schemeClr val="tx1"/>
           </a:solidFill>
@@ -2920,8 +4109,8 @@
           <a:cs typeface="+mn-cs"/>
         </a:defRPr>
       </a:lvl4pPr>
-      <a:lvl5pPr marL="1828800" algn="l" defTabSz="914400" rtl="0" eaLnBrk="1" latinLnBrk="0" hangingPunct="1">
-        <a:defRPr sz="1800" kern="1200">
+      <a:lvl5pPr marL="1828800" algn="l" rtl="0" eaLnBrk="1" latinLnBrk="0" hangingPunct="1">
+        <a:defRPr kumimoji="0" kern="1200">
           <a:solidFill>
             <a:schemeClr val="tx1"/>
           </a:solidFill>
@@ -2930,8 +4119,8 @@
           <a:cs typeface="+mn-cs"/>
         </a:defRPr>
       </a:lvl5pPr>
-      <a:lvl6pPr marL="2286000" algn="l" defTabSz="914400" rtl="0" eaLnBrk="1" latinLnBrk="0" hangingPunct="1">
-        <a:defRPr sz="1800" kern="1200">
+      <a:lvl6pPr marL="2286000" algn="l" rtl="0" eaLnBrk="1" latinLnBrk="0" hangingPunct="1">
+        <a:defRPr kumimoji="0" kern="1200">
           <a:solidFill>
             <a:schemeClr val="tx1"/>
           </a:solidFill>
@@ -2940,8 +4129,8 @@
           <a:cs typeface="+mn-cs"/>
         </a:defRPr>
       </a:lvl6pPr>
-      <a:lvl7pPr marL="2743200" algn="l" defTabSz="914400" rtl="0" eaLnBrk="1" latinLnBrk="0" hangingPunct="1">
-        <a:defRPr sz="1800" kern="1200">
+      <a:lvl7pPr marL="2743200" algn="l" rtl="0" eaLnBrk="1" latinLnBrk="0" hangingPunct="1">
+        <a:defRPr kumimoji="0" kern="1200">
           <a:solidFill>
             <a:schemeClr val="tx1"/>
           </a:solidFill>
@@ -2950,8 +4139,8 @@
           <a:cs typeface="+mn-cs"/>
         </a:defRPr>
       </a:lvl7pPr>
-      <a:lvl8pPr marL="3200400" algn="l" defTabSz="914400" rtl="0" eaLnBrk="1" latinLnBrk="0" hangingPunct="1">
-        <a:defRPr sz="1800" kern="1200">
+      <a:lvl8pPr marL="3200400" algn="l" rtl="0" eaLnBrk="1" latinLnBrk="0" hangingPunct="1">
+        <a:defRPr kumimoji="0" kern="1200">
           <a:solidFill>
             <a:schemeClr val="tx1"/>
           </a:solidFill>
@@ -2960,8 +4149,8 @@
           <a:cs typeface="+mn-cs"/>
         </a:defRPr>
       </a:lvl8pPr>
-      <a:lvl9pPr marL="3657600" algn="l" defTabSz="914400" rtl="0" eaLnBrk="1" latinLnBrk="0" hangingPunct="1">
-        <a:defRPr sz="1800" kern="1200">
+      <a:lvl9pPr marL="3657600" algn="l" rtl="0" eaLnBrk="1" latinLnBrk="0" hangingPunct="1">
+        <a:defRPr kumimoji="0" kern="1200">
           <a:solidFill>
             <a:schemeClr val="tx1"/>
           </a:solidFill>
@@ -2970,6 +4159,7 @@
           <a:cs typeface="+mn-cs"/>
         </a:defRPr>
       </a:lvl9pPr>
+      <a:extLst/>
     </p:otherStyle>
   </p:txStyles>
 </p:sldMaster>
@@ -3099,6 +4289,246 @@
 </p:sld>
 </file>
 
+<file path=ppt/slides/slide10.xml><?xml version="1.0" encoding="utf-8"?>
+<p:sld xmlns:a="http://schemas.openxmlformats.org/drawingml/2006/main" xmlns:r="http://schemas.openxmlformats.org/officeDocument/2006/relationships" xmlns:p="http://schemas.openxmlformats.org/presentationml/2006/main">
+  <p:cSld>
+    <p:spTree>
+      <p:nvGrpSpPr>
+        <p:cNvPr id="1" name=""/>
+        <p:cNvGrpSpPr/>
+        <p:nvPr/>
+      </p:nvGrpSpPr>
+      <p:grpSpPr>
+        <a:xfrm>
+          <a:off x="0" y="0"/>
+          <a:ext cx="0" cy="0"/>
+          <a:chOff x="0" y="0"/>
+          <a:chExt cx="0" cy="0"/>
+        </a:xfrm>
+      </p:grpSpPr>
+      <p:sp>
+        <p:nvSpPr>
+          <p:cNvPr id="2" name="Title 1"/>
+          <p:cNvSpPr>
+            <a:spLocks noGrp="1"/>
+          </p:cNvSpPr>
+          <p:nvPr>
+            <p:ph type="title"/>
+          </p:nvPr>
+        </p:nvSpPr>
+        <p:spPr/>
+        <p:txBody>
+          <a:bodyPr/>
+          <a:lstStyle/>
+          <a:p>
+            <a:r>
+              <a:rPr lang="en-US" dirty="0" err="1" smtClean="0"/>
+              <a:t>Dlmalloc</a:t>
+            </a:r>
+            <a:r>
+              <a:rPr lang="en-US" dirty="0" smtClean="0"/>
+              <a:t> - Binning</a:t>
+            </a:r>
+            <a:endParaRPr lang="es-EC" dirty="0"/>
+          </a:p>
+        </p:txBody>
+      </p:sp>
+      <p:pic>
+        <p:nvPicPr>
+          <p:cNvPr id="4" name="Content Placeholder 3"/>
+          <p:cNvPicPr>
+            <a:picLocks noGrp="1" noChangeAspect="1"/>
+          </p:cNvPicPr>
+          <p:nvPr>
+            <p:ph idx="1"/>
+          </p:nvPr>
+        </p:nvPicPr>
+        <p:blipFill>
+          <a:blip r:embed="rId2">
+            <a:extLst>
+              <a:ext uri="{28A0092B-C50C-407E-A947-70E740481C1C}">
+                <a14:useLocalDpi xmlns:a14="http://schemas.microsoft.com/office/drawing/2010/main" val="0"/>
+              </a:ext>
+            </a:extLst>
+          </a:blip>
+          <a:stretch>
+            <a:fillRect/>
+          </a:stretch>
+        </p:blipFill>
+        <p:spPr>
+          <a:xfrm>
+            <a:off x="3735738" y="1847570"/>
+            <a:ext cx="6354062" cy="4001059"/>
+          </a:xfrm>
+        </p:spPr>
+      </p:pic>
+    </p:spTree>
+    <p:extLst>
+      <p:ext uri="{BB962C8B-B14F-4D97-AF65-F5344CB8AC3E}">
+        <p14:creationId xmlns:p14="http://schemas.microsoft.com/office/powerpoint/2010/main" val="3145806466"/>
+      </p:ext>
+    </p:extLst>
+  </p:cSld>
+  <p:clrMapOvr>
+    <a:masterClrMapping/>
+  </p:clrMapOvr>
+</p:sld>
+</file>
+
+<file path=ppt/slides/slide11.xml><?xml version="1.0" encoding="utf-8"?>
+<p:sld xmlns:a="http://schemas.openxmlformats.org/drawingml/2006/main" xmlns:r="http://schemas.openxmlformats.org/officeDocument/2006/relationships" xmlns:p="http://schemas.openxmlformats.org/presentationml/2006/main">
+  <p:cSld>
+    <p:spTree>
+      <p:nvGrpSpPr>
+        <p:cNvPr id="1" name=""/>
+        <p:cNvGrpSpPr/>
+        <p:nvPr/>
+      </p:nvGrpSpPr>
+      <p:grpSpPr>
+        <a:xfrm>
+          <a:off x="0" y="0"/>
+          <a:ext cx="0" cy="0"/>
+          <a:chOff x="0" y="0"/>
+          <a:chExt cx="0" cy="0"/>
+        </a:xfrm>
+      </p:grpSpPr>
+      <p:sp>
+        <p:nvSpPr>
+          <p:cNvPr id="2" name="Title 1"/>
+          <p:cNvSpPr>
+            <a:spLocks noGrp="1"/>
+          </p:cNvSpPr>
+          <p:nvPr>
+            <p:ph type="title"/>
+          </p:nvPr>
+        </p:nvSpPr>
+        <p:spPr/>
+        <p:txBody>
+          <a:bodyPr/>
+          <a:lstStyle/>
+          <a:p>
+            <a:r>
+              <a:rPr lang="en-US" dirty="0" err="1" smtClean="0"/>
+              <a:t>Malloc</a:t>
+            </a:r>
+            <a:r>
+              <a:rPr lang="en-US" dirty="0" smtClean="0"/>
+              <a:t> </a:t>
+            </a:r>
+            <a:endParaRPr lang="es-EC" dirty="0"/>
+          </a:p>
+        </p:txBody>
+      </p:sp>
+      <p:pic>
+        <p:nvPicPr>
+          <p:cNvPr id="4" name="Content Placeholder 3"/>
+          <p:cNvPicPr>
+            <a:picLocks noGrp="1" noChangeAspect="1"/>
+          </p:cNvPicPr>
+          <p:nvPr>
+            <p:ph idx="1"/>
+          </p:nvPr>
+        </p:nvPicPr>
+        <p:blipFill>
+          <a:blip r:embed="rId2">
+            <a:extLst>
+              <a:ext uri="{28A0092B-C50C-407E-A947-70E740481C1C}">
+                <a14:useLocalDpi xmlns:a14="http://schemas.microsoft.com/office/drawing/2010/main" val="0"/>
+              </a:ext>
+            </a:extLst>
+          </a:blip>
+          <a:stretch>
+            <a:fillRect/>
+          </a:stretch>
+        </p:blipFill>
+        <p:spPr>
+          <a:xfrm>
+            <a:off x="4059633" y="2919283"/>
+            <a:ext cx="5706272" cy="1857634"/>
+          </a:xfrm>
+        </p:spPr>
+      </p:pic>
+    </p:spTree>
+    <p:extLst>
+      <p:ext uri="{BB962C8B-B14F-4D97-AF65-F5344CB8AC3E}">
+        <p14:creationId xmlns:p14="http://schemas.microsoft.com/office/powerpoint/2010/main" val="1881526000"/>
+      </p:ext>
+    </p:extLst>
+  </p:cSld>
+  <p:clrMapOvr>
+    <a:masterClrMapping/>
+  </p:clrMapOvr>
+</p:sld>
+</file>
+
+<file path=ppt/slides/slide12.xml><?xml version="1.0" encoding="utf-8"?>
+<p:sld xmlns:a="http://schemas.openxmlformats.org/drawingml/2006/main" xmlns:r="http://schemas.openxmlformats.org/officeDocument/2006/relationships" xmlns:p="http://schemas.openxmlformats.org/presentationml/2006/main">
+  <p:cSld>
+    <p:spTree>
+      <p:nvGrpSpPr>
+        <p:cNvPr id="1" name=""/>
+        <p:cNvGrpSpPr/>
+        <p:nvPr/>
+      </p:nvGrpSpPr>
+      <p:grpSpPr>
+        <a:xfrm>
+          <a:off x="0" y="0"/>
+          <a:ext cx="0" cy="0"/>
+          <a:chOff x="0" y="0"/>
+          <a:chExt cx="0" cy="0"/>
+        </a:xfrm>
+      </p:grpSpPr>
+      <p:sp>
+        <p:nvSpPr>
+          <p:cNvPr id="2" name="Title 1"/>
+          <p:cNvSpPr>
+            <a:spLocks noGrp="1"/>
+          </p:cNvSpPr>
+          <p:nvPr>
+            <p:ph type="title"/>
+          </p:nvPr>
+        </p:nvSpPr>
+        <p:spPr/>
+        <p:txBody>
+          <a:bodyPr/>
+          <a:lstStyle/>
+          <a:p>
+            <a:endParaRPr lang="es-EC"/>
+          </a:p>
+        </p:txBody>
+      </p:sp>
+      <p:sp>
+        <p:nvSpPr>
+          <p:cNvPr id="3" name="Content Placeholder 2"/>
+          <p:cNvSpPr>
+            <a:spLocks noGrp="1"/>
+          </p:cNvSpPr>
+          <p:nvPr>
+            <p:ph idx="1"/>
+          </p:nvPr>
+        </p:nvSpPr>
+        <p:spPr/>
+        <p:txBody>
+          <a:bodyPr/>
+          <a:lstStyle/>
+          <a:p>
+            <a:endParaRPr lang="es-EC"/>
+          </a:p>
+        </p:txBody>
+      </p:sp>
+    </p:spTree>
+    <p:extLst>
+      <p:ext uri="{BB962C8B-B14F-4D97-AF65-F5344CB8AC3E}">
+        <p14:creationId xmlns:p14="http://schemas.microsoft.com/office/powerpoint/2010/main" val="3513590661"/>
+      </p:ext>
+    </p:extLst>
+  </p:cSld>
+  <p:clrMapOvr>
+    <a:masterClrMapping/>
+  </p:clrMapOvr>
+</p:sld>
+</file>
+
 <file path=ppt/slides/slide2.xml><?xml version="1.0" encoding="utf-8"?>
 <p:sld xmlns:a="http://schemas.openxmlformats.org/drawingml/2006/main" xmlns:r="http://schemas.openxmlformats.org/officeDocument/2006/relationships" xmlns:p="http://schemas.openxmlformats.org/presentationml/2006/main">
   <p:cSld>
@@ -3168,7 +4598,37 @@
             </a:r>
             <a:r>
               <a:rPr lang="en-US" dirty="0" smtClean="0"/>
-              <a:t> del </a:t>
+              <a:t> </a:t>
+            </a:r>
+            <a:endParaRPr lang="en-US" dirty="0" smtClean="0"/>
+          </a:p>
+          <a:p>
+            <a:r>
+              <a:rPr lang="en-US" dirty="0" smtClean="0"/>
+              <a:t>Overhead </a:t>
+            </a:r>
+            <a:r>
+              <a:rPr lang="en-US" dirty="0" smtClean="0"/>
+              <a:t>en </a:t>
+            </a:r>
+            <a:r>
+              <a:rPr lang="en-US" dirty="0" err="1" smtClean="0"/>
+              <a:t>memoria</a:t>
+            </a:r>
+            <a:endParaRPr lang="en-US" dirty="0" smtClean="0"/>
+          </a:p>
+          <a:p>
+            <a:r>
+              <a:rPr lang="en-US" dirty="0" smtClean="0"/>
+              <a:t>Mayor </a:t>
+            </a:r>
+            <a:r>
+              <a:rPr lang="en-US" dirty="0" err="1" smtClean="0"/>
+              <a:t>complejidad</a:t>
+            </a:r>
+            <a:r>
+              <a:rPr lang="en-US" dirty="0" smtClean="0"/>
+              <a:t> al </a:t>
             </a:r>
             <a:r>
               <a:rPr lang="en-US" dirty="0" err="1" smtClean="0"/>
@@ -3179,36 +4639,6 @@
           <a:p>
             <a:r>
               <a:rPr lang="en-US" dirty="0" smtClean="0"/>
-              <a:t>Overhead en </a:t>
-            </a:r>
-            <a:r>
-              <a:rPr lang="en-US" dirty="0" err="1" smtClean="0"/>
-              <a:t>memoria</a:t>
-            </a:r>
-            <a:endParaRPr lang="en-US" dirty="0" smtClean="0"/>
-          </a:p>
-          <a:p>
-            <a:r>
-              <a:rPr lang="en-US" dirty="0" smtClean="0"/>
-              <a:t>Mayor </a:t>
-            </a:r>
-            <a:r>
-              <a:rPr lang="en-US" dirty="0" err="1" smtClean="0"/>
-              <a:t>complejidad</a:t>
-            </a:r>
-            <a:r>
-              <a:rPr lang="en-US" dirty="0" smtClean="0"/>
-              <a:t> al </a:t>
-            </a:r>
-            <a:r>
-              <a:rPr lang="en-US" dirty="0" err="1" smtClean="0"/>
-              <a:t>lenguaje</a:t>
-            </a:r>
-            <a:endParaRPr lang="en-US" dirty="0" smtClean="0"/>
-          </a:p>
-          <a:p>
-            <a:r>
-              <a:rPr lang="en-US" dirty="0" smtClean="0"/>
               <a:t>Trade-off (Performance &gt; Convenience</a:t>
             </a:r>
             <a:r>
@@ -3217,10 +4647,6 @@
             </a:r>
           </a:p>
           <a:p>
-            <a:r>
-              <a:rPr lang="en-US" dirty="0" err="1" smtClean="0"/>
-              <a:t>Funcionalidad</a:t>
-            </a:r>
             <a:endParaRPr lang="en-US" dirty="0" smtClean="0"/>
           </a:p>
         </p:txBody>
@@ -3327,9 +4753,12 @@
           </a:p>
           <a:p>
             <a:r>
-              <a:rPr lang="en-US" dirty="0"/>
-              <a:t>2</a:t>
-            </a:r>
+              <a:rPr lang="en-US" dirty="0" err="1" smtClean="0"/>
+              <a:t>Dlmalloc</a:t>
+            </a:r>
+            <a:endParaRPr lang="en-US" dirty="0" smtClean="0"/>
+          </a:p>
+          <a:p>
             <a:endParaRPr lang="en-US" dirty="0" smtClean="0"/>
           </a:p>
         </p:txBody>
@@ -3381,7 +4810,9 @@
           </a:xfrm>
         </p:spPr>
         <p:txBody>
-          <a:bodyPr/>
+          <a:bodyPr>
+            <a:normAutofit fontScale="90000"/>
+          </a:bodyPr>
           <a:lstStyle/>
           <a:p>
             <a:r>
@@ -3708,11 +5139,7 @@
           <a:p>
             <a:r>
               <a:rPr lang="en-US" dirty="0" err="1" smtClean="0"/>
-              <a:t>Metodo</a:t>
-            </a:r>
-            <a:r>
-              <a:rPr lang="en-US" dirty="0" smtClean="0"/>
-              <a:t> 2</a:t>
+              <a:t>Dlmalloc</a:t>
             </a:r>
             <a:endParaRPr lang="en-US" dirty="0"/>
           </a:p>
@@ -3730,14 +5157,102 @@
         </p:nvSpPr>
         <p:spPr/>
         <p:txBody>
-          <a:bodyPr/>
+          <a:bodyPr>
+            <a:normAutofit fontScale="92500" lnSpcReduction="20000"/>
+          </a:bodyPr>
           <a:lstStyle/>
           <a:p>
             <a:r>
-              <a:rPr lang="en-US" dirty="0" err="1" smtClean="0"/>
-              <a:t>blabla</a:t>
-            </a:r>
-            <a:endParaRPr lang="en-US" dirty="0"/>
+              <a:rPr lang="es-EC" dirty="0" smtClean="0"/>
+              <a:t>La </a:t>
+            </a:r>
+            <a:r>
+              <a:rPr lang="es-EC" dirty="0"/>
+              <a:t>“</a:t>
+            </a:r>
+            <a:r>
+              <a:rPr lang="es-EC" dirty="0" err="1"/>
+              <a:t>Memory</a:t>
+            </a:r>
+            <a:r>
+              <a:rPr lang="es-EC" dirty="0"/>
+              <a:t> </a:t>
+            </a:r>
+            <a:r>
+              <a:rPr lang="es-EC" dirty="0" err="1"/>
+              <a:t>allocator</a:t>
+            </a:r>
+            <a:r>
+              <a:rPr lang="es-EC" dirty="0"/>
+              <a:t> </a:t>
+            </a:r>
+            <a:r>
+              <a:rPr lang="es-EC" dirty="0" err="1"/>
+              <a:t>library</a:t>
+            </a:r>
+            <a:r>
+              <a:rPr lang="es-EC" dirty="0"/>
+              <a:t>  ” de Doug Lea es una librería estándar que empezó a escribirse en 1987, normalmente se la conoce como </a:t>
+            </a:r>
+            <a:r>
+              <a:rPr lang="es-EC" i="1" dirty="0" err="1"/>
+              <a:t>dlmalloc</a:t>
+            </a:r>
+            <a:r>
+              <a:rPr lang="es-EC" i="1" dirty="0"/>
+              <a:t>.</a:t>
+            </a:r>
+            <a:endParaRPr lang="es-EC" dirty="0"/>
+          </a:p>
+          <a:p>
+            <a:r>
+              <a:rPr lang="es-EC" i="1" dirty="0" err="1"/>
+              <a:t>Dlmalloc</a:t>
+            </a:r>
+            <a:r>
+              <a:rPr lang="es-EC" i="1" dirty="0"/>
+              <a:t> es una librería abierta cuyo código puede ser obtenido en </a:t>
+            </a:r>
+            <a:r>
+              <a:rPr lang="es-EC" u="sng" dirty="0">
+                <a:hlinkClick r:id="rId2"/>
+              </a:rPr>
+              <a:t>ftp://g.oswego.edu/pub/misc/malloc.c</a:t>
+            </a:r>
+            <a:r>
+              <a:rPr lang="es-EC" dirty="0"/>
+              <a:t>. </a:t>
+            </a:r>
+          </a:p>
+          <a:p>
+            <a:r>
+              <a:rPr lang="es-EC" dirty="0"/>
+              <a:t>Debido a esto el uso de esta librería es de uso extendido y general. Incluso sirve como la versión nativa default de la implementación de </a:t>
+            </a:r>
+            <a:r>
+              <a:rPr lang="es-EC" dirty="0" err="1"/>
+              <a:t>malloc</a:t>
+            </a:r>
+            <a:r>
+              <a:rPr lang="es-EC" dirty="0"/>
+              <a:t> y free en algunas versiones de Linux. Esta librería normalmente hace </a:t>
+            </a:r>
+            <a:r>
+              <a:rPr lang="es-EC" dirty="0" err="1"/>
+              <a:t>overwrite</a:t>
+            </a:r>
+            <a:r>
+              <a:rPr lang="es-EC" dirty="0"/>
+              <a:t> al </a:t>
+            </a:r>
+            <a:r>
+              <a:rPr lang="es-EC" dirty="0" err="1"/>
+              <a:t>malloc</a:t>
+            </a:r>
+            <a:r>
+              <a:rPr lang="es-EC" dirty="0"/>
+              <a:t> nativo en varios paquetes de software comunes y además se usa en varios ambientes de PC así como en sistemas embebidos. </a:t>
+            </a:r>
           </a:p>
         </p:txBody>
       </p:sp>
@@ -3751,6 +5266,13 @@
   <p:clrMapOvr>
     <a:masterClrMapping/>
   </p:clrMapOvr>
+  <p:timing>
+    <p:tnLst>
+      <p:par>
+        <p:cTn id="1" dur="indefinite" restart="never" nodeType="tmRoot"/>
+      </p:par>
+    </p:tnLst>
+  </p:timing>
 </p:sld>
 </file>
 
@@ -3788,7 +5310,15 @@
           <a:p>
             <a:r>
               <a:rPr lang="en-US" dirty="0" err="1" smtClean="0"/>
-              <a:t>Conclusiones</a:t>
+              <a:t>Dlmalloc</a:t>
+            </a:r>
+            <a:r>
+              <a:rPr lang="en-US" dirty="0" smtClean="0"/>
+              <a:t> - </a:t>
+            </a:r>
+            <a:r>
+              <a:rPr lang="en-US" dirty="0" err="1" smtClean="0"/>
+              <a:t>Metas</a:t>
             </a:r>
             <a:endParaRPr lang="en-US" dirty="0"/>
           </a:p>
@@ -3802,6 +5332,184 @@
           </p:cNvSpPr>
           <p:nvPr>
             <p:ph idx="1"/>
+          </p:nvPr>
+        </p:nvSpPr>
+        <p:spPr>
+          <a:xfrm>
+            <a:off x="1660144" y="1346200"/>
+            <a:ext cx="9997440" cy="4800600"/>
+          </a:xfrm>
+        </p:spPr>
+        <p:txBody>
+          <a:bodyPr>
+            <a:normAutofit fontScale="70000" lnSpcReduction="20000"/>
+          </a:bodyPr>
+          <a:lstStyle/>
+          <a:p>
+            <a:r>
+              <a:rPr lang="es-EC" dirty="0"/>
+              <a:t>Maximizar Compatibilidad, en particular obedecer las convenciones ANSI/POXI</a:t>
+            </a:r>
+          </a:p>
+          <a:p>
+            <a:r>
+              <a:rPr lang="es-EC" dirty="0"/>
+              <a:t> </a:t>
+            </a:r>
+          </a:p>
+          <a:p>
+            <a:r>
+              <a:rPr lang="es-EC" dirty="0"/>
+              <a:t>Maximizar Portabilidad, es decir, depender lo menos posible de características dependientes del Sistema como </a:t>
+            </a:r>
+            <a:r>
+              <a:rPr lang="es-EC" dirty="0" err="1"/>
+              <a:t>system</a:t>
+            </a:r>
+            <a:r>
+              <a:rPr lang="es-EC" dirty="0"/>
+              <a:t> </a:t>
+            </a:r>
+            <a:r>
+              <a:rPr lang="es-EC" dirty="0" err="1"/>
+              <a:t>calls</a:t>
+            </a:r>
+            <a:r>
+              <a:rPr lang="es-EC" dirty="0"/>
+              <a:t>, </a:t>
+            </a:r>
+            <a:r>
+              <a:rPr lang="es-EC" dirty="0" err="1"/>
+              <a:t>ademas</a:t>
+            </a:r>
+            <a:r>
+              <a:rPr lang="es-EC" dirty="0"/>
+              <a:t> de conformarse a todos los </a:t>
+            </a:r>
+            <a:r>
+              <a:rPr lang="es-EC" dirty="0" err="1"/>
+              <a:t>constraints</a:t>
+            </a:r>
+            <a:r>
+              <a:rPr lang="es-EC" dirty="0"/>
+              <a:t> conocidos del Sistema.</a:t>
+            </a:r>
+          </a:p>
+          <a:p>
+            <a:r>
+              <a:rPr lang="es-EC" dirty="0"/>
+              <a:t> </a:t>
+            </a:r>
+          </a:p>
+          <a:p>
+            <a:r>
+              <a:rPr lang="es-EC" dirty="0"/>
+              <a:t>Minimizar el Espacio. Esto se refiere a que el </a:t>
+            </a:r>
+            <a:r>
+              <a:rPr lang="es-EC" dirty="0" err="1"/>
+              <a:t>allocator</a:t>
+            </a:r>
+            <a:r>
+              <a:rPr lang="es-EC" dirty="0"/>
+              <a:t> no debe desperdiciar memoria. Debe obtener la mínima cantidad de memoria que sea posible y mantener la misma de tal manera que se minimiza la fragmentación de la misma.</a:t>
+            </a:r>
+          </a:p>
+          <a:p>
+            <a:r>
+              <a:rPr lang="es-EC" dirty="0"/>
+              <a:t> </a:t>
+            </a:r>
+          </a:p>
+          <a:p>
+            <a:r>
+              <a:rPr lang="es-EC" dirty="0"/>
+              <a:t>Minimizar el Tiempo. Quiere decir que </a:t>
+            </a:r>
+            <a:r>
+              <a:rPr lang="es-EC" dirty="0" err="1"/>
+              <a:t>malloc</a:t>
+            </a:r>
+            <a:r>
+              <a:rPr lang="es-EC" dirty="0"/>
+              <a:t>(), free() y </a:t>
+            </a:r>
+            <a:r>
+              <a:rPr lang="es-EC" dirty="0" err="1"/>
+              <a:t>realloc</a:t>
+            </a:r>
+            <a:r>
+              <a:rPr lang="es-EC" dirty="0"/>
+              <a:t>() deben ser lo mas </a:t>
+            </a:r>
+            <a:r>
+              <a:rPr lang="es-EC" dirty="0" err="1"/>
+              <a:t>rapidas</a:t>
+            </a:r>
+            <a:r>
+              <a:rPr lang="es-EC" dirty="0"/>
+              <a:t> posibles en cuanto a su tiempo promedio de ejecución.</a:t>
+            </a:r>
+          </a:p>
+          <a:p>
+            <a:r>
+              <a:rPr lang="es-EC" dirty="0"/>
+              <a:t> </a:t>
+            </a:r>
+          </a:p>
+          <a:p>
+            <a:pPr marL="82296" indent="0">
+              <a:buNone/>
+            </a:pPr>
+            <a:endParaRPr lang="en-US" dirty="0"/>
+          </a:p>
+        </p:txBody>
+      </p:sp>
+    </p:spTree>
+    <p:extLst>
+      <p:ext uri="{BB962C8B-B14F-4D97-AF65-F5344CB8AC3E}">
+        <p14:creationId xmlns:p14="http://schemas.microsoft.com/office/powerpoint/2010/main" val="201609875"/>
+      </p:ext>
+    </p:extLst>
+  </p:cSld>
+  <p:clrMapOvr>
+    <a:masterClrMapping/>
+  </p:clrMapOvr>
+  <p:timing>
+    <p:tnLst>
+      <p:par>
+        <p:cTn id="1" dur="indefinite" restart="never" nodeType="tmRoot"/>
+      </p:par>
+    </p:tnLst>
+  </p:timing>
+</p:sld>
+</file>
+
+<file path=ppt/slides/slide7.xml><?xml version="1.0" encoding="utf-8"?>
+<p:sld xmlns:a="http://schemas.openxmlformats.org/drawingml/2006/main" xmlns:r="http://schemas.openxmlformats.org/officeDocument/2006/relationships" xmlns:p="http://schemas.openxmlformats.org/presentationml/2006/main">
+  <p:cSld>
+    <p:spTree>
+      <p:nvGrpSpPr>
+        <p:cNvPr id="1" name=""/>
+        <p:cNvGrpSpPr/>
+        <p:nvPr/>
+      </p:nvGrpSpPr>
+      <p:grpSpPr>
+        <a:xfrm>
+          <a:off x="0" y="0"/>
+          <a:ext cx="0" cy="0"/>
+          <a:chOff x="0" y="0"/>
+          <a:chExt cx="0" cy="0"/>
+        </a:xfrm>
+      </p:grpSpPr>
+      <p:sp>
+        <p:nvSpPr>
+          <p:cNvPr id="2" name="Title 1"/>
+          <p:cNvSpPr>
+            <a:spLocks noGrp="1"/>
+          </p:cNvSpPr>
+          <p:nvPr>
+            <p:ph type="title"/>
           </p:nvPr>
         </p:nvSpPr>
         <p:spPr/>
@@ -3810,25 +5518,160 @@
           <a:lstStyle/>
           <a:p>
             <a:r>
+              <a:rPr lang="en-US" dirty="0" err="1" smtClean="0"/>
+              <a:t>Dlmalloc</a:t>
+            </a:r>
+            <a:r>
               <a:rPr lang="en-US" dirty="0" smtClean="0"/>
-              <a:t>No </a:t>
+              <a:t> -</a:t>
             </a:r>
             <a:r>
               <a:rPr lang="en-US" dirty="0" err="1" smtClean="0"/>
-              <a:t>tomar</a:t>
-            </a:r>
-            <a:r>
-              <a:rPr lang="en-US" dirty="0" smtClean="0"/>
-              <a:t> un </a:t>
-            </a:r>
-            <a:r>
-              <a:rPr lang="en-US" dirty="0" err="1" smtClean="0"/>
-              <a:t>avión</a:t>
-            </a:r>
-            <a:r>
-              <a:rPr lang="en-US" dirty="0" smtClean="0"/>
-              <a:t> a casa</a:t>
-            </a:r>
+              <a:t>Metas</a:t>
+            </a:r>
+            <a:endParaRPr lang="en-US" dirty="0"/>
+          </a:p>
+        </p:txBody>
+      </p:sp>
+      <p:sp>
+        <p:nvSpPr>
+          <p:cNvPr id="3" name="Content Placeholder 2"/>
+          <p:cNvSpPr>
+            <a:spLocks noGrp="1"/>
+          </p:cNvSpPr>
+          <p:nvPr>
+            <p:ph idx="1"/>
+          </p:nvPr>
+        </p:nvSpPr>
+        <p:spPr/>
+        <p:txBody>
+          <a:bodyPr>
+            <a:normAutofit fontScale="62500" lnSpcReduction="20000"/>
+          </a:bodyPr>
+          <a:lstStyle/>
+          <a:p>
+            <a:r>
+              <a:rPr lang="es-EC" dirty="0"/>
+              <a:t>Maximizar </a:t>
+            </a:r>
+            <a:r>
+              <a:rPr lang="es-EC" dirty="0" err="1"/>
+              <a:t>Afanabilidad</a:t>
+            </a:r>
+            <a:r>
+              <a:rPr lang="es-EC" dirty="0"/>
+              <a:t> (</a:t>
+            </a:r>
+            <a:r>
+              <a:rPr lang="es-EC" dirty="0" err="1"/>
+              <a:t>Tunability</a:t>
+            </a:r>
+            <a:r>
+              <a:rPr lang="es-EC" dirty="0"/>
+              <a:t>). Las características y comportamientos opcionales de </a:t>
+            </a:r>
+            <a:r>
+              <a:rPr lang="es-EC" dirty="0" err="1"/>
+              <a:t>dlmalloc</a:t>
+            </a:r>
+            <a:r>
+              <a:rPr lang="es-EC" dirty="0"/>
+              <a:t> deben poder ser controlados por el usuario, ya sea estática o dinámicamente.</a:t>
+            </a:r>
+          </a:p>
+          <a:p>
+            <a:r>
+              <a:rPr lang="en-US" dirty="0"/>
+              <a:t> </a:t>
+            </a:r>
+            <a:endParaRPr lang="es-EC" dirty="0"/>
+          </a:p>
+          <a:p>
+            <a:r>
+              <a:rPr lang="es-EC" dirty="0"/>
+              <a:t>Maximizar Localidad. Se ubican pedazos de memoria que se utilizan típicamente juntos en cercanía unos de otros. Esto ayuda a minimizar la cantidad de miss de páginas y de cache durante la ejecución.</a:t>
+            </a:r>
+          </a:p>
+          <a:p>
+            <a:r>
+              <a:rPr lang="es-EC" dirty="0"/>
+              <a:t>  </a:t>
+            </a:r>
+          </a:p>
+          <a:p>
+            <a:r>
+              <a:rPr lang="es-EC" dirty="0"/>
+              <a:t>Detección de Errores. Aunque no es posible que esta librería de uso general sirva también como una librería de detección de errores de memoria como </a:t>
+            </a:r>
+            <a:r>
+              <a:rPr lang="es-EC" i="1" dirty="0" err="1"/>
+              <a:t>Purify</a:t>
+            </a:r>
+            <a:r>
+              <a:rPr lang="es-EC" dirty="0"/>
+              <a:t>, si debe proveer algún medio para detector corrupción de memoria debido a sobre-escritura, múltiples </a:t>
+            </a:r>
+            <a:r>
+              <a:rPr lang="es-EC" dirty="0" err="1"/>
+              <a:t>frees</a:t>
+            </a:r>
+            <a:r>
+              <a:rPr lang="es-EC" dirty="0"/>
+              <a:t>, etc..</a:t>
+            </a:r>
+          </a:p>
+          <a:p>
+            <a:r>
+              <a:rPr lang="es-EC" dirty="0"/>
+              <a:t> </a:t>
+            </a:r>
+          </a:p>
+          <a:p>
+            <a:r>
+              <a:rPr lang="es-EC" dirty="0"/>
+              <a:t>Minimizar Anomalías. Si el </a:t>
+            </a:r>
+            <a:r>
+              <a:rPr lang="es-EC" dirty="0" err="1"/>
+              <a:t>allocator</a:t>
+            </a:r>
+            <a:r>
+              <a:rPr lang="es-EC" dirty="0"/>
+              <a:t> es configurado usando los valores default debería funcionar bien en una amplia gama de aplicaciones tales como aplicaciones GUI, compiladores, interpretadores, </a:t>
+            </a:r>
+            <a:r>
+              <a:rPr lang="es-EC" dirty="0" err="1"/>
+              <a:t>IDEs</a:t>
+            </a:r>
+            <a:r>
+              <a:rPr lang="es-EC" dirty="0"/>
+              <a:t> , programas con </a:t>
+            </a:r>
+            <a:r>
+              <a:rPr lang="es-EC" dirty="0" err="1"/>
+              <a:t>intensive</a:t>
+            </a:r>
+            <a:r>
+              <a:rPr lang="es-EC" dirty="0"/>
+              <a:t> </a:t>
+            </a:r>
+            <a:r>
+              <a:rPr lang="es-EC" dirty="0" err="1"/>
+              <a:t>networking</a:t>
+            </a:r>
+            <a:r>
+              <a:rPr lang="es-EC" dirty="0"/>
+              <a:t>, paquetes gráficos, web browsers , </a:t>
+            </a:r>
+            <a:r>
+              <a:rPr lang="es-EC" dirty="0" err="1"/>
+              <a:t>etc</a:t>
+            </a:r>
+            <a:r>
+              <a:rPr lang="es-EC" dirty="0"/>
+              <a:t> …</a:t>
+            </a:r>
+            <a:endParaRPr lang="es-EC" dirty="0"/>
           </a:p>
         </p:txBody>
       </p:sp>
@@ -3842,95 +5685,271 @@
   <p:clrMapOvr>
     <a:masterClrMapping/>
   </p:clrMapOvr>
+  <p:timing>
+    <p:tnLst>
+      <p:par>
+        <p:cTn id="1" dur="indefinite" restart="never" nodeType="tmRoot"/>
+      </p:par>
+    </p:tnLst>
+  </p:timing>
+</p:sld>
+</file>
+
+<file path=ppt/slides/slide8.xml><?xml version="1.0" encoding="utf-8"?>
+<p:sld xmlns:a="http://schemas.openxmlformats.org/drawingml/2006/main" xmlns:r="http://schemas.openxmlformats.org/officeDocument/2006/relationships" xmlns:p="http://schemas.openxmlformats.org/presentationml/2006/main">
+  <p:cSld>
+    <p:spTree>
+      <p:nvGrpSpPr>
+        <p:cNvPr id="1" name=""/>
+        <p:cNvGrpSpPr/>
+        <p:nvPr/>
+      </p:nvGrpSpPr>
+      <p:grpSpPr>
+        <a:xfrm>
+          <a:off x="0" y="0"/>
+          <a:ext cx="0" cy="0"/>
+          <a:chOff x="0" y="0"/>
+          <a:chExt cx="0" cy="0"/>
+        </a:xfrm>
+      </p:grpSpPr>
+      <p:sp>
+        <p:nvSpPr>
+          <p:cNvPr id="2" name="Title 1"/>
+          <p:cNvSpPr>
+            <a:spLocks noGrp="1"/>
+          </p:cNvSpPr>
+          <p:nvPr>
+            <p:ph type="title"/>
+          </p:nvPr>
+        </p:nvSpPr>
+        <p:spPr/>
+        <p:txBody>
+          <a:bodyPr/>
+          <a:lstStyle/>
+          <a:p>
+            <a:r>
+              <a:rPr lang="en-US" dirty="0" err="1" smtClean="0"/>
+              <a:t>Dlmalloc</a:t>
+            </a:r>
+            <a:r>
+              <a:rPr lang="en-US" dirty="0" smtClean="0"/>
+              <a:t> -</a:t>
+            </a:r>
+            <a:r>
+              <a:rPr lang="en-US" dirty="0" err="1" smtClean="0"/>
+              <a:t>Algoritmos</a:t>
+            </a:r>
+            <a:endParaRPr lang="es-EC" dirty="0"/>
+          </a:p>
+        </p:txBody>
+      </p:sp>
+      <p:sp>
+        <p:nvSpPr>
+          <p:cNvPr id="3" name="Content Placeholder 2"/>
+          <p:cNvSpPr>
+            <a:spLocks noGrp="1"/>
+          </p:cNvSpPr>
+          <p:nvPr>
+            <p:ph idx="1"/>
+          </p:nvPr>
+        </p:nvSpPr>
+        <p:spPr/>
+        <p:txBody>
+          <a:bodyPr/>
+          <a:lstStyle/>
+          <a:p>
+            <a:r>
+              <a:rPr lang="es-EC" dirty="0"/>
+              <a:t>La </a:t>
+            </a:r>
+            <a:r>
+              <a:rPr lang="es-EC" dirty="0" err="1"/>
+              <a:t>Dlmalloc</a:t>
+            </a:r>
+            <a:r>
+              <a:rPr lang="es-EC" dirty="0"/>
+              <a:t> usa dos algoritmos como base para su </a:t>
+            </a:r>
+            <a:r>
+              <a:rPr lang="es-EC" dirty="0" smtClean="0"/>
+              <a:t>funcionamiento, </a:t>
+            </a:r>
+            <a:r>
+              <a:rPr lang="es-EC" dirty="0"/>
+              <a:t>los cuales han permanecido aproximadamente iguales desde sus primeras versiones.</a:t>
+            </a:r>
+          </a:p>
+          <a:p>
+            <a:r>
+              <a:rPr lang="en-US" dirty="0" err="1" smtClean="0"/>
+              <a:t>Bounday</a:t>
+            </a:r>
+            <a:r>
+              <a:rPr lang="en-US" dirty="0" smtClean="0"/>
+              <a:t> Tag </a:t>
+            </a:r>
+          </a:p>
+          <a:p>
+            <a:r>
+              <a:rPr lang="en-US" dirty="0" smtClean="0"/>
+              <a:t>Binning</a:t>
+            </a:r>
+            <a:endParaRPr lang="es-EC" dirty="0"/>
+          </a:p>
+        </p:txBody>
+      </p:sp>
+    </p:spTree>
+    <p:extLst>
+      <p:ext uri="{BB962C8B-B14F-4D97-AF65-F5344CB8AC3E}">
+        <p14:creationId xmlns:p14="http://schemas.microsoft.com/office/powerpoint/2010/main" val="2256175565"/>
+      </p:ext>
+    </p:extLst>
+  </p:cSld>
+  <p:clrMapOvr>
+    <a:masterClrMapping/>
+  </p:clrMapOvr>
+</p:sld>
+</file>
+
+<file path=ppt/slides/slide9.xml><?xml version="1.0" encoding="utf-8"?>
+<p:sld xmlns:a="http://schemas.openxmlformats.org/drawingml/2006/main" xmlns:r="http://schemas.openxmlformats.org/officeDocument/2006/relationships" xmlns:p="http://schemas.openxmlformats.org/presentationml/2006/main">
+  <p:cSld>
+    <p:spTree>
+      <p:nvGrpSpPr>
+        <p:cNvPr id="1" name=""/>
+        <p:cNvGrpSpPr/>
+        <p:nvPr/>
+      </p:nvGrpSpPr>
+      <p:grpSpPr>
+        <a:xfrm>
+          <a:off x="0" y="0"/>
+          <a:ext cx="0" cy="0"/>
+          <a:chOff x="0" y="0"/>
+          <a:chExt cx="0" cy="0"/>
+        </a:xfrm>
+      </p:grpSpPr>
+      <p:sp>
+        <p:nvSpPr>
+          <p:cNvPr id="2" name="Title 1"/>
+          <p:cNvSpPr>
+            <a:spLocks noGrp="1"/>
+          </p:cNvSpPr>
+          <p:nvPr>
+            <p:ph type="title"/>
+          </p:nvPr>
+        </p:nvSpPr>
+        <p:spPr/>
+        <p:txBody>
+          <a:bodyPr/>
+          <a:lstStyle/>
+          <a:p>
+            <a:r>
+              <a:rPr lang="en-US" dirty="0" err="1" smtClean="0"/>
+              <a:t>Dlmalloc</a:t>
+            </a:r>
+            <a:r>
+              <a:rPr lang="en-US" dirty="0" smtClean="0"/>
+              <a:t> – Boundary tag</a:t>
+            </a:r>
+            <a:endParaRPr lang="es-EC" dirty="0"/>
+          </a:p>
+        </p:txBody>
+      </p:sp>
+      <p:pic>
+        <p:nvPicPr>
+          <p:cNvPr id="4" name="Content Placeholder 3"/>
+          <p:cNvPicPr>
+            <a:picLocks noGrp="1" noChangeAspect="1"/>
+          </p:cNvPicPr>
+          <p:nvPr>
+            <p:ph idx="1"/>
+          </p:nvPr>
+        </p:nvPicPr>
+        <p:blipFill>
+          <a:blip r:embed="rId2">
+            <a:extLst>
+              <a:ext uri="{28A0092B-C50C-407E-A947-70E740481C1C}">
+                <a14:useLocalDpi xmlns:a14="http://schemas.microsoft.com/office/drawing/2010/main" val="0"/>
+              </a:ext>
+            </a:extLst>
+          </a:blip>
+          <a:stretch>
+            <a:fillRect/>
+          </a:stretch>
+        </p:blipFill>
+        <p:spPr>
+          <a:xfrm>
+            <a:off x="3524110" y="1447800"/>
+            <a:ext cx="6777318" cy="4800600"/>
+          </a:xfrm>
+        </p:spPr>
+      </p:pic>
+    </p:spTree>
+    <p:extLst>
+      <p:ext uri="{BB962C8B-B14F-4D97-AF65-F5344CB8AC3E}">
+        <p14:creationId xmlns:p14="http://schemas.microsoft.com/office/powerpoint/2010/main" val="2224261475"/>
+      </p:ext>
+    </p:extLst>
+  </p:cSld>
+  <p:clrMapOvr>
+    <a:masterClrMapping/>
+  </p:clrMapOvr>
 </p:sld>
 </file>
 
 <file path=ppt/theme/theme1.xml><?xml version="1.0" encoding="utf-8"?>
-<a:theme xmlns:a="http://schemas.openxmlformats.org/drawingml/2006/main" name="Office Theme">
+<a:theme xmlns:a="http://schemas.openxmlformats.org/drawingml/2006/main" name="Solstice">
   <a:themeElements>
-    <a:clrScheme name="Office">
+    <a:clrScheme name="Solstice">
       <a:dk1>
         <a:sysClr val="windowText" lastClr="000000"/>
       </a:dk1>
       <a:lt1>
-        <a:sysClr val="window" lastClr="F9F9F9"/>
+        <a:sysClr val="window" lastClr="FFFFFF"/>
       </a:lt1>
       <a:dk2>
-        <a:srgbClr val="44546A"/>
+        <a:srgbClr val="4F271C"/>
       </a:dk2>
       <a:lt2>
-        <a:srgbClr val="E7E6E6"/>
+        <a:srgbClr val="E7DEC9"/>
       </a:lt2>
       <a:accent1>
-        <a:srgbClr val="5B9BD5"/>
+        <a:srgbClr val="3891A7"/>
       </a:accent1>
       <a:accent2>
-        <a:srgbClr val="ED7D31"/>
+        <a:srgbClr val="FEB80A"/>
       </a:accent2>
       <a:accent3>
-        <a:srgbClr val="A5A5A5"/>
+        <a:srgbClr val="C32D2E"/>
       </a:accent3>
       <a:accent4>
-        <a:srgbClr val="FFC000"/>
+        <a:srgbClr val="84AA33"/>
       </a:accent4>
       <a:accent5>
-        <a:srgbClr val="4472C4"/>
+        <a:srgbClr val="964305"/>
       </a:accent5>
       <a:accent6>
-        <a:srgbClr val="70AD47"/>
+        <a:srgbClr val="475A8D"/>
       </a:accent6>
       <a:hlink>
-        <a:srgbClr val="0563C1"/>
+        <a:srgbClr val="8DC765"/>
       </a:hlink>
       <a:folHlink>
-        <a:srgbClr val="954F72"/>
+        <a:srgbClr val="AA8A14"/>
       </a:folHlink>
     </a:clrScheme>
-    <a:fontScheme name="Office">
+    <a:fontScheme name="Solstice">
       <a:majorFont>
-        <a:latin typeface="Calibri Light" panose="020F0302020204030204"/>
+        <a:latin typeface="Gill Sans MT"/>
         <a:ea typeface=""/>
         <a:cs typeface=""/>
-        <a:font script="Jpan" typeface="ＭＳ Ｐゴシック"/>
-        <a:font script="Hang" typeface="맑은 고딕"/>
-        <a:font script="Hans" typeface="宋体"/>
-        <a:font script="Hant" typeface="新細明體"/>
-        <a:font script="Arab" typeface="Times New Roman"/>
-        <a:font script="Hebr" typeface="Times New Roman"/>
-        <a:font script="Thai" typeface="Angsana New"/>
-        <a:font script="Ethi" typeface="Nyala"/>
-        <a:font script="Beng" typeface="Vrinda"/>
-        <a:font script="Gujr" typeface="Shruti"/>
-        <a:font script="Khmr" typeface="MoolBoran"/>
-        <a:font script="Knda" typeface="Tunga"/>
-        <a:font script="Guru" typeface="Raavi"/>
-        <a:font script="Cans" typeface="Euphemia"/>
-        <a:font script="Cher" typeface="Plantagenet Cherokee"/>
-        <a:font script="Yiii" typeface="Microsoft Yi Baiti"/>
-        <a:font script="Tibt" typeface="Microsoft Himalaya"/>
-        <a:font script="Thaa" typeface="MV Boli"/>
-        <a:font script="Deva" typeface="Mangal"/>
-        <a:font script="Telu" typeface="Gautami"/>
-        <a:font script="Taml" typeface="Latha"/>
-        <a:font script="Syrc" typeface="Estrangelo Edessa"/>
-        <a:font script="Orya" typeface="Kalinga"/>
-        <a:font script="Mlym" typeface="Kartika"/>
-        <a:font script="Laoo" typeface="DokChampa"/>
-        <a:font script="Sinh" typeface="Iskoola Pota"/>
-        <a:font script="Mong" typeface="Mongolian Baiti"/>
-        <a:font script="Viet" typeface="Times New Roman"/>
-        <a:font script="Uigh" typeface="Microsoft Uighur"/>
-        <a:font script="Geor" typeface="Sylfaen"/>
-      </a:majorFont>
-      <a:minorFont>
-        <a:latin typeface="Calibri" panose="020F0502020204030204"/>
-        <a:ea typeface=""/>
-        <a:cs typeface=""/>
-        <a:font script="Jpan" typeface="ＭＳ Ｐゴシック"/>
-        <a:font script="Hang" typeface="맑은 고딕"/>
-        <a:font script="Hans" typeface="宋体"/>
-        <a:font script="Hant" typeface="新細明體"/>
-        <a:font script="Arab" typeface="Arial"/>
+        <a:font script="Grek" typeface="Corbel"/>
+        <a:font script="Cyrl" typeface="Corbel"/>
+        <a:font script="Jpan" typeface="HGｺﾞｼｯｸE"/>
+        <a:font script="Hang" typeface="휴먼매직체"/>
+        <a:font script="Hans" typeface="华文中宋"/>
+        <a:font script="Hant" typeface="微軟正黑體"/>
+        <a:font script="Arab" typeface="Majalla UI"/>
         <a:font script="Hebr" typeface="Arial"/>
         <a:font script="Thai" typeface="Cordia New"/>
         <a:font script="Ethi" typeface="Nyala"/>
@@ -3953,12 +5972,49 @@
         <a:font script="Laoo" typeface="DokChampa"/>
         <a:font script="Sinh" typeface="Iskoola Pota"/>
         <a:font script="Mong" typeface="Mongolian Baiti"/>
-        <a:font script="Viet" typeface="Arial"/>
+        <a:font script="Viet" typeface="Tahoma"/>
+        <a:font script="Uigh" typeface="Microsoft Uighur"/>
+        <a:font script="Geor" typeface="Sylfaen"/>
+      </a:majorFont>
+      <a:minorFont>
+        <a:latin typeface="Gill Sans MT"/>
+        <a:ea typeface=""/>
+        <a:cs typeface=""/>
+        <a:font script="Grek" typeface="Corbel"/>
+        <a:font script="Cyrl" typeface="Corbel"/>
+        <a:font script="Jpan" typeface="HGｺﾞｼｯｸE"/>
+        <a:font script="Hang" typeface="HY엽서L"/>
+        <a:font script="Hans" typeface="华文中宋"/>
+        <a:font script="Hant" typeface="微軟正黑體"/>
+        <a:font script="Arab" typeface="Majalla UI"/>
+        <a:font script="Hebr" typeface="Arial"/>
+        <a:font script="Thai" typeface="Cordia New"/>
+        <a:font script="Ethi" typeface="Nyala"/>
+        <a:font script="Beng" typeface="Vrinda"/>
+        <a:font script="Gujr" typeface="Shruti"/>
+        <a:font script="Khmr" typeface="DaunPenh"/>
+        <a:font script="Knda" typeface="Tunga"/>
+        <a:font script="Guru" typeface="Raavi"/>
+        <a:font script="Cans" typeface="Euphemia"/>
+        <a:font script="Cher" typeface="Plantagenet Cherokee"/>
+        <a:font script="Yiii" typeface="Microsoft Yi Baiti"/>
+        <a:font script="Tibt" typeface="Microsoft Himalaya"/>
+        <a:font script="Thaa" typeface="MV Boli"/>
+        <a:font script="Deva" typeface="Mangal"/>
+        <a:font script="Telu" typeface="Gautami"/>
+        <a:font script="Taml" typeface="Latha"/>
+        <a:font script="Syrc" typeface="Estrangelo Edessa"/>
+        <a:font script="Orya" typeface="Kalinga"/>
+        <a:font script="Mlym" typeface="Kartika"/>
+        <a:font script="Laoo" typeface="DokChampa"/>
+        <a:font script="Sinh" typeface="Iskoola Pota"/>
+        <a:font script="Mong" typeface="Mongolian Baiti"/>
+        <a:font script="Viet" typeface="Tahoma"/>
         <a:font script="Uigh" typeface="Microsoft Uighur"/>
         <a:font script="Geor" typeface="Sylfaen"/>
       </a:minorFont>
     </a:fontScheme>
-    <a:fmtScheme name="Office">
+    <a:fmtScheme name="Solstice">
       <a:fillStyleLst>
         <a:solidFill>
           <a:schemeClr val="phClr"/>
@@ -3967,141 +6023,201 @@
           <a:gsLst>
             <a:gs pos="0">
               <a:schemeClr val="phClr">
-                <a:lumMod val="110000"/>
-                <a:satMod val="105000"/>
-                <a:tint val="67000"/>
+                <a:tint val="35000"/>
+                <a:satMod val="253000"/>
               </a:schemeClr>
             </a:gs>
             <a:gs pos="50000">
               <a:schemeClr val="phClr">
-                <a:lumMod val="105000"/>
-                <a:satMod val="103000"/>
-                <a:tint val="73000"/>
+                <a:tint val="42000"/>
+                <a:satMod val="255000"/>
+              </a:schemeClr>
+            </a:gs>
+            <a:gs pos="97000">
+              <a:schemeClr val="phClr">
+                <a:tint val="53000"/>
+                <a:satMod val="260000"/>
               </a:schemeClr>
             </a:gs>
             <a:gs pos="100000">
               <a:schemeClr val="phClr">
-                <a:lumMod val="105000"/>
-                <a:satMod val="109000"/>
-                <a:tint val="81000"/>
+                <a:tint val="56000"/>
+                <a:satMod val="275000"/>
               </a:schemeClr>
             </a:gs>
           </a:gsLst>
-          <a:lin ang="5400000" scaled="0"/>
+          <a:path path="circle">
+            <a:fillToRect l="50000" t="50000" r="50000" b="50000"/>
+          </a:path>
         </a:gradFill>
         <a:gradFill rotWithShape="1">
           <a:gsLst>
             <a:gs pos="0">
               <a:schemeClr val="phClr">
-                <a:satMod val="103000"/>
-                <a:lumMod val="102000"/>
-                <a:tint val="94000"/>
+                <a:tint val="92000"/>
+                <a:satMod val="170000"/>
               </a:schemeClr>
             </a:gs>
-            <a:gs pos="50000">
+            <a:gs pos="15000">
               <a:schemeClr val="phClr">
-                <a:satMod val="110000"/>
-                <a:lumMod val="100000"/>
-                <a:shade val="100000"/>
+                <a:tint val="92000"/>
+                <a:shade val="99000"/>
+                <a:satMod val="170000"/>
+              </a:schemeClr>
+            </a:gs>
+            <a:gs pos="62000">
+              <a:schemeClr val="phClr">
+                <a:tint val="96000"/>
+                <a:shade val="80000"/>
+                <a:satMod val="170000"/>
+              </a:schemeClr>
+            </a:gs>
+            <a:gs pos="97000">
+              <a:schemeClr val="phClr">
+                <a:tint val="98000"/>
+                <a:shade val="63000"/>
+                <a:satMod val="170000"/>
               </a:schemeClr>
             </a:gs>
             <a:gs pos="100000">
               <a:schemeClr val="phClr">
-                <a:lumMod val="99000"/>
-                <a:satMod val="120000"/>
-                <a:shade val="78000"/>
+                <a:shade val="62000"/>
+                <a:satMod val="170000"/>
               </a:schemeClr>
             </a:gs>
           </a:gsLst>
-          <a:lin ang="5400000" scaled="0"/>
+          <a:path path="circle">
+            <a:fillToRect l="50000" t="50000" r="50000" b="50000"/>
+          </a:path>
         </a:gradFill>
       </a:fillStyleLst>
       <a:lnStyleLst>
-        <a:ln w="6350" cap="flat" cmpd="sng" algn="ctr">
+        <a:ln w="9525" cap="flat" cmpd="sng" algn="ctr">
           <a:solidFill>
             <a:schemeClr val="phClr"/>
           </a:solidFill>
           <a:prstDash val="solid"/>
-          <a:miter lim="800000"/>
         </a:ln>
-        <a:ln w="12700" cap="flat" cmpd="sng" algn="ctr">
+        <a:ln w="25400" cap="flat" cmpd="sng" algn="ctr">
           <a:solidFill>
             <a:schemeClr val="phClr"/>
           </a:solidFill>
           <a:prstDash val="solid"/>
-          <a:miter lim="800000"/>
         </a:ln>
-        <a:ln w="19050" cap="flat" cmpd="sng" algn="ctr">
+        <a:ln w="25400" cap="flat" cmpd="sng" algn="ctr">
           <a:solidFill>
             <a:schemeClr val="phClr"/>
           </a:solidFill>
           <a:prstDash val="solid"/>
-          <a:miter lim="800000"/>
         </a:ln>
       </a:lnStyleLst>
       <a:effectStyleLst>
         <a:effectStyle>
-          <a:effectLst/>
-        </a:effectStyle>
-        <a:effectStyle>
-          <a:effectLst/>
+          <a:effectLst>
+            <a:outerShdw blurRad="63500" dist="25400" dir="5400000" rotWithShape="0">
+              <a:srgbClr val="000000">
+                <a:alpha val="43137"/>
+              </a:srgbClr>
+            </a:outerShdw>
+          </a:effectLst>
         </a:effectStyle>
         <a:effectStyle>
           <a:effectLst>
-            <a:outerShdw blurRad="57150" dist="19050" dir="5400000" algn="ctr" rotWithShape="0">
+            <a:outerShdw blurRad="63500" dist="25400" dir="5400000" rotWithShape="0">
               <a:srgbClr val="000000">
-                <a:alpha val="63000"/>
+                <a:alpha val="43137"/>
               </a:srgbClr>
             </a:outerShdw>
           </a:effectLst>
+          <a:scene3d>
+            <a:camera prst="orthographicFront" fov="0">
+              <a:rot lat="0" lon="0" rev="0"/>
+            </a:camera>
+            <a:lightRig rig="brightRoom" dir="tl">
+              <a:rot lat="0" lon="0" rev="8700000"/>
+            </a:lightRig>
+          </a:scene3d>
+          <a:sp3d contourW="12700">
+            <a:bevelT w="0" h="0"/>
+            <a:contourClr>
+              <a:schemeClr val="phClr">
+                <a:shade val="80000"/>
+              </a:schemeClr>
+            </a:contourClr>
+          </a:sp3d>
+        </a:effectStyle>
+        <a:effectStyle>
+          <a:effectLst>
+            <a:outerShdw blurRad="63500" dist="25400" dir="5400000" rotWithShape="0">
+              <a:srgbClr val="000000">
+                <a:alpha val="43137"/>
+              </a:srgbClr>
+            </a:outerShdw>
+          </a:effectLst>
+          <a:scene3d>
+            <a:camera prst="orthographicFront" fov="0">
+              <a:rot lat="0" lon="0" rev="0"/>
+            </a:camera>
+            <a:lightRig rig="brightRoom" dir="tl">
+              <a:rot lat="0" lon="0" rev="5400000"/>
+            </a:lightRig>
+          </a:scene3d>
+          <a:sp3d contourW="12700">
+            <a:bevelT w="25400" h="50800" prst="angle"/>
+            <a:contourClr>
+              <a:schemeClr val="phClr"/>
+            </a:contourClr>
+          </a:sp3d>
         </a:effectStyle>
       </a:effectStyleLst>
       <a:bgFillStyleLst>
         <a:solidFill>
           <a:schemeClr val="phClr"/>
         </a:solidFill>
-        <a:solidFill>
-          <a:schemeClr val="phClr">
-            <a:tint val="95000"/>
-            <a:satMod val="170000"/>
-          </a:schemeClr>
-        </a:solidFill>
         <a:gradFill rotWithShape="1">
           <a:gsLst>
             <a:gs pos="0">
               <a:schemeClr val="phClr">
-                <a:tint val="93000"/>
-                <a:satMod val="150000"/>
-                <a:shade val="98000"/>
-                <a:lumMod val="102000"/>
+                <a:tint val="60000"/>
+                <a:satMod val="355000"/>
               </a:schemeClr>
             </a:gs>
-            <a:gs pos="50000">
+            <a:gs pos="40000">
               <a:schemeClr val="phClr">
-                <a:tint val="98000"/>
-                <a:satMod val="130000"/>
-                <a:shade val="90000"/>
-                <a:lumMod val="103000"/>
+                <a:tint val="85000"/>
+                <a:satMod val="320000"/>
               </a:schemeClr>
             </a:gs>
             <a:gs pos="100000">
               <a:schemeClr val="phClr">
-                <a:shade val="63000"/>
-                <a:satMod val="120000"/>
+                <a:shade val="55000"/>
+                <a:satMod val="300000"/>
               </a:schemeClr>
             </a:gs>
           </a:gsLst>
-          <a:lin ang="5400000" scaled="0"/>
+          <a:path path="circle">
+            <a:fillToRect l="-24500" t="-20000" r="124500" b="120000"/>
+          </a:path>
         </a:gradFill>
+        <a:blipFill>
+          <a:blip xmlns:r="http://schemas.openxmlformats.org/officeDocument/2006/relationships" r:embed="rId1">
+            <a:duotone>
+              <a:schemeClr val="phClr">
+                <a:shade val="9000"/>
+                <a:satMod val="300000"/>
+              </a:schemeClr>
+              <a:schemeClr val="phClr">
+                <a:tint val="90000"/>
+                <a:satMod val="225000"/>
+              </a:schemeClr>
+            </a:duotone>
+          </a:blip>
+          <a:tile tx="0" ty="0" sx="90000" sy="90000" flip="xy" algn="tl"/>
+        </a:blipFill>
       </a:bgFillStyleLst>
     </a:fmtScheme>
   </a:themeElements>
   <a:objectDefaults/>
   <a:extraClrSchemeLst/>
-  <a:extLst>
-    <a:ext uri="{05A4C25C-085E-4340-85A3-A5531E510DB2}">
-      <thm15:themeFamily xmlns:thm15="http://schemas.microsoft.com/office/thememl/2012/main" name="Office Theme" id="{62F939B6-93AF-4DB8-9C6B-D6C7DFDC589F}" vid="{4A3C46E8-61CC-4603-A589-7422A47A8E4A}"/>
-    </a:ext>
-  </a:extLst>
 </a:theme>
 </file>
--- a/Recolección de Basura en C.pptx
+++ b/Recolección de Basura en C.pptx
@@ -141,7 +141,18 @@
       </p14:sectionLst>
     </p:ext>
     <p:ext uri="{EFAFB233-063F-42B5-8137-9DF3F51BA10A}">
-      <p15:sldGuideLst xmlns="" xmlns:p15="http://schemas.microsoft.com/office/powerpoint/2012/main"/>
+      <p15:sldGuideLst xmlns:p15="http://schemas.microsoft.com/office/powerpoint/2012/main">
+        <p15:guide id="1" orient="horz" pos="2160">
+          <p15:clr>
+            <a:srgbClr val="A4A3A4"/>
+          </p15:clr>
+        </p15:guide>
+        <p15:guide id="2" pos="3840">
+          <p15:clr>
+            <a:srgbClr val="A4A3A4"/>
+          </p15:clr>
+        </p15:guide>
+      </p15:sldGuideLst>
     </p:ext>
   </p:extLst>
 </p:presentation>
@@ -4493,7 +4504,11 @@
           <a:bodyPr/>
           <a:lstStyle/>
           <a:p>
-            <a:endParaRPr lang="es-EC"/>
+            <a:r>
+              <a:rPr lang="en-US" dirty="0" err="1" smtClean="0"/>
+              <a:t>Conclusiones</a:t>
+            </a:r>
+            <a:endParaRPr lang="es-EC" dirty="0"/>
           </a:p>
         </p:txBody>
       </p:sp>
@@ -4512,7 +4527,29 @@
           <a:bodyPr/>
           <a:lstStyle/>
           <a:p>
-            <a:endParaRPr lang="es-EC"/>
+            <a:r>
+              <a:rPr lang="en-US" dirty="0" smtClean="0"/>
+              <a:t>No </a:t>
+            </a:r>
+            <a:r>
+              <a:rPr lang="en-US" dirty="0" err="1" smtClean="0"/>
+              <a:t>tomar</a:t>
+            </a:r>
+            <a:r>
+              <a:rPr lang="en-US" dirty="0" smtClean="0"/>
+              <a:t> un </a:t>
+            </a:r>
+            <a:r>
+              <a:rPr lang="en-US" dirty="0" err="1" smtClean="0"/>
+              <a:t>avión</a:t>
+            </a:r>
+            <a:r>
+              <a:rPr lang="en-US" dirty="0" smtClean="0"/>
+              <a:t> a casa.</a:t>
+            </a:r>
+          </a:p>
+          <a:p>
+            <a:endParaRPr lang="es-EC" dirty="0"/>
           </a:p>
         </p:txBody>
       </p:sp>
@@ -4600,16 +4637,11 @@
               <a:rPr lang="en-US" dirty="0" smtClean="0"/>
               <a:t> </a:t>
             </a:r>
-            <a:endParaRPr lang="en-US" dirty="0" smtClean="0"/>
           </a:p>
           <a:p>
             <a:r>
               <a:rPr lang="en-US" dirty="0" smtClean="0"/>
-              <a:t>Overhead </a:t>
-            </a:r>
-            <a:r>
-              <a:rPr lang="en-US" dirty="0" smtClean="0"/>
-              <a:t>en </a:t>
+              <a:t>Overhead en </a:t>
             </a:r>
             <a:r>
               <a:rPr lang="en-US" dirty="0" err="1" smtClean="0"/>
@@ -4639,11 +4671,7 @@
           <a:p>
             <a:r>
               <a:rPr lang="en-US" dirty="0" smtClean="0"/>
-              <a:t>Trade-off (Performance &gt; Convenience</a:t>
-            </a:r>
-            <a:r>
-              <a:rPr lang="en-US" dirty="0" smtClean="0"/>
-              <a:t>)</a:t>
+              <a:t>Trade-off (Performance &gt; Convenience)</a:t>
             </a:r>
           </a:p>
           <a:p>
@@ -4805,7 +4833,7 @@
         </p:nvSpPr>
         <p:spPr>
           <a:xfrm>
-            <a:off x="838200" y="365125"/>
+            <a:off x="1472585" y="208715"/>
             <a:ext cx="10880558" cy="1325563"/>
           </a:xfrm>
         </p:spPr>
@@ -5352,6 +5380,50 @@
             </a:r>
           </a:p>
           <a:p>
+            <a:endParaRPr lang="es-EC" dirty="0"/>
+          </a:p>
+          <a:p>
+            <a:r>
+              <a:rPr lang="es-EC" dirty="0"/>
+              <a:t>Maximizar Portabilidad, es decir, depender lo menos posible de características dependientes del Sistema como </a:t>
+            </a:r>
+            <a:r>
+              <a:rPr lang="es-EC" dirty="0" err="1"/>
+              <a:t>system</a:t>
+            </a:r>
+            <a:r>
+              <a:rPr lang="es-EC" dirty="0"/>
+              <a:t> </a:t>
+            </a:r>
+            <a:r>
+              <a:rPr lang="es-EC" dirty="0" err="1"/>
+              <a:t>calls</a:t>
+            </a:r>
+            <a:r>
+              <a:rPr lang="es-EC" dirty="0"/>
+              <a:t>, </a:t>
+            </a:r>
+            <a:r>
+              <a:rPr lang="es-EC" dirty="0" smtClean="0"/>
+              <a:t>además </a:t>
+            </a:r>
+            <a:r>
+              <a:rPr lang="es-EC" dirty="0"/>
+              <a:t>de conformarse a todos los </a:t>
+            </a:r>
+            <a:r>
+              <a:rPr lang="es-EC" dirty="0" err="1"/>
+              <a:t>constraints</a:t>
+            </a:r>
+            <a:r>
+              <a:rPr lang="es-EC" dirty="0"/>
+              <a:t> conocidos del Sistema.</a:t>
+            </a:r>
+          </a:p>
+          <a:p>
+            <a:pPr marL="82296" indent="0">
+              <a:buNone/>
+            </a:pPr>
             <a:r>
               <a:rPr lang="es-EC" dirty="0"/>
               <a:t> </a:t>
@@ -5360,42 +5432,21 @@
           <a:p>
             <a:r>
               <a:rPr lang="es-EC" dirty="0"/>
-              <a:t>Maximizar Portabilidad, es decir, depender lo menos posible de características dependientes del Sistema como </a:t>
+              <a:t>Minimizar el Espacio. Esto se refiere a que el </a:t>
             </a:r>
             <a:r>
               <a:rPr lang="es-EC" dirty="0" err="1"/>
-              <a:t>system</a:t>
+              <a:t>allocator</a:t>
             </a:r>
             <a:r>
               <a:rPr lang="es-EC" dirty="0"/>
-              <a:t> </a:t>
-            </a:r>
-            <a:r>
-              <a:rPr lang="es-EC" dirty="0" err="1"/>
-              <a:t>calls</a:t>
-            </a:r>
-            <a:r>
-              <a:rPr lang="es-EC" dirty="0"/>
-              <a:t>, </a:t>
-            </a:r>
-            <a:r>
-              <a:rPr lang="es-EC" dirty="0" err="1"/>
-              <a:t>ademas</a:t>
-            </a:r>
-            <a:r>
-              <a:rPr lang="es-EC" dirty="0"/>
-              <a:t> de conformarse a todos los </a:t>
-            </a:r>
-            <a:r>
-              <a:rPr lang="es-EC" dirty="0" err="1"/>
-              <a:t>constraints</a:t>
-            </a:r>
-            <a:r>
-              <a:rPr lang="es-EC" dirty="0"/>
-              <a:t> conocidos del Sistema.</a:t>
-            </a:r>
-          </a:p>
-          <a:p>
+              <a:t> no debe desperdiciar memoria. Debe obtener la mínima cantidad de memoria que sea posible y mantener la misma de tal manera que se minimiza la fragmentación de la misma.</a:t>
+            </a:r>
+          </a:p>
+          <a:p>
+            <a:pPr marL="82296" indent="0">
+              <a:buNone/>
+            </a:pPr>
             <a:r>
               <a:rPr lang="es-EC" dirty="0"/>
               <a:t> </a:t>
@@ -5404,26 +5455,6 @@
           <a:p>
             <a:r>
               <a:rPr lang="es-EC" dirty="0"/>
-              <a:t>Minimizar el Espacio. Esto se refiere a que el </a:t>
-            </a:r>
-            <a:r>
-              <a:rPr lang="es-EC" dirty="0" err="1"/>
-              <a:t>allocator</a:t>
-            </a:r>
-            <a:r>
-              <a:rPr lang="es-EC" dirty="0"/>
-              <a:t> no debe desperdiciar memoria. Debe obtener la mínima cantidad de memoria que sea posible y mantener la misma de tal manera que se minimiza la fragmentación de la misma.</a:t>
-            </a:r>
-          </a:p>
-          <a:p>
-            <a:r>
-              <a:rPr lang="es-EC" dirty="0"/>
-              <a:t> </a:t>
-            </a:r>
-          </a:p>
-          <a:p>
-            <a:r>
-              <a:rPr lang="es-EC" dirty="0"/>
               <a:t>Minimizar el Tiempo. Quiere decir que </a:t>
             </a:r>
             <a:r>
@@ -5452,10 +5483,7 @@
             </a:r>
           </a:p>
           <a:p>
-            <a:r>
-              <a:rPr lang="es-EC" dirty="0"/>
-              <a:t> </a:t>
-            </a:r>
+            <a:endParaRPr lang="es-EC" dirty="0"/>
           </a:p>
           <a:p>
             <a:pPr marL="82296" indent="0">
@@ -5580,10 +5608,6 @@
             </a:r>
           </a:p>
           <a:p>
-            <a:r>
-              <a:rPr lang="en-US" dirty="0"/>
-              <a:t> </a:t>
-            </a:r>
             <a:endParaRPr lang="es-EC" dirty="0"/>
           </a:p>
           <a:p>
@@ -5593,6 +5617,9 @@
             </a:r>
           </a:p>
           <a:p>
+            <a:pPr marL="82296" indent="0">
+              <a:buNone/>
+            </a:pPr>
             <a:r>
               <a:rPr lang="es-EC" dirty="0"/>
               <a:t>  </a:t>
@@ -5621,6 +5648,9 @@
             </a:r>
           </a:p>
           <a:p>
+            <a:pPr marL="82296" indent="0">
+              <a:buNone/>
+            </a:pPr>
             <a:r>
               <a:rPr lang="es-EC" dirty="0"/>
               <a:t> </a:t>
@@ -5671,7 +5701,6 @@
               <a:rPr lang="es-EC" dirty="0"/>
               <a:t> …</a:t>
             </a:r>
-            <a:endParaRPr lang="es-EC" dirty="0"/>
           </a:p>
         </p:txBody>
       </p:sp>
@@ -5781,13 +5810,10 @@
           </a:p>
           <a:p>
             <a:r>
-              <a:rPr lang="en-US" dirty="0" err="1" smtClean="0"/>
-              <a:t>Bounday</a:t>
-            </a:r>
-            <a:r>
               <a:rPr lang="en-US" dirty="0" smtClean="0"/>
-              <a:t> Tag </a:t>
-            </a:r>
+              <a:t>Boundary Tag </a:t>
+            </a:r>
+            <a:endParaRPr lang="en-US" dirty="0" smtClean="0"/>
           </a:p>
           <a:p>
             <a:r>
@@ -5905,7 +5931,7 @@
         <a:sysClr val="windowText" lastClr="000000"/>
       </a:dk1>
       <a:lt1>
-        <a:sysClr val="window" lastClr="FFFFFF"/>
+        <a:sysClr val="window" lastClr="F9F9F9"/>
       </a:lt1>
       <a:dk2>
         <a:srgbClr val="4F271C"/>
